--- a/workspace/presentations/ai_trends_2026_presentation.pptx
+++ b/workspace/presentations/ai_trends_2026_presentation.pptx
@@ -4,9 +4,31 @@
   <p:sldMasterIdLst>
     <p:sldMasterId id="2147483648" r:id="rId1"/>
   </p:sldMasterIdLst>
-  <p:sldIdLst/>
+  <p:sldIdLst>
+    <p:sldId id="256" r:id="rId2"/>
+    <p:sldId id="257" r:id="rId3"/>
+    <p:sldId id="258" r:id="rId4"/>
+    <p:sldId id="259" r:id="rId5"/>
+    <p:sldId id="260" r:id="rId6"/>
+    <p:sldId id="261" r:id="rId7"/>
+    <p:sldId id="262" r:id="rId8"/>
+    <p:sldId id="263" r:id="rId9"/>
+    <p:sldId id="264" r:id="rId10"/>
+    <p:sldId id="265" r:id="rId11"/>
+    <p:sldId id="266" r:id="rId12"/>
+    <p:sldId id="267" r:id="rId13"/>
+    <p:sldId id="268" r:id="rId14"/>
+    <p:sldId id="269" r:id="rId15"/>
+    <p:sldId id="270" r:id="rId16"/>
+    <p:sldId id="271" r:id="rId17"/>
+    <p:sldId id="272" r:id="rId18"/>
+    <p:sldId id="273" r:id="rId19"/>
+    <p:sldId id="274" r:id="rId20"/>
+    <p:sldId id="275" r:id="rId21"/>
+    <p:sldId id="276" r:id="rId22"/>
+  </p:sldIdLst>
   <p:notesMasterIdLst>
-    <p:notesMasterId r:id="rId2"/>
+    <p:notesMasterId r:id="rId23"/>
   </p:notesMasterIdLst>
   <p:sldSz cx="9144000" cy="5143500"/>
   <p:notesSz cx="5143500" cy="9144000"/>
@@ -452,6 +474,1854 @@
     </a:lvl9pPr>
   </p:notesStyle>
 </p:notesMaster>
+</file>
+
+<file path=ppt/notesSlides/notesSlide1.xml><?xml version="1.0" encoding="utf-8"?>
+<p:notes xmlns:a="http://schemas.openxmlformats.org/drawingml/2006/main" xmlns:r="http://schemas.openxmlformats.org/officeDocument/2006/relationships" xmlns:p="http://schemas.openxmlformats.org/presentationml/2006/main">
+  <p:cSld>
+    <p:spTree>
+      <p:nvGrpSpPr>
+        <p:cNvPr id="1" name=""/>
+        <p:cNvGrpSpPr/>
+        <p:nvPr/>
+      </p:nvGrpSpPr>
+      <p:grpSpPr>
+        <a:xfrm>
+          <a:off x="0" y="0"/>
+          <a:ext cx="0" cy="0"/>
+          <a:chOff x="0" y="0"/>
+          <a:chExt cx="0" cy="0"/>
+        </a:xfrm>
+      </p:grpSpPr>
+      <p:sp>
+        <p:nvSpPr>
+          <p:cNvPr id="2" name="Slide Image Placeholder 1"/>
+          <p:cNvSpPr>
+            <a:spLocks noGrp="1" noRot="1" noChangeAspect="1"/>
+          </p:cNvSpPr>
+          <p:nvPr>
+            <p:ph type="sldImg"/>
+          </p:nvPr>
+        </p:nvSpPr>
+        <p:spPr/>
+      </p:sp>
+      <p:sp>
+        <p:nvSpPr>
+          <p:cNvPr id="3" name="Notes Placeholder 2"/>
+          <p:cNvSpPr>
+            <a:spLocks noGrp="1"/>
+          </p:cNvSpPr>
+          <p:nvPr>
+            <p:ph type="body" idx="1"/>
+          </p:nvPr>
+        </p:nvSpPr>
+        <p:spPr/>
+        <p:txBody>
+          <a:bodyPr/>
+          <a:lstStyle/>
+          <a:p>
+            <a:r>
+              <a:rPr lang="en-US" dirty="0"/>
+              <a:t/>
+            </a:r>
+            <a:endParaRPr lang="en-US" dirty="0"/>
+          </a:p>
+        </p:txBody>
+      </p:sp>
+      <p:sp>
+        <p:nvSpPr>
+          <p:cNvPr id="4" name="Slide Number Placeholder 3"/>
+          <p:cNvSpPr>
+            <a:spLocks noGrp="1"/>
+          </p:cNvSpPr>
+          <p:nvPr>
+            <p:ph type="sldNum" sz="quarter" idx="10"/>
+          </p:nvPr>
+        </p:nvSpPr>
+        <p:spPr/>
+        <p:txBody>
+          <a:bodyPr/>
+          <a:lstStyle/>
+          <a:p>
+            <a:fld id="{F7021451-1387-4CA6-816F-3879F97B5CBC}" type="slidenum">
+              <a:rPr lang="en-US"/>
+              <a:t>1</a:t>
+            </a:fld>
+            <a:endParaRPr lang="en-US"/>
+          </a:p>
+        </p:txBody>
+      </p:sp>
+    </p:spTree>
+    <p:extLst>
+      <p:ext uri="{BB962C8B-B14F-4D97-AF65-F5344CB8AC3E}">
+        <p14:creationId xmlns:p14="http://schemas.microsoft.com/office/powerpoint/2010/main" val="1024086991"/>
+      </p:ext>
+    </p:extLst>
+  </p:cSld>
+  <p:clrMapOvr>
+    <a:masterClrMapping/>
+  </p:clrMapOvr>
+</p:notes>
+</file>
+
+<file path=ppt/notesSlides/notesSlide10.xml><?xml version="1.0" encoding="utf-8"?>
+<p:notes xmlns:a="http://schemas.openxmlformats.org/drawingml/2006/main" xmlns:r="http://schemas.openxmlformats.org/officeDocument/2006/relationships" xmlns:p="http://schemas.openxmlformats.org/presentationml/2006/main">
+  <p:cSld>
+    <p:spTree>
+      <p:nvGrpSpPr>
+        <p:cNvPr id="1" name=""/>
+        <p:cNvGrpSpPr/>
+        <p:nvPr/>
+      </p:nvGrpSpPr>
+      <p:grpSpPr>
+        <a:xfrm>
+          <a:off x="0" y="0"/>
+          <a:ext cx="0" cy="0"/>
+          <a:chOff x="0" y="0"/>
+          <a:chExt cx="0" cy="0"/>
+        </a:xfrm>
+      </p:grpSpPr>
+      <p:sp>
+        <p:nvSpPr>
+          <p:cNvPr id="2" name="Slide Image Placeholder 1"/>
+          <p:cNvSpPr>
+            <a:spLocks noGrp="1" noRot="1" noChangeAspect="1"/>
+          </p:cNvSpPr>
+          <p:nvPr>
+            <p:ph type="sldImg"/>
+          </p:nvPr>
+        </p:nvSpPr>
+        <p:spPr/>
+      </p:sp>
+      <p:sp>
+        <p:nvSpPr>
+          <p:cNvPr id="3" name="Notes Placeholder 2"/>
+          <p:cNvSpPr>
+            <a:spLocks noGrp="1"/>
+          </p:cNvSpPr>
+          <p:nvPr>
+            <p:ph type="body" idx="1"/>
+          </p:nvPr>
+        </p:nvSpPr>
+        <p:spPr/>
+        <p:txBody>
+          <a:bodyPr/>
+          <a:lstStyle/>
+          <a:p>
+            <a:r>
+              <a:rPr lang="en-US" dirty="0"/>
+              <a:t/>
+            </a:r>
+            <a:endParaRPr lang="en-US" dirty="0"/>
+          </a:p>
+        </p:txBody>
+      </p:sp>
+      <p:sp>
+        <p:nvSpPr>
+          <p:cNvPr id="4" name="Slide Number Placeholder 3"/>
+          <p:cNvSpPr>
+            <a:spLocks noGrp="1"/>
+          </p:cNvSpPr>
+          <p:nvPr>
+            <p:ph type="sldNum" sz="quarter" idx="10"/>
+          </p:nvPr>
+        </p:nvSpPr>
+        <p:spPr/>
+        <p:txBody>
+          <a:bodyPr/>
+          <a:lstStyle/>
+          <a:p>
+            <a:fld id="{F7021451-1387-4CA6-816F-3879F97B5CBC}" type="slidenum">
+              <a:rPr lang="en-US"/>
+              <a:t>10</a:t>
+            </a:fld>
+            <a:endParaRPr lang="en-US"/>
+          </a:p>
+        </p:txBody>
+      </p:sp>
+    </p:spTree>
+    <p:extLst>
+      <p:ext uri="{BB962C8B-B14F-4D97-AF65-F5344CB8AC3E}">
+        <p14:creationId xmlns:p14="http://schemas.microsoft.com/office/powerpoint/2010/main" val="1024086991"/>
+      </p:ext>
+    </p:extLst>
+  </p:cSld>
+  <p:clrMapOvr>
+    <a:masterClrMapping/>
+  </p:clrMapOvr>
+</p:notes>
+</file>
+
+<file path=ppt/notesSlides/notesSlide11.xml><?xml version="1.0" encoding="utf-8"?>
+<p:notes xmlns:a="http://schemas.openxmlformats.org/drawingml/2006/main" xmlns:r="http://schemas.openxmlformats.org/officeDocument/2006/relationships" xmlns:p="http://schemas.openxmlformats.org/presentationml/2006/main">
+  <p:cSld>
+    <p:spTree>
+      <p:nvGrpSpPr>
+        <p:cNvPr id="1" name=""/>
+        <p:cNvGrpSpPr/>
+        <p:nvPr/>
+      </p:nvGrpSpPr>
+      <p:grpSpPr>
+        <a:xfrm>
+          <a:off x="0" y="0"/>
+          <a:ext cx="0" cy="0"/>
+          <a:chOff x="0" y="0"/>
+          <a:chExt cx="0" cy="0"/>
+        </a:xfrm>
+      </p:grpSpPr>
+      <p:sp>
+        <p:nvSpPr>
+          <p:cNvPr id="2" name="Slide Image Placeholder 1"/>
+          <p:cNvSpPr>
+            <a:spLocks noGrp="1" noRot="1" noChangeAspect="1"/>
+          </p:cNvSpPr>
+          <p:nvPr>
+            <p:ph type="sldImg"/>
+          </p:nvPr>
+        </p:nvSpPr>
+        <p:spPr/>
+      </p:sp>
+      <p:sp>
+        <p:nvSpPr>
+          <p:cNvPr id="3" name="Notes Placeholder 2"/>
+          <p:cNvSpPr>
+            <a:spLocks noGrp="1"/>
+          </p:cNvSpPr>
+          <p:nvPr>
+            <p:ph type="body" idx="1"/>
+          </p:nvPr>
+        </p:nvSpPr>
+        <p:spPr/>
+        <p:txBody>
+          <a:bodyPr/>
+          <a:lstStyle/>
+          <a:p>
+            <a:r>
+              <a:rPr lang="en-US" dirty="0"/>
+              <a:t/>
+            </a:r>
+            <a:endParaRPr lang="en-US" dirty="0"/>
+          </a:p>
+        </p:txBody>
+      </p:sp>
+      <p:sp>
+        <p:nvSpPr>
+          <p:cNvPr id="4" name="Slide Number Placeholder 3"/>
+          <p:cNvSpPr>
+            <a:spLocks noGrp="1"/>
+          </p:cNvSpPr>
+          <p:nvPr>
+            <p:ph type="sldNum" sz="quarter" idx="10"/>
+          </p:nvPr>
+        </p:nvSpPr>
+        <p:spPr/>
+        <p:txBody>
+          <a:bodyPr/>
+          <a:lstStyle/>
+          <a:p>
+            <a:fld id="{F7021451-1387-4CA6-816F-3879F97B5CBC}" type="slidenum">
+              <a:rPr lang="en-US"/>
+              <a:t>11</a:t>
+            </a:fld>
+            <a:endParaRPr lang="en-US"/>
+          </a:p>
+        </p:txBody>
+      </p:sp>
+    </p:spTree>
+    <p:extLst>
+      <p:ext uri="{BB962C8B-B14F-4D97-AF65-F5344CB8AC3E}">
+        <p14:creationId xmlns:p14="http://schemas.microsoft.com/office/powerpoint/2010/main" val="1024086991"/>
+      </p:ext>
+    </p:extLst>
+  </p:cSld>
+  <p:clrMapOvr>
+    <a:masterClrMapping/>
+  </p:clrMapOvr>
+</p:notes>
+</file>
+
+<file path=ppt/notesSlides/notesSlide12.xml><?xml version="1.0" encoding="utf-8"?>
+<p:notes xmlns:a="http://schemas.openxmlformats.org/drawingml/2006/main" xmlns:r="http://schemas.openxmlformats.org/officeDocument/2006/relationships" xmlns:p="http://schemas.openxmlformats.org/presentationml/2006/main">
+  <p:cSld>
+    <p:spTree>
+      <p:nvGrpSpPr>
+        <p:cNvPr id="1" name=""/>
+        <p:cNvGrpSpPr/>
+        <p:nvPr/>
+      </p:nvGrpSpPr>
+      <p:grpSpPr>
+        <a:xfrm>
+          <a:off x="0" y="0"/>
+          <a:ext cx="0" cy="0"/>
+          <a:chOff x="0" y="0"/>
+          <a:chExt cx="0" cy="0"/>
+        </a:xfrm>
+      </p:grpSpPr>
+      <p:sp>
+        <p:nvSpPr>
+          <p:cNvPr id="2" name="Slide Image Placeholder 1"/>
+          <p:cNvSpPr>
+            <a:spLocks noGrp="1" noRot="1" noChangeAspect="1"/>
+          </p:cNvSpPr>
+          <p:nvPr>
+            <p:ph type="sldImg"/>
+          </p:nvPr>
+        </p:nvSpPr>
+        <p:spPr/>
+      </p:sp>
+      <p:sp>
+        <p:nvSpPr>
+          <p:cNvPr id="3" name="Notes Placeholder 2"/>
+          <p:cNvSpPr>
+            <a:spLocks noGrp="1"/>
+          </p:cNvSpPr>
+          <p:nvPr>
+            <p:ph type="body" idx="1"/>
+          </p:nvPr>
+        </p:nvSpPr>
+        <p:spPr/>
+        <p:txBody>
+          <a:bodyPr/>
+          <a:lstStyle/>
+          <a:p>
+            <a:r>
+              <a:rPr lang="en-US" dirty="0"/>
+              <a:t/>
+            </a:r>
+            <a:endParaRPr lang="en-US" dirty="0"/>
+          </a:p>
+        </p:txBody>
+      </p:sp>
+      <p:sp>
+        <p:nvSpPr>
+          <p:cNvPr id="4" name="Slide Number Placeholder 3"/>
+          <p:cNvSpPr>
+            <a:spLocks noGrp="1"/>
+          </p:cNvSpPr>
+          <p:nvPr>
+            <p:ph type="sldNum" sz="quarter" idx="10"/>
+          </p:nvPr>
+        </p:nvSpPr>
+        <p:spPr/>
+        <p:txBody>
+          <a:bodyPr/>
+          <a:lstStyle/>
+          <a:p>
+            <a:fld id="{F7021451-1387-4CA6-816F-3879F97B5CBC}" type="slidenum">
+              <a:rPr lang="en-US"/>
+              <a:t>12</a:t>
+            </a:fld>
+            <a:endParaRPr lang="en-US"/>
+          </a:p>
+        </p:txBody>
+      </p:sp>
+    </p:spTree>
+    <p:extLst>
+      <p:ext uri="{BB962C8B-B14F-4D97-AF65-F5344CB8AC3E}">
+        <p14:creationId xmlns:p14="http://schemas.microsoft.com/office/powerpoint/2010/main" val="1024086991"/>
+      </p:ext>
+    </p:extLst>
+  </p:cSld>
+  <p:clrMapOvr>
+    <a:masterClrMapping/>
+  </p:clrMapOvr>
+</p:notes>
+</file>
+
+<file path=ppt/notesSlides/notesSlide13.xml><?xml version="1.0" encoding="utf-8"?>
+<p:notes xmlns:a="http://schemas.openxmlformats.org/drawingml/2006/main" xmlns:r="http://schemas.openxmlformats.org/officeDocument/2006/relationships" xmlns:p="http://schemas.openxmlformats.org/presentationml/2006/main">
+  <p:cSld>
+    <p:spTree>
+      <p:nvGrpSpPr>
+        <p:cNvPr id="1" name=""/>
+        <p:cNvGrpSpPr/>
+        <p:nvPr/>
+      </p:nvGrpSpPr>
+      <p:grpSpPr>
+        <a:xfrm>
+          <a:off x="0" y="0"/>
+          <a:ext cx="0" cy="0"/>
+          <a:chOff x="0" y="0"/>
+          <a:chExt cx="0" cy="0"/>
+        </a:xfrm>
+      </p:grpSpPr>
+      <p:sp>
+        <p:nvSpPr>
+          <p:cNvPr id="2" name="Slide Image Placeholder 1"/>
+          <p:cNvSpPr>
+            <a:spLocks noGrp="1" noRot="1" noChangeAspect="1"/>
+          </p:cNvSpPr>
+          <p:nvPr>
+            <p:ph type="sldImg"/>
+          </p:nvPr>
+        </p:nvSpPr>
+        <p:spPr/>
+      </p:sp>
+      <p:sp>
+        <p:nvSpPr>
+          <p:cNvPr id="3" name="Notes Placeholder 2"/>
+          <p:cNvSpPr>
+            <a:spLocks noGrp="1"/>
+          </p:cNvSpPr>
+          <p:nvPr>
+            <p:ph type="body" idx="1"/>
+          </p:nvPr>
+        </p:nvSpPr>
+        <p:spPr/>
+        <p:txBody>
+          <a:bodyPr/>
+          <a:lstStyle/>
+          <a:p>
+            <a:r>
+              <a:rPr lang="en-US" dirty="0"/>
+              <a:t/>
+            </a:r>
+            <a:endParaRPr lang="en-US" dirty="0"/>
+          </a:p>
+        </p:txBody>
+      </p:sp>
+      <p:sp>
+        <p:nvSpPr>
+          <p:cNvPr id="4" name="Slide Number Placeholder 3"/>
+          <p:cNvSpPr>
+            <a:spLocks noGrp="1"/>
+          </p:cNvSpPr>
+          <p:nvPr>
+            <p:ph type="sldNum" sz="quarter" idx="10"/>
+          </p:nvPr>
+        </p:nvSpPr>
+        <p:spPr/>
+        <p:txBody>
+          <a:bodyPr/>
+          <a:lstStyle/>
+          <a:p>
+            <a:fld id="{F7021451-1387-4CA6-816F-3879F97B5CBC}" type="slidenum">
+              <a:rPr lang="en-US"/>
+              <a:t>13</a:t>
+            </a:fld>
+            <a:endParaRPr lang="en-US"/>
+          </a:p>
+        </p:txBody>
+      </p:sp>
+    </p:spTree>
+    <p:extLst>
+      <p:ext uri="{BB962C8B-B14F-4D97-AF65-F5344CB8AC3E}">
+        <p14:creationId xmlns:p14="http://schemas.microsoft.com/office/powerpoint/2010/main" val="1024086991"/>
+      </p:ext>
+    </p:extLst>
+  </p:cSld>
+  <p:clrMapOvr>
+    <a:masterClrMapping/>
+  </p:clrMapOvr>
+</p:notes>
+</file>
+
+<file path=ppt/notesSlides/notesSlide14.xml><?xml version="1.0" encoding="utf-8"?>
+<p:notes xmlns:a="http://schemas.openxmlformats.org/drawingml/2006/main" xmlns:r="http://schemas.openxmlformats.org/officeDocument/2006/relationships" xmlns:p="http://schemas.openxmlformats.org/presentationml/2006/main">
+  <p:cSld>
+    <p:spTree>
+      <p:nvGrpSpPr>
+        <p:cNvPr id="1" name=""/>
+        <p:cNvGrpSpPr/>
+        <p:nvPr/>
+      </p:nvGrpSpPr>
+      <p:grpSpPr>
+        <a:xfrm>
+          <a:off x="0" y="0"/>
+          <a:ext cx="0" cy="0"/>
+          <a:chOff x="0" y="0"/>
+          <a:chExt cx="0" cy="0"/>
+        </a:xfrm>
+      </p:grpSpPr>
+      <p:sp>
+        <p:nvSpPr>
+          <p:cNvPr id="2" name="Slide Image Placeholder 1"/>
+          <p:cNvSpPr>
+            <a:spLocks noGrp="1" noRot="1" noChangeAspect="1"/>
+          </p:cNvSpPr>
+          <p:nvPr>
+            <p:ph type="sldImg"/>
+          </p:nvPr>
+        </p:nvSpPr>
+        <p:spPr/>
+      </p:sp>
+      <p:sp>
+        <p:nvSpPr>
+          <p:cNvPr id="3" name="Notes Placeholder 2"/>
+          <p:cNvSpPr>
+            <a:spLocks noGrp="1"/>
+          </p:cNvSpPr>
+          <p:nvPr>
+            <p:ph type="body" idx="1"/>
+          </p:nvPr>
+        </p:nvSpPr>
+        <p:spPr/>
+        <p:txBody>
+          <a:bodyPr/>
+          <a:lstStyle/>
+          <a:p>
+            <a:r>
+              <a:rPr lang="en-US" dirty="0"/>
+              <a:t/>
+            </a:r>
+            <a:endParaRPr lang="en-US" dirty="0"/>
+          </a:p>
+        </p:txBody>
+      </p:sp>
+      <p:sp>
+        <p:nvSpPr>
+          <p:cNvPr id="4" name="Slide Number Placeholder 3"/>
+          <p:cNvSpPr>
+            <a:spLocks noGrp="1"/>
+          </p:cNvSpPr>
+          <p:nvPr>
+            <p:ph type="sldNum" sz="quarter" idx="10"/>
+          </p:nvPr>
+        </p:nvSpPr>
+        <p:spPr/>
+        <p:txBody>
+          <a:bodyPr/>
+          <a:lstStyle/>
+          <a:p>
+            <a:fld id="{F7021451-1387-4CA6-816F-3879F97B5CBC}" type="slidenum">
+              <a:rPr lang="en-US"/>
+              <a:t>14</a:t>
+            </a:fld>
+            <a:endParaRPr lang="en-US"/>
+          </a:p>
+        </p:txBody>
+      </p:sp>
+    </p:spTree>
+    <p:extLst>
+      <p:ext uri="{BB962C8B-B14F-4D97-AF65-F5344CB8AC3E}">
+        <p14:creationId xmlns:p14="http://schemas.microsoft.com/office/powerpoint/2010/main" val="1024086991"/>
+      </p:ext>
+    </p:extLst>
+  </p:cSld>
+  <p:clrMapOvr>
+    <a:masterClrMapping/>
+  </p:clrMapOvr>
+</p:notes>
+</file>
+
+<file path=ppt/notesSlides/notesSlide15.xml><?xml version="1.0" encoding="utf-8"?>
+<p:notes xmlns:a="http://schemas.openxmlformats.org/drawingml/2006/main" xmlns:r="http://schemas.openxmlformats.org/officeDocument/2006/relationships" xmlns:p="http://schemas.openxmlformats.org/presentationml/2006/main">
+  <p:cSld>
+    <p:spTree>
+      <p:nvGrpSpPr>
+        <p:cNvPr id="1" name=""/>
+        <p:cNvGrpSpPr/>
+        <p:nvPr/>
+      </p:nvGrpSpPr>
+      <p:grpSpPr>
+        <a:xfrm>
+          <a:off x="0" y="0"/>
+          <a:ext cx="0" cy="0"/>
+          <a:chOff x="0" y="0"/>
+          <a:chExt cx="0" cy="0"/>
+        </a:xfrm>
+      </p:grpSpPr>
+      <p:sp>
+        <p:nvSpPr>
+          <p:cNvPr id="2" name="Slide Image Placeholder 1"/>
+          <p:cNvSpPr>
+            <a:spLocks noGrp="1" noRot="1" noChangeAspect="1"/>
+          </p:cNvSpPr>
+          <p:nvPr>
+            <p:ph type="sldImg"/>
+          </p:nvPr>
+        </p:nvSpPr>
+        <p:spPr/>
+      </p:sp>
+      <p:sp>
+        <p:nvSpPr>
+          <p:cNvPr id="3" name="Notes Placeholder 2"/>
+          <p:cNvSpPr>
+            <a:spLocks noGrp="1"/>
+          </p:cNvSpPr>
+          <p:nvPr>
+            <p:ph type="body" idx="1"/>
+          </p:nvPr>
+        </p:nvSpPr>
+        <p:spPr/>
+        <p:txBody>
+          <a:bodyPr/>
+          <a:lstStyle/>
+          <a:p>
+            <a:r>
+              <a:rPr lang="en-US" dirty="0"/>
+              <a:t/>
+            </a:r>
+            <a:endParaRPr lang="en-US" dirty="0"/>
+          </a:p>
+        </p:txBody>
+      </p:sp>
+      <p:sp>
+        <p:nvSpPr>
+          <p:cNvPr id="4" name="Slide Number Placeholder 3"/>
+          <p:cNvSpPr>
+            <a:spLocks noGrp="1"/>
+          </p:cNvSpPr>
+          <p:nvPr>
+            <p:ph type="sldNum" sz="quarter" idx="10"/>
+          </p:nvPr>
+        </p:nvSpPr>
+        <p:spPr/>
+        <p:txBody>
+          <a:bodyPr/>
+          <a:lstStyle/>
+          <a:p>
+            <a:fld id="{F7021451-1387-4CA6-816F-3879F97B5CBC}" type="slidenum">
+              <a:rPr lang="en-US"/>
+              <a:t>15</a:t>
+            </a:fld>
+            <a:endParaRPr lang="en-US"/>
+          </a:p>
+        </p:txBody>
+      </p:sp>
+    </p:spTree>
+    <p:extLst>
+      <p:ext uri="{BB962C8B-B14F-4D97-AF65-F5344CB8AC3E}">
+        <p14:creationId xmlns:p14="http://schemas.microsoft.com/office/powerpoint/2010/main" val="1024086991"/>
+      </p:ext>
+    </p:extLst>
+  </p:cSld>
+  <p:clrMapOvr>
+    <a:masterClrMapping/>
+  </p:clrMapOvr>
+</p:notes>
+</file>
+
+<file path=ppt/notesSlides/notesSlide16.xml><?xml version="1.0" encoding="utf-8"?>
+<p:notes xmlns:a="http://schemas.openxmlformats.org/drawingml/2006/main" xmlns:r="http://schemas.openxmlformats.org/officeDocument/2006/relationships" xmlns:p="http://schemas.openxmlformats.org/presentationml/2006/main">
+  <p:cSld>
+    <p:spTree>
+      <p:nvGrpSpPr>
+        <p:cNvPr id="1" name=""/>
+        <p:cNvGrpSpPr/>
+        <p:nvPr/>
+      </p:nvGrpSpPr>
+      <p:grpSpPr>
+        <a:xfrm>
+          <a:off x="0" y="0"/>
+          <a:ext cx="0" cy="0"/>
+          <a:chOff x="0" y="0"/>
+          <a:chExt cx="0" cy="0"/>
+        </a:xfrm>
+      </p:grpSpPr>
+      <p:sp>
+        <p:nvSpPr>
+          <p:cNvPr id="2" name="Slide Image Placeholder 1"/>
+          <p:cNvSpPr>
+            <a:spLocks noGrp="1" noRot="1" noChangeAspect="1"/>
+          </p:cNvSpPr>
+          <p:nvPr>
+            <p:ph type="sldImg"/>
+          </p:nvPr>
+        </p:nvSpPr>
+        <p:spPr/>
+      </p:sp>
+      <p:sp>
+        <p:nvSpPr>
+          <p:cNvPr id="3" name="Notes Placeholder 2"/>
+          <p:cNvSpPr>
+            <a:spLocks noGrp="1"/>
+          </p:cNvSpPr>
+          <p:nvPr>
+            <p:ph type="body" idx="1"/>
+          </p:nvPr>
+        </p:nvSpPr>
+        <p:spPr/>
+        <p:txBody>
+          <a:bodyPr/>
+          <a:lstStyle/>
+          <a:p>
+            <a:r>
+              <a:rPr lang="en-US" dirty="0"/>
+              <a:t/>
+            </a:r>
+            <a:endParaRPr lang="en-US" dirty="0"/>
+          </a:p>
+        </p:txBody>
+      </p:sp>
+      <p:sp>
+        <p:nvSpPr>
+          <p:cNvPr id="4" name="Slide Number Placeholder 3"/>
+          <p:cNvSpPr>
+            <a:spLocks noGrp="1"/>
+          </p:cNvSpPr>
+          <p:nvPr>
+            <p:ph type="sldNum" sz="quarter" idx="10"/>
+          </p:nvPr>
+        </p:nvSpPr>
+        <p:spPr/>
+        <p:txBody>
+          <a:bodyPr/>
+          <a:lstStyle/>
+          <a:p>
+            <a:fld id="{F7021451-1387-4CA6-816F-3879F97B5CBC}" type="slidenum">
+              <a:rPr lang="en-US"/>
+              <a:t>16</a:t>
+            </a:fld>
+            <a:endParaRPr lang="en-US"/>
+          </a:p>
+        </p:txBody>
+      </p:sp>
+    </p:spTree>
+    <p:extLst>
+      <p:ext uri="{BB962C8B-B14F-4D97-AF65-F5344CB8AC3E}">
+        <p14:creationId xmlns:p14="http://schemas.microsoft.com/office/powerpoint/2010/main" val="1024086991"/>
+      </p:ext>
+    </p:extLst>
+  </p:cSld>
+  <p:clrMapOvr>
+    <a:masterClrMapping/>
+  </p:clrMapOvr>
+</p:notes>
+</file>
+
+<file path=ppt/notesSlides/notesSlide17.xml><?xml version="1.0" encoding="utf-8"?>
+<p:notes xmlns:a="http://schemas.openxmlformats.org/drawingml/2006/main" xmlns:r="http://schemas.openxmlformats.org/officeDocument/2006/relationships" xmlns:p="http://schemas.openxmlformats.org/presentationml/2006/main">
+  <p:cSld>
+    <p:spTree>
+      <p:nvGrpSpPr>
+        <p:cNvPr id="1" name=""/>
+        <p:cNvGrpSpPr/>
+        <p:nvPr/>
+      </p:nvGrpSpPr>
+      <p:grpSpPr>
+        <a:xfrm>
+          <a:off x="0" y="0"/>
+          <a:ext cx="0" cy="0"/>
+          <a:chOff x="0" y="0"/>
+          <a:chExt cx="0" cy="0"/>
+        </a:xfrm>
+      </p:grpSpPr>
+      <p:sp>
+        <p:nvSpPr>
+          <p:cNvPr id="2" name="Slide Image Placeholder 1"/>
+          <p:cNvSpPr>
+            <a:spLocks noGrp="1" noRot="1" noChangeAspect="1"/>
+          </p:cNvSpPr>
+          <p:nvPr>
+            <p:ph type="sldImg"/>
+          </p:nvPr>
+        </p:nvSpPr>
+        <p:spPr/>
+      </p:sp>
+      <p:sp>
+        <p:nvSpPr>
+          <p:cNvPr id="3" name="Notes Placeholder 2"/>
+          <p:cNvSpPr>
+            <a:spLocks noGrp="1"/>
+          </p:cNvSpPr>
+          <p:nvPr>
+            <p:ph type="body" idx="1"/>
+          </p:nvPr>
+        </p:nvSpPr>
+        <p:spPr/>
+        <p:txBody>
+          <a:bodyPr/>
+          <a:lstStyle/>
+          <a:p>
+            <a:r>
+              <a:rPr lang="en-US" dirty="0"/>
+              <a:t/>
+            </a:r>
+            <a:endParaRPr lang="en-US" dirty="0"/>
+          </a:p>
+        </p:txBody>
+      </p:sp>
+      <p:sp>
+        <p:nvSpPr>
+          <p:cNvPr id="4" name="Slide Number Placeholder 3"/>
+          <p:cNvSpPr>
+            <a:spLocks noGrp="1"/>
+          </p:cNvSpPr>
+          <p:nvPr>
+            <p:ph type="sldNum" sz="quarter" idx="10"/>
+          </p:nvPr>
+        </p:nvSpPr>
+        <p:spPr/>
+        <p:txBody>
+          <a:bodyPr/>
+          <a:lstStyle/>
+          <a:p>
+            <a:fld id="{F7021451-1387-4CA6-816F-3879F97B5CBC}" type="slidenum">
+              <a:rPr lang="en-US"/>
+              <a:t>17</a:t>
+            </a:fld>
+            <a:endParaRPr lang="en-US"/>
+          </a:p>
+        </p:txBody>
+      </p:sp>
+    </p:spTree>
+    <p:extLst>
+      <p:ext uri="{BB962C8B-B14F-4D97-AF65-F5344CB8AC3E}">
+        <p14:creationId xmlns:p14="http://schemas.microsoft.com/office/powerpoint/2010/main" val="1024086991"/>
+      </p:ext>
+    </p:extLst>
+  </p:cSld>
+  <p:clrMapOvr>
+    <a:masterClrMapping/>
+  </p:clrMapOvr>
+</p:notes>
+</file>
+
+<file path=ppt/notesSlides/notesSlide18.xml><?xml version="1.0" encoding="utf-8"?>
+<p:notes xmlns:a="http://schemas.openxmlformats.org/drawingml/2006/main" xmlns:r="http://schemas.openxmlformats.org/officeDocument/2006/relationships" xmlns:p="http://schemas.openxmlformats.org/presentationml/2006/main">
+  <p:cSld>
+    <p:spTree>
+      <p:nvGrpSpPr>
+        <p:cNvPr id="1" name=""/>
+        <p:cNvGrpSpPr/>
+        <p:nvPr/>
+      </p:nvGrpSpPr>
+      <p:grpSpPr>
+        <a:xfrm>
+          <a:off x="0" y="0"/>
+          <a:ext cx="0" cy="0"/>
+          <a:chOff x="0" y="0"/>
+          <a:chExt cx="0" cy="0"/>
+        </a:xfrm>
+      </p:grpSpPr>
+      <p:sp>
+        <p:nvSpPr>
+          <p:cNvPr id="2" name="Slide Image Placeholder 1"/>
+          <p:cNvSpPr>
+            <a:spLocks noGrp="1" noRot="1" noChangeAspect="1"/>
+          </p:cNvSpPr>
+          <p:nvPr>
+            <p:ph type="sldImg"/>
+          </p:nvPr>
+        </p:nvSpPr>
+        <p:spPr/>
+      </p:sp>
+      <p:sp>
+        <p:nvSpPr>
+          <p:cNvPr id="3" name="Notes Placeholder 2"/>
+          <p:cNvSpPr>
+            <a:spLocks noGrp="1"/>
+          </p:cNvSpPr>
+          <p:nvPr>
+            <p:ph type="body" idx="1"/>
+          </p:nvPr>
+        </p:nvSpPr>
+        <p:spPr/>
+        <p:txBody>
+          <a:bodyPr/>
+          <a:lstStyle/>
+          <a:p>
+            <a:r>
+              <a:rPr lang="en-US" dirty="0"/>
+              <a:t/>
+            </a:r>
+            <a:endParaRPr lang="en-US" dirty="0"/>
+          </a:p>
+        </p:txBody>
+      </p:sp>
+      <p:sp>
+        <p:nvSpPr>
+          <p:cNvPr id="4" name="Slide Number Placeholder 3"/>
+          <p:cNvSpPr>
+            <a:spLocks noGrp="1"/>
+          </p:cNvSpPr>
+          <p:nvPr>
+            <p:ph type="sldNum" sz="quarter" idx="10"/>
+          </p:nvPr>
+        </p:nvSpPr>
+        <p:spPr/>
+        <p:txBody>
+          <a:bodyPr/>
+          <a:lstStyle/>
+          <a:p>
+            <a:fld id="{F7021451-1387-4CA6-816F-3879F97B5CBC}" type="slidenum">
+              <a:rPr lang="en-US"/>
+              <a:t>18</a:t>
+            </a:fld>
+            <a:endParaRPr lang="en-US"/>
+          </a:p>
+        </p:txBody>
+      </p:sp>
+    </p:spTree>
+    <p:extLst>
+      <p:ext uri="{BB962C8B-B14F-4D97-AF65-F5344CB8AC3E}">
+        <p14:creationId xmlns:p14="http://schemas.microsoft.com/office/powerpoint/2010/main" val="1024086991"/>
+      </p:ext>
+    </p:extLst>
+  </p:cSld>
+  <p:clrMapOvr>
+    <a:masterClrMapping/>
+  </p:clrMapOvr>
+</p:notes>
+</file>
+
+<file path=ppt/notesSlides/notesSlide19.xml><?xml version="1.0" encoding="utf-8"?>
+<p:notes xmlns:a="http://schemas.openxmlformats.org/drawingml/2006/main" xmlns:r="http://schemas.openxmlformats.org/officeDocument/2006/relationships" xmlns:p="http://schemas.openxmlformats.org/presentationml/2006/main">
+  <p:cSld>
+    <p:spTree>
+      <p:nvGrpSpPr>
+        <p:cNvPr id="1" name=""/>
+        <p:cNvGrpSpPr/>
+        <p:nvPr/>
+      </p:nvGrpSpPr>
+      <p:grpSpPr>
+        <a:xfrm>
+          <a:off x="0" y="0"/>
+          <a:ext cx="0" cy="0"/>
+          <a:chOff x="0" y="0"/>
+          <a:chExt cx="0" cy="0"/>
+        </a:xfrm>
+      </p:grpSpPr>
+      <p:sp>
+        <p:nvSpPr>
+          <p:cNvPr id="2" name="Slide Image Placeholder 1"/>
+          <p:cNvSpPr>
+            <a:spLocks noGrp="1" noRot="1" noChangeAspect="1"/>
+          </p:cNvSpPr>
+          <p:nvPr>
+            <p:ph type="sldImg"/>
+          </p:nvPr>
+        </p:nvSpPr>
+        <p:spPr/>
+      </p:sp>
+      <p:sp>
+        <p:nvSpPr>
+          <p:cNvPr id="3" name="Notes Placeholder 2"/>
+          <p:cNvSpPr>
+            <a:spLocks noGrp="1"/>
+          </p:cNvSpPr>
+          <p:nvPr>
+            <p:ph type="body" idx="1"/>
+          </p:nvPr>
+        </p:nvSpPr>
+        <p:spPr/>
+        <p:txBody>
+          <a:bodyPr/>
+          <a:lstStyle/>
+          <a:p>
+            <a:r>
+              <a:rPr lang="en-US" dirty="0"/>
+              <a:t/>
+            </a:r>
+            <a:endParaRPr lang="en-US" dirty="0"/>
+          </a:p>
+        </p:txBody>
+      </p:sp>
+      <p:sp>
+        <p:nvSpPr>
+          <p:cNvPr id="4" name="Slide Number Placeholder 3"/>
+          <p:cNvSpPr>
+            <a:spLocks noGrp="1"/>
+          </p:cNvSpPr>
+          <p:nvPr>
+            <p:ph type="sldNum" sz="quarter" idx="10"/>
+          </p:nvPr>
+        </p:nvSpPr>
+        <p:spPr/>
+        <p:txBody>
+          <a:bodyPr/>
+          <a:lstStyle/>
+          <a:p>
+            <a:fld id="{F7021451-1387-4CA6-816F-3879F97B5CBC}" type="slidenum">
+              <a:rPr lang="en-US"/>
+              <a:t>19</a:t>
+            </a:fld>
+            <a:endParaRPr lang="en-US"/>
+          </a:p>
+        </p:txBody>
+      </p:sp>
+    </p:spTree>
+    <p:extLst>
+      <p:ext uri="{BB962C8B-B14F-4D97-AF65-F5344CB8AC3E}">
+        <p14:creationId xmlns:p14="http://schemas.microsoft.com/office/powerpoint/2010/main" val="1024086991"/>
+      </p:ext>
+    </p:extLst>
+  </p:cSld>
+  <p:clrMapOvr>
+    <a:masterClrMapping/>
+  </p:clrMapOvr>
+</p:notes>
+</file>
+
+<file path=ppt/notesSlides/notesSlide2.xml><?xml version="1.0" encoding="utf-8"?>
+<p:notes xmlns:a="http://schemas.openxmlformats.org/drawingml/2006/main" xmlns:r="http://schemas.openxmlformats.org/officeDocument/2006/relationships" xmlns:p="http://schemas.openxmlformats.org/presentationml/2006/main">
+  <p:cSld>
+    <p:spTree>
+      <p:nvGrpSpPr>
+        <p:cNvPr id="1" name=""/>
+        <p:cNvGrpSpPr/>
+        <p:nvPr/>
+      </p:nvGrpSpPr>
+      <p:grpSpPr>
+        <a:xfrm>
+          <a:off x="0" y="0"/>
+          <a:ext cx="0" cy="0"/>
+          <a:chOff x="0" y="0"/>
+          <a:chExt cx="0" cy="0"/>
+        </a:xfrm>
+      </p:grpSpPr>
+      <p:sp>
+        <p:nvSpPr>
+          <p:cNvPr id="2" name="Slide Image Placeholder 1"/>
+          <p:cNvSpPr>
+            <a:spLocks noGrp="1" noRot="1" noChangeAspect="1"/>
+          </p:cNvSpPr>
+          <p:nvPr>
+            <p:ph type="sldImg"/>
+          </p:nvPr>
+        </p:nvSpPr>
+        <p:spPr/>
+      </p:sp>
+      <p:sp>
+        <p:nvSpPr>
+          <p:cNvPr id="3" name="Notes Placeholder 2"/>
+          <p:cNvSpPr>
+            <a:spLocks noGrp="1"/>
+          </p:cNvSpPr>
+          <p:nvPr>
+            <p:ph type="body" idx="1"/>
+          </p:nvPr>
+        </p:nvSpPr>
+        <p:spPr/>
+        <p:txBody>
+          <a:bodyPr/>
+          <a:lstStyle/>
+          <a:p>
+            <a:r>
+              <a:rPr lang="en-US" dirty="0"/>
+              <a:t/>
+            </a:r>
+            <a:endParaRPr lang="en-US" dirty="0"/>
+          </a:p>
+        </p:txBody>
+      </p:sp>
+      <p:sp>
+        <p:nvSpPr>
+          <p:cNvPr id="4" name="Slide Number Placeholder 3"/>
+          <p:cNvSpPr>
+            <a:spLocks noGrp="1"/>
+          </p:cNvSpPr>
+          <p:nvPr>
+            <p:ph type="sldNum" sz="quarter" idx="10"/>
+          </p:nvPr>
+        </p:nvSpPr>
+        <p:spPr/>
+        <p:txBody>
+          <a:bodyPr/>
+          <a:lstStyle/>
+          <a:p>
+            <a:fld id="{F7021451-1387-4CA6-816F-3879F97B5CBC}" type="slidenum">
+              <a:rPr lang="en-US"/>
+              <a:t>2</a:t>
+            </a:fld>
+            <a:endParaRPr lang="en-US"/>
+          </a:p>
+        </p:txBody>
+      </p:sp>
+    </p:spTree>
+    <p:extLst>
+      <p:ext uri="{BB962C8B-B14F-4D97-AF65-F5344CB8AC3E}">
+        <p14:creationId xmlns:p14="http://schemas.microsoft.com/office/powerpoint/2010/main" val="1024086991"/>
+      </p:ext>
+    </p:extLst>
+  </p:cSld>
+  <p:clrMapOvr>
+    <a:masterClrMapping/>
+  </p:clrMapOvr>
+</p:notes>
+</file>
+
+<file path=ppt/notesSlides/notesSlide20.xml><?xml version="1.0" encoding="utf-8"?>
+<p:notes xmlns:a="http://schemas.openxmlformats.org/drawingml/2006/main" xmlns:r="http://schemas.openxmlformats.org/officeDocument/2006/relationships" xmlns:p="http://schemas.openxmlformats.org/presentationml/2006/main">
+  <p:cSld>
+    <p:spTree>
+      <p:nvGrpSpPr>
+        <p:cNvPr id="1" name=""/>
+        <p:cNvGrpSpPr/>
+        <p:nvPr/>
+      </p:nvGrpSpPr>
+      <p:grpSpPr>
+        <a:xfrm>
+          <a:off x="0" y="0"/>
+          <a:ext cx="0" cy="0"/>
+          <a:chOff x="0" y="0"/>
+          <a:chExt cx="0" cy="0"/>
+        </a:xfrm>
+      </p:grpSpPr>
+      <p:sp>
+        <p:nvSpPr>
+          <p:cNvPr id="2" name="Slide Image Placeholder 1"/>
+          <p:cNvSpPr>
+            <a:spLocks noGrp="1" noRot="1" noChangeAspect="1"/>
+          </p:cNvSpPr>
+          <p:nvPr>
+            <p:ph type="sldImg"/>
+          </p:nvPr>
+        </p:nvSpPr>
+        <p:spPr/>
+      </p:sp>
+      <p:sp>
+        <p:nvSpPr>
+          <p:cNvPr id="3" name="Notes Placeholder 2"/>
+          <p:cNvSpPr>
+            <a:spLocks noGrp="1"/>
+          </p:cNvSpPr>
+          <p:nvPr>
+            <p:ph type="body" idx="1"/>
+          </p:nvPr>
+        </p:nvSpPr>
+        <p:spPr/>
+        <p:txBody>
+          <a:bodyPr/>
+          <a:lstStyle/>
+          <a:p>
+            <a:r>
+              <a:rPr lang="en-US" dirty="0"/>
+              <a:t/>
+            </a:r>
+            <a:endParaRPr lang="en-US" dirty="0"/>
+          </a:p>
+        </p:txBody>
+      </p:sp>
+      <p:sp>
+        <p:nvSpPr>
+          <p:cNvPr id="4" name="Slide Number Placeholder 3"/>
+          <p:cNvSpPr>
+            <a:spLocks noGrp="1"/>
+          </p:cNvSpPr>
+          <p:nvPr>
+            <p:ph type="sldNum" sz="quarter" idx="10"/>
+          </p:nvPr>
+        </p:nvSpPr>
+        <p:spPr/>
+        <p:txBody>
+          <a:bodyPr/>
+          <a:lstStyle/>
+          <a:p>
+            <a:fld id="{F7021451-1387-4CA6-816F-3879F97B5CBC}" type="slidenum">
+              <a:rPr lang="en-US"/>
+              <a:t>20</a:t>
+            </a:fld>
+            <a:endParaRPr lang="en-US"/>
+          </a:p>
+        </p:txBody>
+      </p:sp>
+    </p:spTree>
+    <p:extLst>
+      <p:ext uri="{BB962C8B-B14F-4D97-AF65-F5344CB8AC3E}">
+        <p14:creationId xmlns:p14="http://schemas.microsoft.com/office/powerpoint/2010/main" val="1024086991"/>
+      </p:ext>
+    </p:extLst>
+  </p:cSld>
+  <p:clrMapOvr>
+    <a:masterClrMapping/>
+  </p:clrMapOvr>
+</p:notes>
+</file>
+
+<file path=ppt/notesSlides/notesSlide21.xml><?xml version="1.0" encoding="utf-8"?>
+<p:notes xmlns:a="http://schemas.openxmlformats.org/drawingml/2006/main" xmlns:r="http://schemas.openxmlformats.org/officeDocument/2006/relationships" xmlns:p="http://schemas.openxmlformats.org/presentationml/2006/main">
+  <p:cSld>
+    <p:spTree>
+      <p:nvGrpSpPr>
+        <p:cNvPr id="1" name=""/>
+        <p:cNvGrpSpPr/>
+        <p:nvPr/>
+      </p:nvGrpSpPr>
+      <p:grpSpPr>
+        <a:xfrm>
+          <a:off x="0" y="0"/>
+          <a:ext cx="0" cy="0"/>
+          <a:chOff x="0" y="0"/>
+          <a:chExt cx="0" cy="0"/>
+        </a:xfrm>
+      </p:grpSpPr>
+      <p:sp>
+        <p:nvSpPr>
+          <p:cNvPr id="2" name="Slide Image Placeholder 1"/>
+          <p:cNvSpPr>
+            <a:spLocks noGrp="1" noRot="1" noChangeAspect="1"/>
+          </p:cNvSpPr>
+          <p:nvPr>
+            <p:ph type="sldImg"/>
+          </p:nvPr>
+        </p:nvSpPr>
+        <p:spPr/>
+      </p:sp>
+      <p:sp>
+        <p:nvSpPr>
+          <p:cNvPr id="3" name="Notes Placeholder 2"/>
+          <p:cNvSpPr>
+            <a:spLocks noGrp="1"/>
+          </p:cNvSpPr>
+          <p:nvPr>
+            <p:ph type="body" idx="1"/>
+          </p:nvPr>
+        </p:nvSpPr>
+        <p:spPr/>
+        <p:txBody>
+          <a:bodyPr/>
+          <a:lstStyle/>
+          <a:p>
+            <a:r>
+              <a:rPr lang="en-US" dirty="0"/>
+              <a:t/>
+            </a:r>
+            <a:endParaRPr lang="en-US" dirty="0"/>
+          </a:p>
+        </p:txBody>
+      </p:sp>
+      <p:sp>
+        <p:nvSpPr>
+          <p:cNvPr id="4" name="Slide Number Placeholder 3"/>
+          <p:cNvSpPr>
+            <a:spLocks noGrp="1"/>
+          </p:cNvSpPr>
+          <p:nvPr>
+            <p:ph type="sldNum" sz="quarter" idx="10"/>
+          </p:nvPr>
+        </p:nvSpPr>
+        <p:spPr/>
+        <p:txBody>
+          <a:bodyPr/>
+          <a:lstStyle/>
+          <a:p>
+            <a:fld id="{F7021451-1387-4CA6-816F-3879F97B5CBC}" type="slidenum">
+              <a:rPr lang="en-US"/>
+              <a:t>21</a:t>
+            </a:fld>
+            <a:endParaRPr lang="en-US"/>
+          </a:p>
+        </p:txBody>
+      </p:sp>
+    </p:spTree>
+    <p:extLst>
+      <p:ext uri="{BB962C8B-B14F-4D97-AF65-F5344CB8AC3E}">
+        <p14:creationId xmlns:p14="http://schemas.microsoft.com/office/powerpoint/2010/main" val="1024086991"/>
+      </p:ext>
+    </p:extLst>
+  </p:cSld>
+  <p:clrMapOvr>
+    <a:masterClrMapping/>
+  </p:clrMapOvr>
+</p:notes>
+</file>
+
+<file path=ppt/notesSlides/notesSlide3.xml><?xml version="1.0" encoding="utf-8"?>
+<p:notes xmlns:a="http://schemas.openxmlformats.org/drawingml/2006/main" xmlns:r="http://schemas.openxmlformats.org/officeDocument/2006/relationships" xmlns:p="http://schemas.openxmlformats.org/presentationml/2006/main">
+  <p:cSld>
+    <p:spTree>
+      <p:nvGrpSpPr>
+        <p:cNvPr id="1" name=""/>
+        <p:cNvGrpSpPr/>
+        <p:nvPr/>
+      </p:nvGrpSpPr>
+      <p:grpSpPr>
+        <a:xfrm>
+          <a:off x="0" y="0"/>
+          <a:ext cx="0" cy="0"/>
+          <a:chOff x="0" y="0"/>
+          <a:chExt cx="0" cy="0"/>
+        </a:xfrm>
+      </p:grpSpPr>
+      <p:sp>
+        <p:nvSpPr>
+          <p:cNvPr id="2" name="Slide Image Placeholder 1"/>
+          <p:cNvSpPr>
+            <a:spLocks noGrp="1" noRot="1" noChangeAspect="1"/>
+          </p:cNvSpPr>
+          <p:nvPr>
+            <p:ph type="sldImg"/>
+          </p:nvPr>
+        </p:nvSpPr>
+        <p:spPr/>
+      </p:sp>
+      <p:sp>
+        <p:nvSpPr>
+          <p:cNvPr id="3" name="Notes Placeholder 2"/>
+          <p:cNvSpPr>
+            <a:spLocks noGrp="1"/>
+          </p:cNvSpPr>
+          <p:nvPr>
+            <p:ph type="body" idx="1"/>
+          </p:nvPr>
+        </p:nvSpPr>
+        <p:spPr/>
+        <p:txBody>
+          <a:bodyPr/>
+          <a:lstStyle/>
+          <a:p>
+            <a:r>
+              <a:rPr lang="en-US" dirty="0"/>
+              <a:t/>
+            </a:r>
+            <a:endParaRPr lang="en-US" dirty="0"/>
+          </a:p>
+        </p:txBody>
+      </p:sp>
+      <p:sp>
+        <p:nvSpPr>
+          <p:cNvPr id="4" name="Slide Number Placeholder 3"/>
+          <p:cNvSpPr>
+            <a:spLocks noGrp="1"/>
+          </p:cNvSpPr>
+          <p:nvPr>
+            <p:ph type="sldNum" sz="quarter" idx="10"/>
+          </p:nvPr>
+        </p:nvSpPr>
+        <p:spPr/>
+        <p:txBody>
+          <a:bodyPr/>
+          <a:lstStyle/>
+          <a:p>
+            <a:fld id="{F7021451-1387-4CA6-816F-3879F97B5CBC}" type="slidenum">
+              <a:rPr lang="en-US"/>
+              <a:t>3</a:t>
+            </a:fld>
+            <a:endParaRPr lang="en-US"/>
+          </a:p>
+        </p:txBody>
+      </p:sp>
+    </p:spTree>
+    <p:extLst>
+      <p:ext uri="{BB962C8B-B14F-4D97-AF65-F5344CB8AC3E}">
+        <p14:creationId xmlns:p14="http://schemas.microsoft.com/office/powerpoint/2010/main" val="1024086991"/>
+      </p:ext>
+    </p:extLst>
+  </p:cSld>
+  <p:clrMapOvr>
+    <a:masterClrMapping/>
+  </p:clrMapOvr>
+</p:notes>
+</file>
+
+<file path=ppt/notesSlides/notesSlide4.xml><?xml version="1.0" encoding="utf-8"?>
+<p:notes xmlns:a="http://schemas.openxmlformats.org/drawingml/2006/main" xmlns:r="http://schemas.openxmlformats.org/officeDocument/2006/relationships" xmlns:p="http://schemas.openxmlformats.org/presentationml/2006/main">
+  <p:cSld>
+    <p:spTree>
+      <p:nvGrpSpPr>
+        <p:cNvPr id="1" name=""/>
+        <p:cNvGrpSpPr/>
+        <p:nvPr/>
+      </p:nvGrpSpPr>
+      <p:grpSpPr>
+        <a:xfrm>
+          <a:off x="0" y="0"/>
+          <a:ext cx="0" cy="0"/>
+          <a:chOff x="0" y="0"/>
+          <a:chExt cx="0" cy="0"/>
+        </a:xfrm>
+      </p:grpSpPr>
+      <p:sp>
+        <p:nvSpPr>
+          <p:cNvPr id="2" name="Slide Image Placeholder 1"/>
+          <p:cNvSpPr>
+            <a:spLocks noGrp="1" noRot="1" noChangeAspect="1"/>
+          </p:cNvSpPr>
+          <p:nvPr>
+            <p:ph type="sldImg"/>
+          </p:nvPr>
+        </p:nvSpPr>
+        <p:spPr/>
+      </p:sp>
+      <p:sp>
+        <p:nvSpPr>
+          <p:cNvPr id="3" name="Notes Placeholder 2"/>
+          <p:cNvSpPr>
+            <a:spLocks noGrp="1"/>
+          </p:cNvSpPr>
+          <p:nvPr>
+            <p:ph type="body" idx="1"/>
+          </p:nvPr>
+        </p:nvSpPr>
+        <p:spPr/>
+        <p:txBody>
+          <a:bodyPr/>
+          <a:lstStyle/>
+          <a:p>
+            <a:r>
+              <a:rPr lang="en-US" dirty="0"/>
+              <a:t/>
+            </a:r>
+            <a:endParaRPr lang="en-US" dirty="0"/>
+          </a:p>
+        </p:txBody>
+      </p:sp>
+      <p:sp>
+        <p:nvSpPr>
+          <p:cNvPr id="4" name="Slide Number Placeholder 3"/>
+          <p:cNvSpPr>
+            <a:spLocks noGrp="1"/>
+          </p:cNvSpPr>
+          <p:nvPr>
+            <p:ph type="sldNum" sz="quarter" idx="10"/>
+          </p:nvPr>
+        </p:nvSpPr>
+        <p:spPr/>
+        <p:txBody>
+          <a:bodyPr/>
+          <a:lstStyle/>
+          <a:p>
+            <a:fld id="{F7021451-1387-4CA6-816F-3879F97B5CBC}" type="slidenum">
+              <a:rPr lang="en-US"/>
+              <a:t>4</a:t>
+            </a:fld>
+            <a:endParaRPr lang="en-US"/>
+          </a:p>
+        </p:txBody>
+      </p:sp>
+    </p:spTree>
+    <p:extLst>
+      <p:ext uri="{BB962C8B-B14F-4D97-AF65-F5344CB8AC3E}">
+        <p14:creationId xmlns:p14="http://schemas.microsoft.com/office/powerpoint/2010/main" val="1024086991"/>
+      </p:ext>
+    </p:extLst>
+  </p:cSld>
+  <p:clrMapOvr>
+    <a:masterClrMapping/>
+  </p:clrMapOvr>
+</p:notes>
+</file>
+
+<file path=ppt/notesSlides/notesSlide5.xml><?xml version="1.0" encoding="utf-8"?>
+<p:notes xmlns:a="http://schemas.openxmlformats.org/drawingml/2006/main" xmlns:r="http://schemas.openxmlformats.org/officeDocument/2006/relationships" xmlns:p="http://schemas.openxmlformats.org/presentationml/2006/main">
+  <p:cSld>
+    <p:spTree>
+      <p:nvGrpSpPr>
+        <p:cNvPr id="1" name=""/>
+        <p:cNvGrpSpPr/>
+        <p:nvPr/>
+      </p:nvGrpSpPr>
+      <p:grpSpPr>
+        <a:xfrm>
+          <a:off x="0" y="0"/>
+          <a:ext cx="0" cy="0"/>
+          <a:chOff x="0" y="0"/>
+          <a:chExt cx="0" cy="0"/>
+        </a:xfrm>
+      </p:grpSpPr>
+      <p:sp>
+        <p:nvSpPr>
+          <p:cNvPr id="2" name="Slide Image Placeholder 1"/>
+          <p:cNvSpPr>
+            <a:spLocks noGrp="1" noRot="1" noChangeAspect="1"/>
+          </p:cNvSpPr>
+          <p:nvPr>
+            <p:ph type="sldImg"/>
+          </p:nvPr>
+        </p:nvSpPr>
+        <p:spPr/>
+      </p:sp>
+      <p:sp>
+        <p:nvSpPr>
+          <p:cNvPr id="3" name="Notes Placeholder 2"/>
+          <p:cNvSpPr>
+            <a:spLocks noGrp="1"/>
+          </p:cNvSpPr>
+          <p:nvPr>
+            <p:ph type="body" idx="1"/>
+          </p:nvPr>
+        </p:nvSpPr>
+        <p:spPr/>
+        <p:txBody>
+          <a:bodyPr/>
+          <a:lstStyle/>
+          <a:p>
+            <a:r>
+              <a:rPr lang="en-US" dirty="0"/>
+              <a:t/>
+            </a:r>
+            <a:endParaRPr lang="en-US" dirty="0"/>
+          </a:p>
+        </p:txBody>
+      </p:sp>
+      <p:sp>
+        <p:nvSpPr>
+          <p:cNvPr id="4" name="Slide Number Placeholder 3"/>
+          <p:cNvSpPr>
+            <a:spLocks noGrp="1"/>
+          </p:cNvSpPr>
+          <p:nvPr>
+            <p:ph type="sldNum" sz="quarter" idx="10"/>
+          </p:nvPr>
+        </p:nvSpPr>
+        <p:spPr/>
+        <p:txBody>
+          <a:bodyPr/>
+          <a:lstStyle/>
+          <a:p>
+            <a:fld id="{F7021451-1387-4CA6-816F-3879F97B5CBC}" type="slidenum">
+              <a:rPr lang="en-US"/>
+              <a:t>5</a:t>
+            </a:fld>
+            <a:endParaRPr lang="en-US"/>
+          </a:p>
+        </p:txBody>
+      </p:sp>
+    </p:spTree>
+    <p:extLst>
+      <p:ext uri="{BB962C8B-B14F-4D97-AF65-F5344CB8AC3E}">
+        <p14:creationId xmlns:p14="http://schemas.microsoft.com/office/powerpoint/2010/main" val="1024086991"/>
+      </p:ext>
+    </p:extLst>
+  </p:cSld>
+  <p:clrMapOvr>
+    <a:masterClrMapping/>
+  </p:clrMapOvr>
+</p:notes>
+</file>
+
+<file path=ppt/notesSlides/notesSlide6.xml><?xml version="1.0" encoding="utf-8"?>
+<p:notes xmlns:a="http://schemas.openxmlformats.org/drawingml/2006/main" xmlns:r="http://schemas.openxmlformats.org/officeDocument/2006/relationships" xmlns:p="http://schemas.openxmlformats.org/presentationml/2006/main">
+  <p:cSld>
+    <p:spTree>
+      <p:nvGrpSpPr>
+        <p:cNvPr id="1" name=""/>
+        <p:cNvGrpSpPr/>
+        <p:nvPr/>
+      </p:nvGrpSpPr>
+      <p:grpSpPr>
+        <a:xfrm>
+          <a:off x="0" y="0"/>
+          <a:ext cx="0" cy="0"/>
+          <a:chOff x="0" y="0"/>
+          <a:chExt cx="0" cy="0"/>
+        </a:xfrm>
+      </p:grpSpPr>
+      <p:sp>
+        <p:nvSpPr>
+          <p:cNvPr id="2" name="Slide Image Placeholder 1"/>
+          <p:cNvSpPr>
+            <a:spLocks noGrp="1" noRot="1" noChangeAspect="1"/>
+          </p:cNvSpPr>
+          <p:nvPr>
+            <p:ph type="sldImg"/>
+          </p:nvPr>
+        </p:nvSpPr>
+        <p:spPr/>
+      </p:sp>
+      <p:sp>
+        <p:nvSpPr>
+          <p:cNvPr id="3" name="Notes Placeholder 2"/>
+          <p:cNvSpPr>
+            <a:spLocks noGrp="1"/>
+          </p:cNvSpPr>
+          <p:nvPr>
+            <p:ph type="body" idx="1"/>
+          </p:nvPr>
+        </p:nvSpPr>
+        <p:spPr/>
+        <p:txBody>
+          <a:bodyPr/>
+          <a:lstStyle/>
+          <a:p>
+            <a:r>
+              <a:rPr lang="en-US" dirty="0"/>
+              <a:t/>
+            </a:r>
+            <a:endParaRPr lang="en-US" dirty="0"/>
+          </a:p>
+        </p:txBody>
+      </p:sp>
+      <p:sp>
+        <p:nvSpPr>
+          <p:cNvPr id="4" name="Slide Number Placeholder 3"/>
+          <p:cNvSpPr>
+            <a:spLocks noGrp="1"/>
+          </p:cNvSpPr>
+          <p:nvPr>
+            <p:ph type="sldNum" sz="quarter" idx="10"/>
+          </p:nvPr>
+        </p:nvSpPr>
+        <p:spPr/>
+        <p:txBody>
+          <a:bodyPr/>
+          <a:lstStyle/>
+          <a:p>
+            <a:fld id="{F7021451-1387-4CA6-816F-3879F97B5CBC}" type="slidenum">
+              <a:rPr lang="en-US"/>
+              <a:t>6</a:t>
+            </a:fld>
+            <a:endParaRPr lang="en-US"/>
+          </a:p>
+        </p:txBody>
+      </p:sp>
+    </p:spTree>
+    <p:extLst>
+      <p:ext uri="{BB962C8B-B14F-4D97-AF65-F5344CB8AC3E}">
+        <p14:creationId xmlns:p14="http://schemas.microsoft.com/office/powerpoint/2010/main" val="1024086991"/>
+      </p:ext>
+    </p:extLst>
+  </p:cSld>
+  <p:clrMapOvr>
+    <a:masterClrMapping/>
+  </p:clrMapOvr>
+</p:notes>
+</file>
+
+<file path=ppt/notesSlides/notesSlide7.xml><?xml version="1.0" encoding="utf-8"?>
+<p:notes xmlns:a="http://schemas.openxmlformats.org/drawingml/2006/main" xmlns:r="http://schemas.openxmlformats.org/officeDocument/2006/relationships" xmlns:p="http://schemas.openxmlformats.org/presentationml/2006/main">
+  <p:cSld>
+    <p:spTree>
+      <p:nvGrpSpPr>
+        <p:cNvPr id="1" name=""/>
+        <p:cNvGrpSpPr/>
+        <p:nvPr/>
+      </p:nvGrpSpPr>
+      <p:grpSpPr>
+        <a:xfrm>
+          <a:off x="0" y="0"/>
+          <a:ext cx="0" cy="0"/>
+          <a:chOff x="0" y="0"/>
+          <a:chExt cx="0" cy="0"/>
+        </a:xfrm>
+      </p:grpSpPr>
+      <p:sp>
+        <p:nvSpPr>
+          <p:cNvPr id="2" name="Slide Image Placeholder 1"/>
+          <p:cNvSpPr>
+            <a:spLocks noGrp="1" noRot="1" noChangeAspect="1"/>
+          </p:cNvSpPr>
+          <p:nvPr>
+            <p:ph type="sldImg"/>
+          </p:nvPr>
+        </p:nvSpPr>
+        <p:spPr/>
+      </p:sp>
+      <p:sp>
+        <p:nvSpPr>
+          <p:cNvPr id="3" name="Notes Placeholder 2"/>
+          <p:cNvSpPr>
+            <a:spLocks noGrp="1"/>
+          </p:cNvSpPr>
+          <p:nvPr>
+            <p:ph type="body" idx="1"/>
+          </p:nvPr>
+        </p:nvSpPr>
+        <p:spPr/>
+        <p:txBody>
+          <a:bodyPr/>
+          <a:lstStyle/>
+          <a:p>
+            <a:r>
+              <a:rPr lang="en-US" dirty="0"/>
+              <a:t/>
+            </a:r>
+            <a:endParaRPr lang="en-US" dirty="0"/>
+          </a:p>
+        </p:txBody>
+      </p:sp>
+      <p:sp>
+        <p:nvSpPr>
+          <p:cNvPr id="4" name="Slide Number Placeholder 3"/>
+          <p:cNvSpPr>
+            <a:spLocks noGrp="1"/>
+          </p:cNvSpPr>
+          <p:nvPr>
+            <p:ph type="sldNum" sz="quarter" idx="10"/>
+          </p:nvPr>
+        </p:nvSpPr>
+        <p:spPr/>
+        <p:txBody>
+          <a:bodyPr/>
+          <a:lstStyle/>
+          <a:p>
+            <a:fld id="{F7021451-1387-4CA6-816F-3879F97B5CBC}" type="slidenum">
+              <a:rPr lang="en-US"/>
+              <a:t>7</a:t>
+            </a:fld>
+            <a:endParaRPr lang="en-US"/>
+          </a:p>
+        </p:txBody>
+      </p:sp>
+    </p:spTree>
+    <p:extLst>
+      <p:ext uri="{BB962C8B-B14F-4D97-AF65-F5344CB8AC3E}">
+        <p14:creationId xmlns:p14="http://schemas.microsoft.com/office/powerpoint/2010/main" val="1024086991"/>
+      </p:ext>
+    </p:extLst>
+  </p:cSld>
+  <p:clrMapOvr>
+    <a:masterClrMapping/>
+  </p:clrMapOvr>
+</p:notes>
+</file>
+
+<file path=ppt/notesSlides/notesSlide8.xml><?xml version="1.0" encoding="utf-8"?>
+<p:notes xmlns:a="http://schemas.openxmlformats.org/drawingml/2006/main" xmlns:r="http://schemas.openxmlformats.org/officeDocument/2006/relationships" xmlns:p="http://schemas.openxmlformats.org/presentationml/2006/main">
+  <p:cSld>
+    <p:spTree>
+      <p:nvGrpSpPr>
+        <p:cNvPr id="1" name=""/>
+        <p:cNvGrpSpPr/>
+        <p:nvPr/>
+      </p:nvGrpSpPr>
+      <p:grpSpPr>
+        <a:xfrm>
+          <a:off x="0" y="0"/>
+          <a:ext cx="0" cy="0"/>
+          <a:chOff x="0" y="0"/>
+          <a:chExt cx="0" cy="0"/>
+        </a:xfrm>
+      </p:grpSpPr>
+      <p:sp>
+        <p:nvSpPr>
+          <p:cNvPr id="2" name="Slide Image Placeholder 1"/>
+          <p:cNvSpPr>
+            <a:spLocks noGrp="1" noRot="1" noChangeAspect="1"/>
+          </p:cNvSpPr>
+          <p:nvPr>
+            <p:ph type="sldImg"/>
+          </p:nvPr>
+        </p:nvSpPr>
+        <p:spPr/>
+      </p:sp>
+      <p:sp>
+        <p:nvSpPr>
+          <p:cNvPr id="3" name="Notes Placeholder 2"/>
+          <p:cNvSpPr>
+            <a:spLocks noGrp="1"/>
+          </p:cNvSpPr>
+          <p:nvPr>
+            <p:ph type="body" idx="1"/>
+          </p:nvPr>
+        </p:nvSpPr>
+        <p:spPr/>
+        <p:txBody>
+          <a:bodyPr/>
+          <a:lstStyle/>
+          <a:p>
+            <a:r>
+              <a:rPr lang="en-US" dirty="0"/>
+              <a:t/>
+            </a:r>
+            <a:endParaRPr lang="en-US" dirty="0"/>
+          </a:p>
+        </p:txBody>
+      </p:sp>
+      <p:sp>
+        <p:nvSpPr>
+          <p:cNvPr id="4" name="Slide Number Placeholder 3"/>
+          <p:cNvSpPr>
+            <a:spLocks noGrp="1"/>
+          </p:cNvSpPr>
+          <p:nvPr>
+            <p:ph type="sldNum" sz="quarter" idx="10"/>
+          </p:nvPr>
+        </p:nvSpPr>
+        <p:spPr/>
+        <p:txBody>
+          <a:bodyPr/>
+          <a:lstStyle/>
+          <a:p>
+            <a:fld id="{F7021451-1387-4CA6-816F-3879F97B5CBC}" type="slidenum">
+              <a:rPr lang="en-US"/>
+              <a:t>8</a:t>
+            </a:fld>
+            <a:endParaRPr lang="en-US"/>
+          </a:p>
+        </p:txBody>
+      </p:sp>
+    </p:spTree>
+    <p:extLst>
+      <p:ext uri="{BB962C8B-B14F-4D97-AF65-F5344CB8AC3E}">
+        <p14:creationId xmlns:p14="http://schemas.microsoft.com/office/powerpoint/2010/main" val="1024086991"/>
+      </p:ext>
+    </p:extLst>
+  </p:cSld>
+  <p:clrMapOvr>
+    <a:masterClrMapping/>
+  </p:clrMapOvr>
+</p:notes>
+</file>
+
+<file path=ppt/notesSlides/notesSlide9.xml><?xml version="1.0" encoding="utf-8"?>
+<p:notes xmlns:a="http://schemas.openxmlformats.org/drawingml/2006/main" xmlns:r="http://schemas.openxmlformats.org/officeDocument/2006/relationships" xmlns:p="http://schemas.openxmlformats.org/presentationml/2006/main">
+  <p:cSld>
+    <p:spTree>
+      <p:nvGrpSpPr>
+        <p:cNvPr id="1" name=""/>
+        <p:cNvGrpSpPr/>
+        <p:nvPr/>
+      </p:nvGrpSpPr>
+      <p:grpSpPr>
+        <a:xfrm>
+          <a:off x="0" y="0"/>
+          <a:ext cx="0" cy="0"/>
+          <a:chOff x="0" y="0"/>
+          <a:chExt cx="0" cy="0"/>
+        </a:xfrm>
+      </p:grpSpPr>
+      <p:sp>
+        <p:nvSpPr>
+          <p:cNvPr id="2" name="Slide Image Placeholder 1"/>
+          <p:cNvSpPr>
+            <a:spLocks noGrp="1" noRot="1" noChangeAspect="1"/>
+          </p:cNvSpPr>
+          <p:nvPr>
+            <p:ph type="sldImg"/>
+          </p:nvPr>
+        </p:nvSpPr>
+        <p:spPr/>
+      </p:sp>
+      <p:sp>
+        <p:nvSpPr>
+          <p:cNvPr id="3" name="Notes Placeholder 2"/>
+          <p:cNvSpPr>
+            <a:spLocks noGrp="1"/>
+          </p:cNvSpPr>
+          <p:nvPr>
+            <p:ph type="body" idx="1"/>
+          </p:nvPr>
+        </p:nvSpPr>
+        <p:spPr/>
+        <p:txBody>
+          <a:bodyPr/>
+          <a:lstStyle/>
+          <a:p>
+            <a:r>
+              <a:rPr lang="en-US" dirty="0"/>
+              <a:t/>
+            </a:r>
+            <a:endParaRPr lang="en-US" dirty="0"/>
+          </a:p>
+        </p:txBody>
+      </p:sp>
+      <p:sp>
+        <p:nvSpPr>
+          <p:cNvPr id="4" name="Slide Number Placeholder 3"/>
+          <p:cNvSpPr>
+            <a:spLocks noGrp="1"/>
+          </p:cNvSpPr>
+          <p:nvPr>
+            <p:ph type="sldNum" sz="quarter" idx="10"/>
+          </p:nvPr>
+        </p:nvSpPr>
+        <p:spPr/>
+        <p:txBody>
+          <a:bodyPr/>
+          <a:lstStyle/>
+          <a:p>
+            <a:fld id="{F7021451-1387-4CA6-816F-3879F97B5CBC}" type="slidenum">
+              <a:rPr lang="en-US"/>
+              <a:t>9</a:t>
+            </a:fld>
+            <a:endParaRPr lang="en-US"/>
+          </a:p>
+        </p:txBody>
+      </p:sp>
+    </p:spTree>
+    <p:extLst>
+      <p:ext uri="{BB962C8B-B14F-4D97-AF65-F5344CB8AC3E}">
+        <p14:creationId xmlns:p14="http://schemas.microsoft.com/office/powerpoint/2010/main" val="1024086991"/>
+      </p:ext>
+    </p:extLst>
+  </p:cSld>
+  <p:clrMapOvr>
+    <a:masterClrMapping/>
+  </p:clrMapOvr>
+</p:notes>
 </file>
 
 <file path=ppt/slideLayouts/slideLayout1.xml><?xml version="1.0" encoding="utf-8"?>
@@ -761,6 +2631,3912 @@
 </p:sldMaster>
 </file>
 
+<file path=ppt/slides/slide1.xml><?xml version="1.0" encoding="utf-8"?>
+<p:sld xmlns:a="http://schemas.openxmlformats.org/drawingml/2006/main" xmlns:r="http://schemas.openxmlformats.org/officeDocument/2006/relationships" xmlns:p="http://schemas.openxmlformats.org/presentationml/2006/main">
+  <p:cSld name="Slide 1">
+    <p:spTree>
+      <p:nvGrpSpPr>
+        <p:cNvPr id="1" name=""/>
+        <p:cNvGrpSpPr/>
+        <p:nvPr/>
+      </p:nvGrpSpPr>
+      <p:grpSpPr>
+        <a:xfrm>
+          <a:off x="0" y="0"/>
+          <a:ext cx="0" cy="0"/>
+          <a:chOff x="0" y="0"/>
+          <a:chExt cx="0" cy="0"/>
+        </a:xfrm>
+      </p:grpSpPr>
+      <p:sp>
+        <p:nvSpPr>
+          <p:cNvPr id="2" name="Text 0"/>
+          <p:cNvSpPr/>
+          <p:nvPr/>
+        </p:nvSpPr>
+        <p:spPr>
+          <a:xfrm>
+            <a:off x="457200" y="1828800"/>
+            <a:ext cx="8229600" cy="1828800"/>
+          </a:xfrm>
+          <a:prstGeom prst="rect">
+            <a:avLst/>
+          </a:prstGeom>
+          <a:noFill/>
+          <a:ln/>
+        </p:spPr>
+        <p:txBody>
+          <a:bodyPr wrap="square" rtlCol="0" anchor="ctr"/>
+          <a:lstStyle/>
+          <a:p>
+            <a:pPr algn="ctr" indent="0" marL="0">
+              <a:buNone/>
+            </a:pPr>
+            <a:r>
+              <a:rPr lang="en-US" sz="3200" b="1" dirty="0">
+                <a:solidFill>
+                  <a:srgbClr val="363636"/>
+                </a:solidFill>
+              </a:rPr>
+              <a:t>2026年AI发展趋势深度研究报告</a:t>
+            </a:r>
+            <a:endParaRPr lang="en-US" sz="3200" dirty="0"/>
+          </a:p>
+        </p:txBody>
+      </p:sp>
+    </p:spTree>
+  </p:cSld>
+  <p:clrMapOvr>
+    <a:masterClrMapping/>
+  </p:clrMapOvr>
+</p:sld>
+</file>
+
+<file path=ppt/slides/slide10.xml><?xml version="1.0" encoding="utf-8"?>
+<p:sld xmlns:a="http://schemas.openxmlformats.org/drawingml/2006/main" xmlns:r="http://schemas.openxmlformats.org/officeDocument/2006/relationships" xmlns:p="http://schemas.openxmlformats.org/presentationml/2006/main">
+  <p:cSld name="Slide 10">
+    <p:spTree>
+      <p:nvGrpSpPr>
+        <p:cNvPr id="1" name=""/>
+        <p:cNvGrpSpPr/>
+        <p:nvPr/>
+      </p:nvGrpSpPr>
+      <p:grpSpPr>
+        <a:xfrm>
+          <a:off x="0" y="0"/>
+          <a:ext cx="0" cy="0"/>
+          <a:chOff x="0" y="0"/>
+          <a:chExt cx="0" cy="0"/>
+        </a:xfrm>
+      </p:grpSpPr>
+      <p:sp>
+        <p:nvSpPr>
+          <p:cNvPr id="2" name="Text 0"/>
+          <p:cNvSpPr/>
+          <p:nvPr/>
+        </p:nvSpPr>
+        <p:spPr>
+          <a:xfrm>
+            <a:off x="457200" y="457200"/>
+            <a:ext cx="8229600" cy="731520"/>
+          </a:xfrm>
+          <a:prstGeom prst="rect">
+            <a:avLst/>
+          </a:prstGeom>
+          <a:noFill/>
+          <a:ln/>
+        </p:spPr>
+        <p:txBody>
+          <a:bodyPr wrap="square" rtlCol="0" anchor="ctr"/>
+          <a:lstStyle/>
+          <a:p>
+            <a:pPr indent="0" marL="0">
+              <a:buNone/>
+            </a:pPr>
+            <a:r>
+              <a:rPr lang="en-US" sz="2000" b="1" dirty="0">
+                <a:solidFill>
+                  <a:srgbClr val="1F4E79"/>
+                </a:solidFill>
+              </a:rPr>
+              <a:t>趋势五：原生AI终端硬件普及化</a:t>
+            </a:r>
+            <a:endParaRPr lang="en-US" sz="2000" dirty="0"/>
+          </a:p>
+        </p:txBody>
+      </p:sp>
+      <p:sp>
+        <p:nvSpPr>
+          <p:cNvPr id="3" name="Text 1"/>
+          <p:cNvSpPr/>
+          <p:nvPr/>
+        </p:nvSpPr>
+        <p:spPr>
+          <a:xfrm>
+            <a:off x="457200" y="1371600"/>
+            <a:ext cx="8229600" cy="274320"/>
+          </a:xfrm>
+          <a:prstGeom prst="rect">
+            <a:avLst/>
+          </a:prstGeom>
+          <a:noFill/>
+          <a:ln/>
+        </p:spPr>
+        <p:txBody>
+          <a:bodyPr wrap="square" rtlCol="0" anchor="ctr"/>
+          <a:lstStyle/>
+          <a:p>
+            <a:pPr marL="342900" indent="-342900">
+              <a:buSzPct val="100000"/>
+              <a:buChar char="•"/>
+            </a:pPr>
+            <a:r>
+              <a:rPr lang="en-US" sz="1400" dirty="0">
+                <a:solidFill>
+                  <a:srgbClr val="000000"/>
+                </a:solidFill>
+              </a:rPr>
+              <a:t>• 新一代智能终端与沉浸式体验消费场景深度融合</a:t>
+            </a:r>
+            <a:endParaRPr lang="en-US" sz="1400" dirty="0"/>
+          </a:p>
+        </p:txBody>
+      </p:sp>
+      <p:sp>
+        <p:nvSpPr>
+          <p:cNvPr id="4" name="Text 2"/>
+          <p:cNvSpPr/>
+          <p:nvPr/>
+        </p:nvSpPr>
+        <p:spPr>
+          <a:xfrm>
+            <a:off x="457200" y="1737360"/>
+            <a:ext cx="8229600" cy="274320"/>
+          </a:xfrm>
+          <a:prstGeom prst="rect">
+            <a:avLst/>
+          </a:prstGeom>
+          <a:noFill/>
+          <a:ln/>
+        </p:spPr>
+        <p:txBody>
+          <a:bodyPr wrap="square" rtlCol="0" anchor="ctr"/>
+          <a:lstStyle/>
+          <a:p>
+            <a:pPr marL="342900" indent="-342900">
+              <a:buSzPct val="100000"/>
+              <a:buChar char="•"/>
+            </a:pPr>
+            <a:r>
+              <a:rPr lang="en-US" sz="1400" dirty="0">
+                <a:solidFill>
+                  <a:srgbClr val="000000"/>
+                </a:solidFill>
+              </a:rPr>
+              <a:t>• 终端硬件从'工具适配'转向'原生AI设计'</a:t>
+            </a:r>
+            <a:endParaRPr lang="en-US" sz="1400" dirty="0"/>
+          </a:p>
+        </p:txBody>
+      </p:sp>
+      <p:sp>
+        <p:nvSpPr>
+          <p:cNvPr id="5" name="Text 3"/>
+          <p:cNvSpPr/>
+          <p:nvPr/>
+        </p:nvSpPr>
+        <p:spPr>
+          <a:xfrm>
+            <a:off x="457200" y="2103120"/>
+            <a:ext cx="8229600" cy="274320"/>
+          </a:xfrm>
+          <a:prstGeom prst="rect">
+            <a:avLst/>
+          </a:prstGeom>
+          <a:noFill/>
+          <a:ln/>
+        </p:spPr>
+        <p:txBody>
+          <a:bodyPr wrap="square" rtlCol="0" anchor="ctr"/>
+          <a:lstStyle/>
+          <a:p>
+            <a:pPr marL="342900" indent="-342900">
+              <a:buSzPct val="100000"/>
+              <a:buChar char="•"/>
+            </a:pPr>
+            <a:r>
+              <a:rPr lang="en-US" sz="1400" dirty="0">
+                <a:solidFill>
+                  <a:srgbClr val="000000"/>
+                </a:solidFill>
+              </a:rPr>
+              <a:t>• 为用户提供更加智能化的交互体验</a:t>
+            </a:r>
+            <a:endParaRPr lang="en-US" sz="1400" dirty="0"/>
+          </a:p>
+        </p:txBody>
+      </p:sp>
+    </p:spTree>
+  </p:cSld>
+  <p:clrMapOvr>
+    <a:masterClrMapping/>
+  </p:clrMapOvr>
+</p:sld>
+</file>
+
+<file path=ppt/slides/slide11.xml><?xml version="1.0" encoding="utf-8"?>
+<p:sld xmlns:a="http://schemas.openxmlformats.org/drawingml/2006/main" xmlns:r="http://schemas.openxmlformats.org/officeDocument/2006/relationships" xmlns:p="http://schemas.openxmlformats.org/presentationml/2006/main">
+  <p:cSld name="Slide 11">
+    <p:spTree>
+      <p:nvGrpSpPr>
+        <p:cNvPr id="1" name=""/>
+        <p:cNvGrpSpPr/>
+        <p:nvPr/>
+      </p:nvGrpSpPr>
+      <p:grpSpPr>
+        <a:xfrm>
+          <a:off x="0" y="0"/>
+          <a:ext cx="0" cy="0"/>
+          <a:chOff x="0" y="0"/>
+          <a:chExt cx="0" cy="0"/>
+        </a:xfrm>
+      </p:grpSpPr>
+      <p:sp>
+        <p:nvSpPr>
+          <p:cNvPr id="2" name="Text 0"/>
+          <p:cNvSpPr/>
+          <p:nvPr/>
+        </p:nvSpPr>
+        <p:spPr>
+          <a:xfrm>
+            <a:off x="457200" y="457200"/>
+            <a:ext cx="8229600" cy="731520"/>
+          </a:xfrm>
+          <a:prstGeom prst="rect">
+            <a:avLst/>
+          </a:prstGeom>
+          <a:noFill/>
+          <a:ln/>
+        </p:spPr>
+        <p:txBody>
+          <a:bodyPr wrap="square" rtlCol="0" anchor="ctr"/>
+          <a:lstStyle/>
+          <a:p>
+            <a:pPr indent="0" marL="0">
+              <a:buNone/>
+            </a:pPr>
+            <a:r>
+              <a:rPr lang="en-US" sz="2000" b="1" dirty="0">
+                <a:solidFill>
+                  <a:srgbClr val="1F4E79"/>
+                </a:solidFill>
+              </a:rPr>
+              <a:t>趋势六：AI Agent技术成熟</a:t>
+            </a:r>
+            <a:endParaRPr lang="en-US" sz="2000" dirty="0"/>
+          </a:p>
+        </p:txBody>
+      </p:sp>
+      <p:sp>
+        <p:nvSpPr>
+          <p:cNvPr id="3" name="Text 1"/>
+          <p:cNvSpPr/>
+          <p:nvPr/>
+        </p:nvSpPr>
+        <p:spPr>
+          <a:xfrm>
+            <a:off x="457200" y="1371600"/>
+            <a:ext cx="8229600" cy="274320"/>
+          </a:xfrm>
+          <a:prstGeom prst="rect">
+            <a:avLst/>
+          </a:prstGeom>
+          <a:noFill/>
+          <a:ln/>
+        </p:spPr>
+        <p:txBody>
+          <a:bodyPr wrap="square" rtlCol="0" anchor="ctr"/>
+          <a:lstStyle/>
+          <a:p>
+            <a:pPr marL="342900" indent="-342900">
+              <a:buSzPct val="100000"/>
+              <a:buChar char="•"/>
+            </a:pPr>
+            <a:r>
+              <a:rPr lang="en-US" sz="1400" dirty="0">
+                <a:solidFill>
+                  <a:srgbClr val="000000"/>
+                </a:solidFill>
+              </a:rPr>
+              <a:t>• 具备自主性、能举一反三和长期记忆特征</a:t>
+            </a:r>
+            <a:endParaRPr lang="en-US" sz="1400" dirty="0"/>
+          </a:p>
+        </p:txBody>
+      </p:sp>
+      <p:sp>
+        <p:nvSpPr>
+          <p:cNvPr id="4" name="Text 2"/>
+          <p:cNvSpPr/>
+          <p:nvPr/>
+        </p:nvSpPr>
+        <p:spPr>
+          <a:xfrm>
+            <a:off x="457200" y="1737360"/>
+            <a:ext cx="8229600" cy="274320"/>
+          </a:xfrm>
+          <a:prstGeom prst="rect">
+            <a:avLst/>
+          </a:prstGeom>
+          <a:noFill/>
+          <a:ln/>
+        </p:spPr>
+        <p:txBody>
+          <a:bodyPr wrap="square" rtlCol="0" anchor="ctr"/>
+          <a:lstStyle/>
+          <a:p>
+            <a:pPr marL="342900" indent="-342900">
+              <a:buSzPct val="100000"/>
+              <a:buChar char="•"/>
+            </a:pPr>
+            <a:r>
+              <a:rPr lang="en-US" sz="1400" dirty="0">
+                <a:solidFill>
+                  <a:srgbClr val="000000"/>
+                </a:solidFill>
+              </a:rPr>
+              <a:t>• 推动信息智能、物理智能与生物智能的融合</a:t>
+            </a:r>
+            <a:endParaRPr lang="en-US" sz="1400" dirty="0"/>
+          </a:p>
+        </p:txBody>
+      </p:sp>
+      <p:sp>
+        <p:nvSpPr>
+          <p:cNvPr id="5" name="Text 3"/>
+          <p:cNvSpPr/>
+          <p:nvPr/>
+        </p:nvSpPr>
+        <p:spPr>
+          <a:xfrm>
+            <a:off x="457200" y="2103120"/>
+            <a:ext cx="8229600" cy="274320"/>
+          </a:xfrm>
+          <a:prstGeom prst="rect">
+            <a:avLst/>
+          </a:prstGeom>
+          <a:noFill/>
+          <a:ln/>
+        </p:spPr>
+        <p:txBody>
+          <a:bodyPr wrap="square" rtlCol="0" anchor="ctr"/>
+          <a:lstStyle/>
+          <a:p>
+            <a:pPr marL="342900" indent="-342900">
+              <a:buSzPct val="100000"/>
+              <a:buChar char="•"/>
+            </a:pPr>
+            <a:r>
+              <a:rPr lang="en-US" sz="1400" dirty="0">
+                <a:solidFill>
+                  <a:srgbClr val="000000"/>
+                </a:solidFill>
+              </a:rPr>
+              <a:t>• 为各行业提供更加智能化的解决方案</a:t>
+            </a:r>
+            <a:endParaRPr lang="en-US" sz="1400" dirty="0"/>
+          </a:p>
+        </p:txBody>
+      </p:sp>
+    </p:spTree>
+  </p:cSld>
+  <p:clrMapOvr>
+    <a:masterClrMapping/>
+  </p:clrMapOvr>
+</p:sld>
+</file>
+
+<file path=ppt/slides/slide12.xml><?xml version="1.0" encoding="utf-8"?>
+<p:sld xmlns:a="http://schemas.openxmlformats.org/drawingml/2006/main" xmlns:r="http://schemas.openxmlformats.org/officeDocument/2006/relationships" xmlns:p="http://schemas.openxmlformats.org/presentationml/2006/main">
+  <p:cSld name="Slide 12">
+    <p:spTree>
+      <p:nvGrpSpPr>
+        <p:cNvPr id="1" name=""/>
+        <p:cNvGrpSpPr/>
+        <p:nvPr/>
+      </p:nvGrpSpPr>
+      <p:grpSpPr>
+        <a:xfrm>
+          <a:off x="0" y="0"/>
+          <a:ext cx="0" cy="0"/>
+          <a:chOff x="0" y="0"/>
+          <a:chExt cx="0" cy="0"/>
+        </a:xfrm>
+      </p:grpSpPr>
+      <p:sp>
+        <p:nvSpPr>
+          <p:cNvPr id="2" name="Text 0"/>
+          <p:cNvSpPr/>
+          <p:nvPr/>
+        </p:nvSpPr>
+        <p:spPr>
+          <a:xfrm>
+            <a:off x="457200" y="457200"/>
+            <a:ext cx="8229600" cy="731520"/>
+          </a:xfrm>
+          <a:prstGeom prst="rect">
+            <a:avLst/>
+          </a:prstGeom>
+          <a:noFill/>
+          <a:ln/>
+        </p:spPr>
+        <p:txBody>
+          <a:bodyPr wrap="square" rtlCol="0" anchor="ctr"/>
+          <a:lstStyle/>
+          <a:p>
+            <a:pPr indent="0" marL="0">
+              <a:buNone/>
+            </a:pPr>
+            <a:r>
+              <a:rPr lang="en-US" sz="2000" b="1" dirty="0">
+                <a:solidFill>
+                  <a:srgbClr val="1F4E79"/>
+                </a:solidFill>
+              </a:rPr>
+              <a:t>趋势七：世界模型成为AGI共识方向</a:t>
+            </a:r>
+            <a:endParaRPr lang="en-US" sz="2000" dirty="0"/>
+          </a:p>
+        </p:txBody>
+      </p:sp>
+      <p:sp>
+        <p:nvSpPr>
+          <p:cNvPr id="3" name="Text 1"/>
+          <p:cNvSpPr/>
+          <p:nvPr/>
+        </p:nvSpPr>
+        <p:spPr>
+          <a:xfrm>
+            <a:off x="457200" y="1371600"/>
+            <a:ext cx="8229600" cy="274320"/>
+          </a:xfrm>
+          <a:prstGeom prst="rect">
+            <a:avLst/>
+          </a:prstGeom>
+          <a:noFill/>
+          <a:ln/>
+        </p:spPr>
+        <p:txBody>
+          <a:bodyPr wrap="square" rtlCol="0" anchor="ctr"/>
+          <a:lstStyle/>
+          <a:p>
+            <a:pPr marL="342900" indent="-342900">
+              <a:buSzPct val="100000"/>
+              <a:buChar char="•"/>
+            </a:pPr>
+            <a:r>
+              <a:rPr lang="en-US" sz="1400" dirty="0">
+                <a:solidFill>
+                  <a:srgbClr val="000000"/>
+                </a:solidFill>
+              </a:rPr>
+              <a:t>• 世界模型已成为通往通用人工智能(AGI)的共识方向</a:t>
+            </a:r>
+            <a:endParaRPr lang="en-US" sz="1400" dirty="0"/>
+          </a:p>
+        </p:txBody>
+      </p:sp>
+      <p:sp>
+        <p:nvSpPr>
+          <p:cNvPr id="4" name="Text 2"/>
+          <p:cNvSpPr/>
+          <p:nvPr/>
+        </p:nvSpPr>
+        <p:spPr>
+          <a:xfrm>
+            <a:off x="457200" y="1737360"/>
+            <a:ext cx="8229600" cy="274320"/>
+          </a:xfrm>
+          <a:prstGeom prst="rect">
+            <a:avLst/>
+          </a:prstGeom>
+          <a:noFill/>
+          <a:ln/>
+        </p:spPr>
+        <p:txBody>
+          <a:bodyPr wrap="square" rtlCol="0" anchor="ctr"/>
+          <a:lstStyle/>
+          <a:p>
+            <a:pPr marL="342900" indent="-342900">
+              <a:buSzPct val="100000"/>
+              <a:buChar char="•"/>
+            </a:pPr>
+            <a:r>
+              <a:rPr lang="en-US" sz="1400" dirty="0">
+                <a:solidFill>
+                  <a:srgbClr val="000000"/>
+                </a:solidFill>
+              </a:rPr>
+              <a:t>• Next-State Prediction有望成为新的技术范式</a:t>
+            </a:r>
+            <a:endParaRPr lang="en-US" sz="1400" dirty="0"/>
+          </a:p>
+        </p:txBody>
+      </p:sp>
+      <p:sp>
+        <p:nvSpPr>
+          <p:cNvPr id="5" name="Text 3"/>
+          <p:cNvSpPr/>
+          <p:nvPr/>
+        </p:nvSpPr>
+        <p:spPr>
+          <a:xfrm>
+            <a:off x="457200" y="2103120"/>
+            <a:ext cx="8229600" cy="274320"/>
+          </a:xfrm>
+          <a:prstGeom prst="rect">
+            <a:avLst/>
+          </a:prstGeom>
+          <a:noFill/>
+          <a:ln/>
+        </p:spPr>
+        <p:txBody>
+          <a:bodyPr wrap="square" rtlCol="0" anchor="ctr"/>
+          <a:lstStyle/>
+          <a:p>
+            <a:pPr marL="342900" indent="-342900">
+              <a:buSzPct val="100000"/>
+              <a:buChar char="•"/>
+            </a:pPr>
+            <a:r>
+              <a:rPr lang="en-US" sz="1400" dirty="0">
+                <a:solidFill>
+                  <a:srgbClr val="000000"/>
+                </a:solidFill>
+              </a:rPr>
+              <a:t>• AI系统能够更好地理解和预测物理世界的运行规律</a:t>
+            </a:r>
+            <a:endParaRPr lang="en-US" sz="1400" dirty="0"/>
+          </a:p>
+        </p:txBody>
+      </p:sp>
+    </p:spTree>
+  </p:cSld>
+  <p:clrMapOvr>
+    <a:masterClrMapping/>
+  </p:clrMapOvr>
+</p:sld>
+</file>
+
+<file path=ppt/slides/slide13.xml><?xml version="1.0" encoding="utf-8"?>
+<p:sld xmlns:a="http://schemas.openxmlformats.org/drawingml/2006/main" xmlns:r="http://schemas.openxmlformats.org/officeDocument/2006/relationships" xmlns:p="http://schemas.openxmlformats.org/presentationml/2006/main">
+  <p:cSld name="Slide 13">
+    <p:spTree>
+      <p:nvGrpSpPr>
+        <p:cNvPr id="1" name=""/>
+        <p:cNvGrpSpPr/>
+        <p:nvPr/>
+      </p:nvGrpSpPr>
+      <p:grpSpPr>
+        <a:xfrm>
+          <a:off x="0" y="0"/>
+          <a:ext cx="0" cy="0"/>
+          <a:chOff x="0" y="0"/>
+          <a:chExt cx="0" cy="0"/>
+        </a:xfrm>
+      </p:grpSpPr>
+      <p:sp>
+        <p:nvSpPr>
+          <p:cNvPr id="2" name="Text 0"/>
+          <p:cNvSpPr/>
+          <p:nvPr/>
+        </p:nvSpPr>
+        <p:spPr>
+          <a:xfrm>
+            <a:off x="457200" y="457200"/>
+            <a:ext cx="8229600" cy="731520"/>
+          </a:xfrm>
+          <a:prstGeom prst="rect">
+            <a:avLst/>
+          </a:prstGeom>
+          <a:noFill/>
+          <a:ln/>
+        </p:spPr>
+        <p:txBody>
+          <a:bodyPr wrap="square" rtlCol="0" anchor="ctr"/>
+          <a:lstStyle/>
+          <a:p>
+            <a:pPr indent="0" marL="0">
+              <a:buNone/>
+            </a:pPr>
+            <a:r>
+              <a:rPr lang="en-US" sz="2000" b="1" dirty="0">
+                <a:solidFill>
+                  <a:srgbClr val="1F4E79"/>
+                </a:solidFill>
+              </a:rPr>
+              <a:t>趋势八：云3.0时代到来</a:t>
+            </a:r>
+            <a:endParaRPr lang="en-US" sz="2000" dirty="0"/>
+          </a:p>
+        </p:txBody>
+      </p:sp>
+      <p:sp>
+        <p:nvSpPr>
+          <p:cNvPr id="3" name="Text 1"/>
+          <p:cNvSpPr/>
+          <p:nvPr/>
+        </p:nvSpPr>
+        <p:spPr>
+          <a:xfrm>
+            <a:off x="457200" y="1371600"/>
+            <a:ext cx="8229600" cy="274320"/>
+          </a:xfrm>
+          <a:prstGeom prst="rect">
+            <a:avLst/>
+          </a:prstGeom>
+          <a:noFill/>
+          <a:ln/>
+        </p:spPr>
+        <p:txBody>
+          <a:bodyPr wrap="square" rtlCol="0" anchor="ctr"/>
+          <a:lstStyle/>
+          <a:p>
+            <a:pPr marL="342900" indent="-342900">
+              <a:buSzPct val="100000"/>
+              <a:buChar char="•"/>
+            </a:pPr>
+            <a:r>
+              <a:rPr lang="en-US" sz="1400" dirty="0">
+                <a:solidFill>
+                  <a:srgbClr val="000000"/>
+                </a:solidFill>
+              </a:rPr>
+              <a:t>• 以混合云、边缘计算和分布式架构为核心特征</a:t>
+            </a:r>
+            <a:endParaRPr lang="en-US" sz="1400" dirty="0"/>
+          </a:p>
+        </p:txBody>
+      </p:sp>
+      <p:sp>
+        <p:nvSpPr>
+          <p:cNvPr id="4" name="Text 2"/>
+          <p:cNvSpPr/>
+          <p:nvPr/>
+        </p:nvSpPr>
+        <p:spPr>
+          <a:xfrm>
+            <a:off x="457200" y="1737360"/>
+            <a:ext cx="8229600" cy="274320"/>
+          </a:xfrm>
+          <a:prstGeom prst="rect">
+            <a:avLst/>
+          </a:prstGeom>
+          <a:noFill/>
+          <a:ln/>
+        </p:spPr>
+        <p:txBody>
+          <a:bodyPr wrap="square" rtlCol="0" anchor="ctr"/>
+          <a:lstStyle/>
+          <a:p>
+            <a:pPr marL="342900" indent="-342900">
+              <a:buSzPct val="100000"/>
+              <a:buChar char="•"/>
+            </a:pPr>
+            <a:r>
+              <a:rPr lang="en-US" sz="1400" dirty="0">
+                <a:solidFill>
+                  <a:srgbClr val="000000"/>
+                </a:solidFill>
+              </a:rPr>
+              <a:t>• 为AI应用提供更加灵活、高效的基础设施支持</a:t>
+            </a:r>
+            <a:endParaRPr lang="en-US" sz="1400" dirty="0"/>
+          </a:p>
+        </p:txBody>
+      </p:sp>
+    </p:spTree>
+  </p:cSld>
+  <p:clrMapOvr>
+    <a:masterClrMapping/>
+  </p:clrMapOvr>
+</p:sld>
+</file>
+
+<file path=ppt/slides/slide14.xml><?xml version="1.0" encoding="utf-8"?>
+<p:sld xmlns:a="http://schemas.openxmlformats.org/drawingml/2006/main" xmlns:r="http://schemas.openxmlformats.org/officeDocument/2006/relationships" xmlns:p="http://schemas.openxmlformats.org/presentationml/2006/main">
+  <p:cSld name="Slide 14">
+    <p:spTree>
+      <p:nvGrpSpPr>
+        <p:cNvPr id="1" name=""/>
+        <p:cNvGrpSpPr/>
+        <p:nvPr/>
+      </p:nvGrpSpPr>
+      <p:grpSpPr>
+        <a:xfrm>
+          <a:off x="0" y="0"/>
+          <a:ext cx="0" cy="0"/>
+          <a:chOff x="0" y="0"/>
+          <a:chExt cx="0" cy="0"/>
+        </a:xfrm>
+      </p:grpSpPr>
+      <p:sp>
+        <p:nvSpPr>
+          <p:cNvPr id="2" name="Text 0"/>
+          <p:cNvSpPr/>
+          <p:nvPr/>
+        </p:nvSpPr>
+        <p:spPr>
+          <a:xfrm>
+            <a:off x="457200" y="457200"/>
+            <a:ext cx="8229600" cy="731520"/>
+          </a:xfrm>
+          <a:prstGeom prst="rect">
+            <a:avLst/>
+          </a:prstGeom>
+          <a:noFill/>
+          <a:ln/>
+        </p:spPr>
+        <p:txBody>
+          <a:bodyPr wrap="square" rtlCol="0" anchor="ctr"/>
+          <a:lstStyle/>
+          <a:p>
+            <a:pPr indent="0" marL="0">
+              <a:buNone/>
+            </a:pPr>
+            <a:r>
+              <a:rPr lang="en-US" sz="2000" b="1" dirty="0">
+                <a:solidFill>
+                  <a:srgbClr val="1F4E79"/>
+                </a:solidFill>
+              </a:rPr>
+              <a:t>技术预测：智能体AI的崛起</a:t>
+            </a:r>
+            <a:endParaRPr lang="en-US" sz="2000" dirty="0"/>
+          </a:p>
+        </p:txBody>
+      </p:sp>
+      <p:sp>
+        <p:nvSpPr>
+          <p:cNvPr id="3" name="Text 1"/>
+          <p:cNvSpPr/>
+          <p:nvPr/>
+        </p:nvSpPr>
+        <p:spPr>
+          <a:xfrm>
+            <a:off x="457200" y="1371600"/>
+            <a:ext cx="8229600" cy="274320"/>
+          </a:xfrm>
+          <a:prstGeom prst="rect">
+            <a:avLst/>
+          </a:prstGeom>
+          <a:noFill/>
+          <a:ln/>
+        </p:spPr>
+        <p:txBody>
+          <a:bodyPr wrap="square" rtlCol="0" anchor="ctr"/>
+          <a:lstStyle/>
+          <a:p>
+            <a:pPr marL="342900" indent="-342900">
+              <a:buSzPct val="100000"/>
+              <a:buChar char="•"/>
+            </a:pPr>
+            <a:r>
+              <a:rPr lang="en-US" sz="1400" dirty="0">
+                <a:solidFill>
+                  <a:srgbClr val="000000"/>
+                </a:solidFill>
+              </a:rPr>
+              <a:t>• 2026年将是智能体AI快速发展的一年</a:t>
+            </a:r>
+            <a:endParaRPr lang="en-US" sz="1400" dirty="0"/>
+          </a:p>
+        </p:txBody>
+      </p:sp>
+      <p:sp>
+        <p:nvSpPr>
+          <p:cNvPr id="4" name="Text 2"/>
+          <p:cNvSpPr/>
+          <p:nvPr/>
+        </p:nvSpPr>
+        <p:spPr>
+          <a:xfrm>
+            <a:off x="457200" y="1737360"/>
+            <a:ext cx="8229600" cy="274320"/>
+          </a:xfrm>
+          <a:prstGeom prst="rect">
+            <a:avLst/>
+          </a:prstGeom>
+          <a:noFill/>
+          <a:ln/>
+        </p:spPr>
+        <p:txBody>
+          <a:bodyPr wrap="square" rtlCol="0" anchor="ctr"/>
+          <a:lstStyle/>
+          <a:p>
+            <a:pPr marL="342900" indent="-342900">
+              <a:buSzPct val="100000"/>
+              <a:buChar char="•"/>
+            </a:pPr>
+            <a:r>
+              <a:rPr lang="en-US" sz="1400" dirty="0">
+                <a:solidFill>
+                  <a:srgbClr val="000000"/>
+                </a:solidFill>
+              </a:rPr>
+              <a:t>• 具备更强的自主性和适应性</a:t>
+            </a:r>
+            <a:endParaRPr lang="en-US" sz="1400" dirty="0"/>
+          </a:p>
+        </p:txBody>
+      </p:sp>
+      <p:sp>
+        <p:nvSpPr>
+          <p:cNvPr id="5" name="Text 3"/>
+          <p:cNvSpPr/>
+          <p:nvPr/>
+        </p:nvSpPr>
+        <p:spPr>
+          <a:xfrm>
+            <a:off x="457200" y="2103120"/>
+            <a:ext cx="8229600" cy="274320"/>
+          </a:xfrm>
+          <a:prstGeom prst="rect">
+            <a:avLst/>
+          </a:prstGeom>
+          <a:noFill/>
+          <a:ln/>
+        </p:spPr>
+        <p:txBody>
+          <a:bodyPr wrap="square" rtlCol="0" anchor="ctr"/>
+          <a:lstStyle/>
+          <a:p>
+            <a:pPr marL="342900" indent="-342900">
+              <a:buSzPct val="100000"/>
+              <a:buChar char="•"/>
+            </a:pPr>
+            <a:r>
+              <a:rPr lang="en-US" sz="1400" dirty="0">
+                <a:solidFill>
+                  <a:srgbClr val="000000"/>
+                </a:solidFill>
+              </a:rPr>
+              <a:t>• 能够在复杂环境中独立完成任务</a:t>
+            </a:r>
+            <a:endParaRPr lang="en-US" sz="1400" dirty="0"/>
+          </a:p>
+        </p:txBody>
+      </p:sp>
+      <p:sp>
+        <p:nvSpPr>
+          <p:cNvPr id="6" name="Text 4"/>
+          <p:cNvSpPr/>
+          <p:nvPr/>
+        </p:nvSpPr>
+        <p:spPr>
+          <a:xfrm>
+            <a:off x="457200" y="2468880"/>
+            <a:ext cx="8229600" cy="274320"/>
+          </a:xfrm>
+          <a:prstGeom prst="rect">
+            <a:avLst/>
+          </a:prstGeom>
+          <a:noFill/>
+          <a:ln/>
+        </p:spPr>
+        <p:txBody>
+          <a:bodyPr wrap="square" rtlCol="0" anchor="ctr"/>
+          <a:lstStyle/>
+          <a:p>
+            <a:pPr marL="342900" indent="-342900">
+              <a:buSzPct val="100000"/>
+              <a:buChar char="•"/>
+            </a:pPr>
+            <a:r>
+              <a:rPr lang="en-US" sz="1400" dirty="0">
+                <a:solidFill>
+                  <a:srgbClr val="000000"/>
+                </a:solidFill>
+              </a:rPr>
+              <a:t>• 不仅能处理大量数据，还能从经验中学习并改进自身性能</a:t>
+            </a:r>
+            <a:endParaRPr lang="en-US" sz="1400" dirty="0"/>
+          </a:p>
+        </p:txBody>
+      </p:sp>
+    </p:spTree>
+  </p:cSld>
+  <p:clrMapOvr>
+    <a:masterClrMapping/>
+  </p:clrMapOvr>
+</p:sld>
+</file>
+
+<file path=ppt/slides/slide15.xml><?xml version="1.0" encoding="utf-8"?>
+<p:sld xmlns:a="http://schemas.openxmlformats.org/drawingml/2006/main" xmlns:r="http://schemas.openxmlformats.org/officeDocument/2006/relationships" xmlns:p="http://schemas.openxmlformats.org/presentationml/2006/main">
+  <p:cSld name="Slide 15">
+    <p:spTree>
+      <p:nvGrpSpPr>
+        <p:cNvPr id="1" name=""/>
+        <p:cNvGrpSpPr/>
+        <p:nvPr/>
+      </p:nvGrpSpPr>
+      <p:grpSpPr>
+        <a:xfrm>
+          <a:off x="0" y="0"/>
+          <a:ext cx="0" cy="0"/>
+          <a:chOff x="0" y="0"/>
+          <a:chExt cx="0" cy="0"/>
+        </a:xfrm>
+      </p:grpSpPr>
+      <p:sp>
+        <p:nvSpPr>
+          <p:cNvPr id="2" name="Text 0"/>
+          <p:cNvSpPr/>
+          <p:nvPr/>
+        </p:nvSpPr>
+        <p:spPr>
+          <a:xfrm>
+            <a:off x="457200" y="457200"/>
+            <a:ext cx="8229600" cy="731520"/>
+          </a:xfrm>
+          <a:prstGeom prst="rect">
+            <a:avLst/>
+          </a:prstGeom>
+          <a:noFill/>
+          <a:ln/>
+        </p:spPr>
+        <p:txBody>
+          <a:bodyPr wrap="square" rtlCol="0" anchor="ctr"/>
+          <a:lstStyle/>
+          <a:p>
+            <a:pPr indent="0" marL="0">
+              <a:buNone/>
+            </a:pPr>
+            <a:r>
+              <a:rPr lang="en-US" sz="2000" b="1" dirty="0">
+                <a:solidFill>
+                  <a:srgbClr val="1F4E79"/>
+                </a:solidFill>
+              </a:rPr>
+              <a:t>专业能力的转型</a:t>
+            </a:r>
+            <a:endParaRPr lang="en-US" sz="2000" dirty="0"/>
+          </a:p>
+        </p:txBody>
+      </p:sp>
+      <p:sp>
+        <p:nvSpPr>
+          <p:cNvPr id="3" name="Text 1"/>
+          <p:cNvSpPr/>
+          <p:nvPr/>
+        </p:nvSpPr>
+        <p:spPr>
+          <a:xfrm>
+            <a:off x="457200" y="1371600"/>
+            <a:ext cx="8229600" cy="274320"/>
+          </a:xfrm>
+          <a:prstGeom prst="rect">
+            <a:avLst/>
+          </a:prstGeom>
+          <a:noFill/>
+          <a:ln/>
+        </p:spPr>
+        <p:txBody>
+          <a:bodyPr wrap="square" rtlCol="0" anchor="ctr"/>
+          <a:lstStyle/>
+          <a:p>
+            <a:pPr marL="342900" indent="-342900">
+              <a:buSzPct val="100000"/>
+              <a:buChar char="•"/>
+            </a:pPr>
+            <a:r>
+              <a:rPr lang="en-US" sz="1400" dirty="0">
+                <a:solidFill>
+                  <a:srgbClr val="000000"/>
+                </a:solidFill>
+              </a:rPr>
+              <a:t>• 未来AI开发的专业能力核心将转向系统思维</a:t>
+            </a:r>
+            <a:endParaRPr lang="en-US" sz="1400" dirty="0"/>
+          </a:p>
+        </p:txBody>
+      </p:sp>
+      <p:sp>
+        <p:nvSpPr>
+          <p:cNvPr id="4" name="Text 2"/>
+          <p:cNvSpPr/>
+          <p:nvPr/>
+        </p:nvSpPr>
+        <p:spPr>
+          <a:xfrm>
+            <a:off x="457200" y="1737360"/>
+            <a:ext cx="8229600" cy="274320"/>
+          </a:xfrm>
+          <a:prstGeom prst="rect">
+            <a:avLst/>
+          </a:prstGeom>
+          <a:noFill/>
+          <a:ln/>
+        </p:spPr>
+        <p:txBody>
+          <a:bodyPr wrap="square" rtlCol="0" anchor="ctr"/>
+          <a:lstStyle/>
+          <a:p>
+            <a:pPr marL="342900" indent="-342900">
+              <a:buSzPct val="100000"/>
+              <a:buChar char="•"/>
+            </a:pPr>
+            <a:r>
+              <a:rPr lang="en-US" sz="1400" dirty="0">
+                <a:solidFill>
+                  <a:srgbClr val="000000"/>
+                </a:solidFill>
+              </a:rPr>
+              <a:t>• AI与智能体编排</a:t>
+            </a:r>
+            <a:endParaRPr lang="en-US" sz="1400" dirty="0"/>
+          </a:p>
+        </p:txBody>
+      </p:sp>
+      <p:sp>
+        <p:nvSpPr>
+          <p:cNvPr id="5" name="Text 3"/>
+          <p:cNvSpPr/>
+          <p:nvPr/>
+        </p:nvSpPr>
+        <p:spPr>
+          <a:xfrm>
+            <a:off x="457200" y="2103120"/>
+            <a:ext cx="8229600" cy="274320"/>
+          </a:xfrm>
+          <a:prstGeom prst="rect">
+            <a:avLst/>
+          </a:prstGeom>
+          <a:noFill/>
+          <a:ln/>
+        </p:spPr>
+        <p:txBody>
+          <a:bodyPr wrap="square" rtlCol="0" anchor="ctr"/>
+          <a:lstStyle/>
+          <a:p>
+            <a:pPr marL="342900" indent="-342900">
+              <a:buSzPct val="100000"/>
+              <a:buChar char="•"/>
+            </a:pPr>
+            <a:r>
+              <a:rPr lang="en-US" sz="1400" dirty="0">
+                <a:solidFill>
+                  <a:srgbClr val="000000"/>
+                </a:solidFill>
+              </a:rPr>
+              <a:t>• 对复杂自主流程和工具链的管理</a:t>
+            </a:r>
+            <a:endParaRPr lang="en-US" sz="1400" dirty="0"/>
+          </a:p>
+        </p:txBody>
+      </p:sp>
+      <p:sp>
+        <p:nvSpPr>
+          <p:cNvPr id="6" name="Text 4"/>
+          <p:cNvSpPr/>
+          <p:nvPr/>
+        </p:nvSpPr>
+        <p:spPr>
+          <a:xfrm>
+            <a:off x="457200" y="2468880"/>
+            <a:ext cx="8229600" cy="274320"/>
+          </a:xfrm>
+          <a:prstGeom prst="rect">
+            <a:avLst/>
+          </a:prstGeom>
+          <a:noFill/>
+          <a:ln/>
+        </p:spPr>
+        <p:txBody>
+          <a:bodyPr wrap="square" rtlCol="0" anchor="ctr"/>
+          <a:lstStyle/>
+          <a:p>
+            <a:pPr marL="342900" indent="-342900">
+              <a:buSzPct val="100000"/>
+              <a:buChar char="•"/>
+            </a:pPr>
+            <a:r>
+              <a:rPr lang="en-US" sz="1400" dirty="0">
+                <a:solidFill>
+                  <a:srgbClr val="000000"/>
+                </a:solidFill>
+              </a:rPr>
+              <a:t>• 传统编程技能将与AI协作，形成新的开发模式</a:t>
+            </a:r>
+            <a:endParaRPr lang="en-US" sz="1400" dirty="0"/>
+          </a:p>
+        </p:txBody>
+      </p:sp>
+    </p:spTree>
+  </p:cSld>
+  <p:clrMapOvr>
+    <a:masterClrMapping/>
+  </p:clrMapOvr>
+</p:sld>
+</file>
+
+<file path=ppt/slides/slide16.xml><?xml version="1.0" encoding="utf-8"?>
+<p:sld xmlns:a="http://schemas.openxmlformats.org/drawingml/2006/main" xmlns:r="http://schemas.openxmlformats.org/officeDocument/2006/relationships" xmlns:p="http://schemas.openxmlformats.org/presentationml/2006/main">
+  <p:cSld name="Slide 16">
+    <p:spTree>
+      <p:nvGrpSpPr>
+        <p:cNvPr id="1" name=""/>
+        <p:cNvGrpSpPr/>
+        <p:nvPr/>
+      </p:nvGrpSpPr>
+      <p:grpSpPr>
+        <a:xfrm>
+          <a:off x="0" y="0"/>
+          <a:ext cx="0" cy="0"/>
+          <a:chOff x="0" y="0"/>
+          <a:chExt cx="0" cy="0"/>
+        </a:xfrm>
+      </p:grpSpPr>
+      <p:sp>
+        <p:nvSpPr>
+          <p:cNvPr id="2" name="Text 0"/>
+          <p:cNvSpPr/>
+          <p:nvPr/>
+        </p:nvSpPr>
+        <p:spPr>
+          <a:xfrm>
+            <a:off x="457200" y="457200"/>
+            <a:ext cx="8229600" cy="731520"/>
+          </a:xfrm>
+          <a:prstGeom prst="rect">
+            <a:avLst/>
+          </a:prstGeom>
+          <a:noFill/>
+          <a:ln/>
+        </p:spPr>
+        <p:txBody>
+          <a:bodyPr wrap="square" rtlCol="0" anchor="ctr"/>
+          <a:lstStyle/>
+          <a:p>
+            <a:pPr indent="0" marL="0">
+              <a:buNone/>
+            </a:pPr>
+            <a:r>
+              <a:rPr lang="en-US" sz="2000" b="1" dirty="0">
+                <a:solidFill>
+                  <a:srgbClr val="1F4E79"/>
+                </a:solidFill>
+              </a:rPr>
+              <a:t>算力与应用的平衡</a:t>
+            </a:r>
+            <a:endParaRPr lang="en-US" sz="2000" dirty="0"/>
+          </a:p>
+        </p:txBody>
+      </p:sp>
+      <p:sp>
+        <p:nvSpPr>
+          <p:cNvPr id="3" name="Text 1"/>
+          <p:cNvSpPr/>
+          <p:nvPr/>
+        </p:nvSpPr>
+        <p:spPr>
+          <a:xfrm>
+            <a:off x="457200" y="1371600"/>
+            <a:ext cx="8229600" cy="274320"/>
+          </a:xfrm>
+          <a:prstGeom prst="rect">
+            <a:avLst/>
+          </a:prstGeom>
+          <a:noFill/>
+          <a:ln/>
+        </p:spPr>
+        <p:txBody>
+          <a:bodyPr wrap="square" rtlCol="0" anchor="ctr"/>
+          <a:lstStyle/>
+          <a:p>
+            <a:pPr marL="342900" indent="-342900">
+              <a:buSzPct val="100000"/>
+              <a:buChar char="•"/>
+            </a:pPr>
+            <a:r>
+              <a:rPr lang="en-US" sz="1400" dirty="0">
+                <a:solidFill>
+                  <a:srgbClr val="000000"/>
+                </a:solidFill>
+              </a:rPr>
+              <a:t>• AI应用市场增长率: 48.3%</a:t>
+            </a:r>
+            <a:endParaRPr lang="en-US" sz="1400" dirty="0"/>
+          </a:p>
+        </p:txBody>
+      </p:sp>
+      <p:sp>
+        <p:nvSpPr>
+          <p:cNvPr id="4" name="Text 2"/>
+          <p:cNvSpPr/>
+          <p:nvPr/>
+        </p:nvSpPr>
+        <p:spPr>
+          <a:xfrm>
+            <a:off x="457200" y="1737360"/>
+            <a:ext cx="8229600" cy="274320"/>
+          </a:xfrm>
+          <a:prstGeom prst="rect">
+            <a:avLst/>
+          </a:prstGeom>
+          <a:noFill/>
+          <a:ln/>
+        </p:spPr>
+        <p:txBody>
+          <a:bodyPr wrap="square" rtlCol="0" anchor="ctr"/>
+          <a:lstStyle/>
+          <a:p>
+            <a:pPr marL="342900" indent="-342900">
+              <a:buSzPct val="100000"/>
+              <a:buChar char="•"/>
+            </a:pPr>
+            <a:r>
+              <a:rPr lang="en-US" sz="1400" dirty="0">
+                <a:solidFill>
+                  <a:srgbClr val="000000"/>
+                </a:solidFill>
+              </a:rPr>
+              <a:t>• 算力市场增长率: 22.5%</a:t>
+            </a:r>
+            <a:endParaRPr lang="en-US" sz="1400" dirty="0"/>
+          </a:p>
+        </p:txBody>
+      </p:sp>
+      <p:sp>
+        <p:nvSpPr>
+          <p:cNvPr id="5" name="Text 3"/>
+          <p:cNvSpPr/>
+          <p:nvPr/>
+        </p:nvSpPr>
+        <p:spPr>
+          <a:xfrm>
+            <a:off x="457200" y="2103120"/>
+            <a:ext cx="8229600" cy="274320"/>
+          </a:xfrm>
+          <a:prstGeom prst="rect">
+            <a:avLst/>
+          </a:prstGeom>
+          <a:noFill/>
+          <a:ln/>
+        </p:spPr>
+        <p:txBody>
+          <a:bodyPr wrap="square" rtlCol="0" anchor="ctr"/>
+          <a:lstStyle/>
+          <a:p>
+            <a:pPr marL="342900" indent="-342900">
+              <a:buSzPct val="100000"/>
+              <a:buChar char="•"/>
+            </a:pPr>
+            <a:r>
+              <a:rPr lang="en-US" sz="1400" dirty="0">
+                <a:solidFill>
+                  <a:srgbClr val="000000"/>
+                </a:solidFill>
+              </a:rPr>
+              <a:t>• 行业重心正在从基础设施建设转向实际应用价值创造</a:t>
+            </a:r>
+            <a:endParaRPr lang="en-US" sz="1400" dirty="0"/>
+          </a:p>
+        </p:txBody>
+      </p:sp>
+    </p:spTree>
+  </p:cSld>
+  <p:clrMapOvr>
+    <a:masterClrMapping/>
+  </p:clrMapOvr>
+</p:sld>
+</file>
+
+<file path=ppt/slides/slide17.xml><?xml version="1.0" encoding="utf-8"?>
+<p:sld xmlns:a="http://schemas.openxmlformats.org/drawingml/2006/main" xmlns:r="http://schemas.openxmlformats.org/officeDocument/2006/relationships" xmlns:p="http://schemas.openxmlformats.org/presentationml/2006/main">
+  <p:cSld name="Slide 17">
+    <p:spTree>
+      <p:nvGrpSpPr>
+        <p:cNvPr id="1" name=""/>
+        <p:cNvGrpSpPr/>
+        <p:nvPr/>
+      </p:nvGrpSpPr>
+      <p:grpSpPr>
+        <a:xfrm>
+          <a:off x="0" y="0"/>
+          <a:ext cx="0" cy="0"/>
+          <a:chOff x="0" y="0"/>
+          <a:chExt cx="0" cy="0"/>
+        </a:xfrm>
+      </p:grpSpPr>
+      <p:sp>
+        <p:nvSpPr>
+          <p:cNvPr id="2" name="Text 0"/>
+          <p:cNvSpPr/>
+          <p:nvPr/>
+        </p:nvSpPr>
+        <p:spPr>
+          <a:xfrm>
+            <a:off x="457200" y="457200"/>
+            <a:ext cx="8229600" cy="731520"/>
+          </a:xfrm>
+          <a:prstGeom prst="rect">
+            <a:avLst/>
+          </a:prstGeom>
+          <a:noFill/>
+          <a:ln/>
+        </p:spPr>
+        <p:txBody>
+          <a:bodyPr wrap="square" rtlCol="0" anchor="ctr"/>
+          <a:lstStyle/>
+          <a:p>
+            <a:pPr indent="0" marL="0">
+              <a:buNone/>
+            </a:pPr>
+            <a:r>
+              <a:rPr lang="en-US" sz="2000" b="1" dirty="0">
+                <a:solidFill>
+                  <a:srgbClr val="1F4E79"/>
+                </a:solidFill>
+              </a:rPr>
+              <a:t>应用领域展望：企业服务</a:t>
+            </a:r>
+            <a:endParaRPr lang="en-US" sz="2000" dirty="0"/>
+          </a:p>
+        </p:txBody>
+      </p:sp>
+      <p:sp>
+        <p:nvSpPr>
+          <p:cNvPr id="3" name="Text 1"/>
+          <p:cNvSpPr/>
+          <p:nvPr/>
+        </p:nvSpPr>
+        <p:spPr>
+          <a:xfrm>
+            <a:off x="457200" y="1371600"/>
+            <a:ext cx="8229600" cy="274320"/>
+          </a:xfrm>
+          <a:prstGeom prst="rect">
+            <a:avLst/>
+          </a:prstGeom>
+          <a:noFill/>
+          <a:ln/>
+        </p:spPr>
+        <p:txBody>
+          <a:bodyPr wrap="square" rtlCol="0" anchor="ctr"/>
+          <a:lstStyle/>
+          <a:p>
+            <a:pPr marL="342900" indent="-342900">
+              <a:buSzPct val="100000"/>
+              <a:buChar char="•"/>
+            </a:pPr>
+            <a:r>
+              <a:rPr lang="en-US" sz="1400" dirty="0">
+                <a:solidFill>
+                  <a:srgbClr val="000000"/>
+                </a:solidFill>
+              </a:rPr>
+              <a:t>• AI智能客服等企业服务应用继续扩大市场份额</a:t>
+            </a:r>
+            <a:endParaRPr lang="en-US" sz="1400" dirty="0"/>
+          </a:p>
+        </p:txBody>
+      </p:sp>
+      <p:sp>
+        <p:nvSpPr>
+          <p:cNvPr id="4" name="Text 2"/>
+          <p:cNvSpPr/>
+          <p:nvPr/>
+        </p:nvSpPr>
+        <p:spPr>
+          <a:xfrm>
+            <a:off x="457200" y="1737360"/>
+            <a:ext cx="8229600" cy="274320"/>
+          </a:xfrm>
+          <a:prstGeom prst="rect">
+            <a:avLst/>
+          </a:prstGeom>
+          <a:noFill/>
+          <a:ln/>
+        </p:spPr>
+        <p:txBody>
+          <a:bodyPr wrap="square" rtlCol="0" anchor="ctr"/>
+          <a:lstStyle/>
+          <a:p>
+            <a:pPr marL="342900" indent="-342900">
+              <a:buSzPct val="100000"/>
+              <a:buChar char="•"/>
+            </a:pPr>
+            <a:r>
+              <a:rPr lang="en-US" sz="1400" dirty="0">
+                <a:solidFill>
+                  <a:srgbClr val="000000"/>
+                </a:solidFill>
+              </a:rPr>
+              <a:t>• 美洽科技大模型获客机器人已服务超过400,000家企业</a:t>
+            </a:r>
+            <a:endParaRPr lang="en-US" sz="1400" dirty="0"/>
+          </a:p>
+        </p:txBody>
+      </p:sp>
+      <p:sp>
+        <p:nvSpPr>
+          <p:cNvPr id="5" name="Text 3"/>
+          <p:cNvSpPr/>
+          <p:nvPr/>
+        </p:nvSpPr>
+        <p:spPr>
+          <a:xfrm>
+            <a:off x="457200" y="2103120"/>
+            <a:ext cx="8229600" cy="274320"/>
+          </a:xfrm>
+          <a:prstGeom prst="rect">
+            <a:avLst/>
+          </a:prstGeom>
+          <a:noFill/>
+          <a:ln/>
+        </p:spPr>
+        <p:txBody>
+          <a:bodyPr wrap="square" rtlCol="0" anchor="ctr"/>
+          <a:lstStyle/>
+          <a:p>
+            <a:pPr marL="342900" indent="-342900">
+              <a:buSzPct val="100000"/>
+              <a:buChar char="•"/>
+            </a:pPr>
+            <a:r>
+              <a:rPr lang="en-US" sz="1400" dirty="0">
+                <a:solidFill>
+                  <a:srgbClr val="000000"/>
+                </a:solidFill>
+              </a:rPr>
+              <a:t>• 显示AI在企业服务领域的巨大潜力</a:t>
+            </a:r>
+            <a:endParaRPr lang="en-US" sz="1400" dirty="0"/>
+          </a:p>
+        </p:txBody>
+      </p:sp>
+    </p:spTree>
+  </p:cSld>
+  <p:clrMapOvr>
+    <a:masterClrMapping/>
+  </p:clrMapOvr>
+</p:sld>
+</file>
+
+<file path=ppt/slides/slide18.xml><?xml version="1.0" encoding="utf-8"?>
+<p:sld xmlns:a="http://schemas.openxmlformats.org/drawingml/2006/main" xmlns:r="http://schemas.openxmlformats.org/officeDocument/2006/relationships" xmlns:p="http://schemas.openxmlformats.org/presentationml/2006/main">
+  <p:cSld name="Slide 18">
+    <p:spTree>
+      <p:nvGrpSpPr>
+        <p:cNvPr id="1" name=""/>
+        <p:cNvGrpSpPr/>
+        <p:nvPr/>
+      </p:nvGrpSpPr>
+      <p:grpSpPr>
+        <a:xfrm>
+          <a:off x="0" y="0"/>
+          <a:ext cx="0" cy="0"/>
+          <a:chOff x="0" y="0"/>
+          <a:chExt cx="0" cy="0"/>
+        </a:xfrm>
+      </p:grpSpPr>
+      <p:sp>
+        <p:nvSpPr>
+          <p:cNvPr id="2" name="Text 0"/>
+          <p:cNvSpPr/>
+          <p:nvPr/>
+        </p:nvSpPr>
+        <p:spPr>
+          <a:xfrm>
+            <a:off x="457200" y="457200"/>
+            <a:ext cx="8229600" cy="731520"/>
+          </a:xfrm>
+          <a:prstGeom prst="rect">
+            <a:avLst/>
+          </a:prstGeom>
+          <a:noFill/>
+          <a:ln/>
+        </p:spPr>
+        <p:txBody>
+          <a:bodyPr wrap="square" rtlCol="0" anchor="ctr"/>
+          <a:lstStyle/>
+          <a:p>
+            <a:pPr indent="0" marL="0">
+              <a:buNone/>
+            </a:pPr>
+            <a:r>
+              <a:rPr lang="en-US" sz="2000" b="1" dirty="0">
+                <a:solidFill>
+                  <a:srgbClr val="1F4E79"/>
+                </a:solidFill>
+              </a:rPr>
+              <a:t>应用领域展望：消费级应用</a:t>
+            </a:r>
+            <a:endParaRPr lang="en-US" sz="2000" dirty="0"/>
+          </a:p>
+        </p:txBody>
+      </p:sp>
+      <p:sp>
+        <p:nvSpPr>
+          <p:cNvPr id="3" name="Text 1"/>
+          <p:cNvSpPr/>
+          <p:nvPr/>
+        </p:nvSpPr>
+        <p:spPr>
+          <a:xfrm>
+            <a:off x="457200" y="1371600"/>
+            <a:ext cx="8229600" cy="274320"/>
+          </a:xfrm>
+          <a:prstGeom prst="rect">
+            <a:avLst/>
+          </a:prstGeom>
+          <a:noFill/>
+          <a:ln/>
+        </p:spPr>
+        <p:txBody>
+          <a:bodyPr wrap="square" rtlCol="0" anchor="ctr"/>
+          <a:lstStyle/>
+          <a:p>
+            <a:pPr marL="342900" indent="-342900">
+              <a:buSzPct val="100000"/>
+              <a:buChar char="•"/>
+            </a:pPr>
+            <a:r>
+              <a:rPr lang="en-US" sz="1400" dirty="0">
+                <a:solidFill>
+                  <a:srgbClr val="000000"/>
+                </a:solidFill>
+              </a:rPr>
+              <a:t>• 原生AI终端硬件普及推动消费级AI应用爆发式增长</a:t>
+            </a:r>
+            <a:endParaRPr lang="en-US" sz="1400" dirty="0"/>
+          </a:p>
+        </p:txBody>
+      </p:sp>
+      <p:sp>
+        <p:nvSpPr>
+          <p:cNvPr id="4" name="Text 2"/>
+          <p:cNvSpPr/>
+          <p:nvPr/>
+        </p:nvSpPr>
+        <p:spPr>
+          <a:xfrm>
+            <a:off x="457200" y="1737360"/>
+            <a:ext cx="8229600" cy="274320"/>
+          </a:xfrm>
+          <a:prstGeom prst="rect">
+            <a:avLst/>
+          </a:prstGeom>
+          <a:noFill/>
+          <a:ln/>
+        </p:spPr>
+        <p:txBody>
+          <a:bodyPr wrap="square" rtlCol="0" anchor="ctr"/>
+          <a:lstStyle/>
+          <a:p>
+            <a:pPr marL="342900" indent="-342900">
+              <a:buSzPct val="100000"/>
+              <a:buChar char="•"/>
+            </a:pPr>
+            <a:r>
+              <a:rPr lang="en-US" sz="1400" dirty="0">
+                <a:solidFill>
+                  <a:srgbClr val="000000"/>
+                </a:solidFill>
+              </a:rPr>
+              <a:t>• 从智能手机到智能家居，AI成为日常生活的组成部分</a:t>
+            </a:r>
+            <a:endParaRPr lang="en-US" sz="1400" dirty="0"/>
+          </a:p>
+        </p:txBody>
+      </p:sp>
+    </p:spTree>
+  </p:cSld>
+  <p:clrMapOvr>
+    <a:masterClrMapping/>
+  </p:clrMapOvr>
+</p:sld>
+</file>
+
+<file path=ppt/slides/slide19.xml><?xml version="1.0" encoding="utf-8"?>
+<p:sld xmlns:a="http://schemas.openxmlformats.org/drawingml/2006/main" xmlns:r="http://schemas.openxmlformats.org/officeDocument/2006/relationships" xmlns:p="http://schemas.openxmlformats.org/presentationml/2006/main">
+  <p:cSld name="Slide 19">
+    <p:spTree>
+      <p:nvGrpSpPr>
+        <p:cNvPr id="1" name=""/>
+        <p:cNvGrpSpPr/>
+        <p:nvPr/>
+      </p:nvGrpSpPr>
+      <p:grpSpPr>
+        <a:xfrm>
+          <a:off x="0" y="0"/>
+          <a:ext cx="0" cy="0"/>
+          <a:chOff x="0" y="0"/>
+          <a:chExt cx="0" cy="0"/>
+        </a:xfrm>
+      </p:grpSpPr>
+      <p:sp>
+        <p:nvSpPr>
+          <p:cNvPr id="2" name="Text 0"/>
+          <p:cNvSpPr/>
+          <p:nvPr/>
+        </p:nvSpPr>
+        <p:spPr>
+          <a:xfrm>
+            <a:off x="457200" y="457200"/>
+            <a:ext cx="8229600" cy="731520"/>
+          </a:xfrm>
+          <a:prstGeom prst="rect">
+            <a:avLst/>
+          </a:prstGeom>
+          <a:noFill/>
+          <a:ln/>
+        </p:spPr>
+        <p:txBody>
+          <a:bodyPr wrap="square" rtlCol="0" anchor="ctr"/>
+          <a:lstStyle/>
+          <a:p>
+            <a:pPr indent="0" marL="0">
+              <a:buNone/>
+            </a:pPr>
+            <a:r>
+              <a:rPr lang="en-US" sz="2000" b="1" dirty="0">
+                <a:solidFill>
+                  <a:srgbClr val="1F4E79"/>
+                </a:solidFill>
+              </a:rPr>
+              <a:t>应用领域展望：行业解决方案</a:t>
+            </a:r>
+            <a:endParaRPr lang="en-US" sz="2000" dirty="0"/>
+          </a:p>
+        </p:txBody>
+      </p:sp>
+      <p:sp>
+        <p:nvSpPr>
+          <p:cNvPr id="3" name="Text 1"/>
+          <p:cNvSpPr/>
+          <p:nvPr/>
+        </p:nvSpPr>
+        <p:spPr>
+          <a:xfrm>
+            <a:off x="457200" y="1371600"/>
+            <a:ext cx="8229600" cy="274320"/>
+          </a:xfrm>
+          <a:prstGeom prst="rect">
+            <a:avLst/>
+          </a:prstGeom>
+          <a:noFill/>
+          <a:ln/>
+        </p:spPr>
+        <p:txBody>
+          <a:bodyPr wrap="square" rtlCol="0" anchor="ctr"/>
+          <a:lstStyle/>
+          <a:p>
+            <a:pPr marL="342900" indent="-342900">
+              <a:buSzPct val="100000"/>
+              <a:buChar char="•"/>
+            </a:pPr>
+            <a:r>
+              <a:rPr lang="en-US" sz="1400" dirty="0">
+                <a:solidFill>
+                  <a:srgbClr val="000000"/>
+                </a:solidFill>
+              </a:rPr>
+              <a:t>• 垂直行业的AI解决方案更加成熟</a:t>
+            </a:r>
+            <a:endParaRPr lang="en-US" sz="1400" dirty="0"/>
+          </a:p>
+        </p:txBody>
+      </p:sp>
+      <p:sp>
+        <p:nvSpPr>
+          <p:cNvPr id="4" name="Text 2"/>
+          <p:cNvSpPr/>
+          <p:nvPr/>
+        </p:nvSpPr>
+        <p:spPr>
+          <a:xfrm>
+            <a:off x="457200" y="1737360"/>
+            <a:ext cx="8229600" cy="274320"/>
+          </a:xfrm>
+          <a:prstGeom prst="rect">
+            <a:avLst/>
+          </a:prstGeom>
+          <a:noFill/>
+          <a:ln/>
+        </p:spPr>
+        <p:txBody>
+          <a:bodyPr wrap="square" rtlCol="0" anchor="ctr"/>
+          <a:lstStyle/>
+          <a:p>
+            <a:pPr marL="342900" indent="-342900">
+              <a:buSzPct val="100000"/>
+              <a:buChar char="•"/>
+            </a:pPr>
+            <a:r>
+              <a:rPr lang="en-US" sz="1400" dirty="0">
+                <a:solidFill>
+                  <a:srgbClr val="000000"/>
+                </a:solidFill>
+              </a:rPr>
+              <a:t>• 金融、医疗、制造、教育等领域深度融入业务流程</a:t>
+            </a:r>
+            <a:endParaRPr lang="en-US" sz="1400" dirty="0"/>
+          </a:p>
+        </p:txBody>
+      </p:sp>
+      <p:sp>
+        <p:nvSpPr>
+          <p:cNvPr id="5" name="Text 3"/>
+          <p:cNvSpPr/>
+          <p:nvPr/>
+        </p:nvSpPr>
+        <p:spPr>
+          <a:xfrm>
+            <a:off x="457200" y="2103120"/>
+            <a:ext cx="8229600" cy="274320"/>
+          </a:xfrm>
+          <a:prstGeom prst="rect">
+            <a:avLst/>
+          </a:prstGeom>
+          <a:noFill/>
+          <a:ln/>
+        </p:spPr>
+        <p:txBody>
+          <a:bodyPr wrap="square" rtlCol="0" anchor="ctr"/>
+          <a:lstStyle/>
+          <a:p>
+            <a:pPr marL="342900" indent="-342900">
+              <a:buSzPct val="100000"/>
+              <a:buChar char="•"/>
+            </a:pPr>
+            <a:r>
+              <a:rPr lang="en-US" sz="1400" dirty="0">
+                <a:solidFill>
+                  <a:srgbClr val="000000"/>
+                </a:solidFill>
+              </a:rPr>
+              <a:t>• 提供专业化服务</a:t>
+            </a:r>
+            <a:endParaRPr lang="en-US" sz="1400" dirty="0"/>
+          </a:p>
+        </p:txBody>
+      </p:sp>
+    </p:spTree>
+  </p:cSld>
+  <p:clrMapOvr>
+    <a:masterClrMapping/>
+  </p:clrMapOvr>
+</p:sld>
+</file>
+
+<file path=ppt/slides/slide2.xml><?xml version="1.0" encoding="utf-8"?>
+<p:sld xmlns:a="http://schemas.openxmlformats.org/drawingml/2006/main" xmlns:r="http://schemas.openxmlformats.org/officeDocument/2006/relationships" xmlns:p="http://schemas.openxmlformats.org/presentationml/2006/main">
+  <p:cSld name="Slide 2">
+    <p:spTree>
+      <p:nvGrpSpPr>
+        <p:cNvPr id="1" name=""/>
+        <p:cNvGrpSpPr/>
+        <p:nvPr/>
+      </p:nvGrpSpPr>
+      <p:grpSpPr>
+        <a:xfrm>
+          <a:off x="0" y="0"/>
+          <a:ext cx="0" cy="0"/>
+          <a:chOff x="0" y="0"/>
+          <a:chExt cx="0" cy="0"/>
+        </a:xfrm>
+      </p:grpSpPr>
+      <p:sp>
+        <p:nvSpPr>
+          <p:cNvPr id="2" name="Text 0"/>
+          <p:cNvSpPr/>
+          <p:nvPr/>
+        </p:nvSpPr>
+        <p:spPr>
+          <a:xfrm>
+            <a:off x="457200" y="3657600"/>
+            <a:ext cx="8229600" cy="914400"/>
+          </a:xfrm>
+          <a:prstGeom prst="rect">
+            <a:avLst/>
+          </a:prstGeom>
+          <a:noFill/>
+          <a:ln/>
+        </p:spPr>
+        <p:txBody>
+          <a:bodyPr wrap="square" rtlCol="0" anchor="ctr"/>
+          <a:lstStyle/>
+          <a:p>
+            <a:pPr algn="ctr" indent="0" marL="0">
+              <a:buNone/>
+            </a:pPr>
+            <a:r>
+              <a:rPr lang="en-US" sz="2400" i="1" dirty="0">
+                <a:solidFill>
+                  <a:srgbClr val="696969"/>
+                </a:solidFill>
+              </a:rPr>
+              <a:t>人工智能发展新纪元</a:t>
+            </a:r>
+            <a:endParaRPr lang="en-US" sz="2400" dirty="0"/>
+          </a:p>
+        </p:txBody>
+      </p:sp>
+    </p:spTree>
+  </p:cSld>
+  <p:clrMapOvr>
+    <a:masterClrMapping/>
+  </p:clrMapOvr>
+</p:sld>
+</file>
+
+<file path=ppt/slides/slide20.xml><?xml version="1.0" encoding="utf-8"?>
+<p:sld xmlns:a="http://schemas.openxmlformats.org/drawingml/2006/main" xmlns:r="http://schemas.openxmlformats.org/officeDocument/2006/relationships" xmlns:p="http://schemas.openxmlformats.org/presentationml/2006/main">
+  <p:cSld name="Slide 20">
+    <p:spTree>
+      <p:nvGrpSpPr>
+        <p:cNvPr id="1" name=""/>
+        <p:cNvGrpSpPr/>
+        <p:nvPr/>
+      </p:nvGrpSpPr>
+      <p:grpSpPr>
+        <a:xfrm>
+          <a:off x="0" y="0"/>
+          <a:ext cx="0" cy="0"/>
+          <a:chOff x="0" y="0"/>
+          <a:chExt cx="0" cy="0"/>
+        </a:xfrm>
+      </p:grpSpPr>
+      <p:sp>
+        <p:nvSpPr>
+          <p:cNvPr id="2" name="Text 0"/>
+          <p:cNvSpPr/>
+          <p:nvPr/>
+        </p:nvSpPr>
+        <p:spPr>
+          <a:xfrm>
+            <a:off x="457200" y="457200"/>
+            <a:ext cx="8229600" cy="731520"/>
+          </a:xfrm>
+          <a:prstGeom prst="rect">
+            <a:avLst/>
+          </a:prstGeom>
+          <a:noFill/>
+          <a:ln/>
+        </p:spPr>
+        <p:txBody>
+          <a:bodyPr wrap="square" rtlCol="0" anchor="ctr"/>
+          <a:lstStyle/>
+          <a:p>
+            <a:pPr indent="0" marL="0">
+              <a:buNone/>
+            </a:pPr>
+            <a:r>
+              <a:rPr lang="en-US" sz="2000" b="1" dirty="0">
+                <a:solidFill>
+                  <a:srgbClr val="1F4E79"/>
+                </a:solidFill>
+              </a:rPr>
+              <a:t>挑战与机遇</a:t>
+            </a:r>
+            <a:endParaRPr lang="en-US" sz="2000" dirty="0"/>
+          </a:p>
+        </p:txBody>
+      </p:sp>
+      <p:sp>
+        <p:nvSpPr>
+          <p:cNvPr id="3" name="Text 1"/>
+          <p:cNvSpPr/>
+          <p:nvPr/>
+        </p:nvSpPr>
+        <p:spPr>
+          <a:xfrm>
+            <a:off x="457200" y="1371600"/>
+            <a:ext cx="3657600" cy="457200"/>
+          </a:xfrm>
+          <a:prstGeom prst="rect">
+            <a:avLst/>
+          </a:prstGeom>
+          <a:noFill/>
+          <a:ln/>
+        </p:spPr>
+        <p:txBody>
+          <a:bodyPr wrap="square" rtlCol="0" anchor="ctr"/>
+          <a:lstStyle/>
+          <a:p>
+            <a:pPr indent="0" marL="0">
+              <a:buNone/>
+            </a:pPr>
+            <a:r>
+              <a:rPr lang="en-US" sz="1600" b="1" dirty="0">
+                <a:solidFill>
+                  <a:srgbClr val="1F4E79"/>
+                </a:solidFill>
+              </a:rPr>
+              <a:t>挑战</a:t>
+            </a:r>
+            <a:endParaRPr lang="en-US" sz="1600" dirty="0"/>
+          </a:p>
+        </p:txBody>
+      </p:sp>
+      <p:sp>
+        <p:nvSpPr>
+          <p:cNvPr id="4" name="Text 2"/>
+          <p:cNvSpPr/>
+          <p:nvPr/>
+        </p:nvSpPr>
+        <p:spPr>
+          <a:xfrm>
+            <a:off x="457200" y="1828800"/>
+            <a:ext cx="3657600" cy="274320"/>
+          </a:xfrm>
+          <a:prstGeom prst="rect">
+            <a:avLst/>
+          </a:prstGeom>
+          <a:noFill/>
+          <a:ln/>
+        </p:spPr>
+        <p:txBody>
+          <a:bodyPr wrap="square" rtlCol="0" anchor="ctr"/>
+          <a:lstStyle/>
+          <a:p>
+            <a:pPr marL="342900" indent="-342900">
+              <a:buSzPct val="100000"/>
+              <a:buChar char="•"/>
+            </a:pPr>
+            <a:r>
+              <a:rPr lang="en-US" sz="1200" dirty="0">
+                <a:solidFill>
+                  <a:srgbClr val="000000"/>
+                </a:solidFill>
+              </a:rPr>
+              <a:t>• AI治理和监管框架建立仍面临挑战</a:t>
+            </a:r>
+            <a:endParaRPr lang="en-US" sz="1200" dirty="0"/>
+          </a:p>
+        </p:txBody>
+      </p:sp>
+      <p:sp>
+        <p:nvSpPr>
+          <p:cNvPr id="5" name="Text 3"/>
+          <p:cNvSpPr/>
+          <p:nvPr/>
+        </p:nvSpPr>
+        <p:spPr>
+          <a:xfrm>
+            <a:off x="457200" y="2194560"/>
+            <a:ext cx="3657600" cy="274320"/>
+          </a:xfrm>
+          <a:prstGeom prst="rect">
+            <a:avLst/>
+          </a:prstGeom>
+          <a:noFill/>
+          <a:ln/>
+        </p:spPr>
+        <p:txBody>
+          <a:bodyPr wrap="square" rtlCol="0" anchor="ctr"/>
+          <a:lstStyle/>
+          <a:p>
+            <a:pPr marL="342900" indent="-342900">
+              <a:buSzPct val="100000"/>
+              <a:buChar char="•"/>
+            </a:pPr>
+            <a:r>
+              <a:rPr lang="en-US" sz="1200" dirty="0">
+                <a:solidFill>
+                  <a:srgbClr val="000000"/>
+                </a:solidFill>
+              </a:rPr>
+              <a:t>• 数据隐私和安全问题需要持续关注</a:t>
+            </a:r>
+            <a:endParaRPr lang="en-US" sz="1200" dirty="0"/>
+          </a:p>
+        </p:txBody>
+      </p:sp>
+      <p:sp>
+        <p:nvSpPr>
+          <p:cNvPr id="6" name="Text 4"/>
+          <p:cNvSpPr/>
+          <p:nvPr/>
+        </p:nvSpPr>
+        <p:spPr>
+          <a:xfrm>
+            <a:off x="457200" y="2560320"/>
+            <a:ext cx="3657600" cy="274320"/>
+          </a:xfrm>
+          <a:prstGeom prst="rect">
+            <a:avLst/>
+          </a:prstGeom>
+          <a:noFill/>
+          <a:ln/>
+        </p:spPr>
+        <p:txBody>
+          <a:bodyPr wrap="square" rtlCol="0" anchor="ctr"/>
+          <a:lstStyle/>
+          <a:p>
+            <a:pPr marL="342900" indent="-342900">
+              <a:buSzPct val="100000"/>
+              <a:buChar char="•"/>
+            </a:pPr>
+            <a:r>
+              <a:rPr lang="en-US" sz="1200" dirty="0">
+                <a:solidFill>
+                  <a:srgbClr val="000000"/>
+                </a:solidFill>
+              </a:rPr>
+              <a:t>• 技术标准化和互操作性有待提高</a:t>
+            </a:r>
+            <a:endParaRPr lang="en-US" sz="1200" dirty="0"/>
+          </a:p>
+        </p:txBody>
+      </p:sp>
+      <p:sp>
+        <p:nvSpPr>
+          <p:cNvPr id="7" name="Text 5"/>
+          <p:cNvSpPr/>
+          <p:nvPr/>
+        </p:nvSpPr>
+        <p:spPr>
+          <a:xfrm>
+            <a:off x="457200" y="2926080"/>
+            <a:ext cx="3657600" cy="274320"/>
+          </a:xfrm>
+          <a:prstGeom prst="rect">
+            <a:avLst/>
+          </a:prstGeom>
+          <a:noFill/>
+          <a:ln/>
+        </p:spPr>
+        <p:txBody>
+          <a:bodyPr wrap="square" rtlCol="0" anchor="ctr"/>
+          <a:lstStyle/>
+          <a:p>
+            <a:pPr marL="342900" indent="-342900">
+              <a:buSzPct val="100000"/>
+              <a:buChar char="•"/>
+            </a:pPr>
+            <a:r>
+              <a:rPr lang="en-US" sz="1200" dirty="0">
+                <a:solidFill>
+                  <a:srgbClr val="000000"/>
+                </a:solidFill>
+              </a:rPr>
+              <a:t>• 人才培养和技能转型压力增大</a:t>
+            </a:r>
+            <a:endParaRPr lang="en-US" sz="1200" dirty="0"/>
+          </a:p>
+        </p:txBody>
+      </p:sp>
+      <p:sp>
+        <p:nvSpPr>
+          <p:cNvPr id="8" name="Text 6"/>
+          <p:cNvSpPr/>
+          <p:nvPr/>
+        </p:nvSpPr>
+        <p:spPr>
+          <a:xfrm>
+            <a:off x="4572000" y="1371600"/>
+            <a:ext cx="3657600" cy="457200"/>
+          </a:xfrm>
+          <a:prstGeom prst="rect">
+            <a:avLst/>
+          </a:prstGeom>
+          <a:noFill/>
+          <a:ln/>
+        </p:spPr>
+        <p:txBody>
+          <a:bodyPr wrap="square" rtlCol="0" anchor="ctr"/>
+          <a:lstStyle/>
+          <a:p>
+            <a:pPr indent="0" marL="0">
+              <a:buNone/>
+            </a:pPr>
+            <a:r>
+              <a:rPr lang="en-US" sz="1600" b="1" dirty="0">
+                <a:solidFill>
+                  <a:srgbClr val="1F4E79"/>
+                </a:solidFill>
+              </a:rPr>
+              <a:t>机遇</a:t>
+            </a:r>
+            <a:endParaRPr lang="en-US" sz="1600" dirty="0"/>
+          </a:p>
+        </p:txBody>
+      </p:sp>
+      <p:sp>
+        <p:nvSpPr>
+          <p:cNvPr id="9" name="Text 7"/>
+          <p:cNvSpPr/>
+          <p:nvPr/>
+        </p:nvSpPr>
+        <p:spPr>
+          <a:xfrm>
+            <a:off x="4572000" y="1828800"/>
+            <a:ext cx="3657600" cy="274320"/>
+          </a:xfrm>
+          <a:prstGeom prst="rect">
+            <a:avLst/>
+          </a:prstGeom>
+          <a:noFill/>
+          <a:ln/>
+        </p:spPr>
+        <p:txBody>
+          <a:bodyPr wrap="square" rtlCol="0" anchor="ctr"/>
+          <a:lstStyle/>
+          <a:p>
+            <a:pPr marL="342900" indent="-342900">
+              <a:buSzPct val="100000"/>
+              <a:buChar char="•"/>
+            </a:pPr>
+            <a:r>
+              <a:rPr lang="en-US" sz="1200" dirty="0">
+                <a:solidFill>
+                  <a:srgbClr val="000000"/>
+                </a:solidFill>
+              </a:rPr>
+              <a:t>• 全球AI市场规模持续扩大</a:t>
+            </a:r>
+            <a:endParaRPr lang="en-US" sz="1200" dirty="0"/>
+          </a:p>
+        </p:txBody>
+      </p:sp>
+      <p:sp>
+        <p:nvSpPr>
+          <p:cNvPr id="10" name="Text 8"/>
+          <p:cNvSpPr/>
+          <p:nvPr/>
+        </p:nvSpPr>
+        <p:spPr>
+          <a:xfrm>
+            <a:off x="4572000" y="2194560"/>
+            <a:ext cx="3657600" cy="274320"/>
+          </a:xfrm>
+          <a:prstGeom prst="rect">
+            <a:avLst/>
+          </a:prstGeom>
+          <a:noFill/>
+          <a:ln/>
+        </p:spPr>
+        <p:txBody>
+          <a:bodyPr wrap="square" rtlCol="0" anchor="ctr"/>
+          <a:lstStyle/>
+          <a:p>
+            <a:pPr marL="342900" indent="-342900">
+              <a:buSzPct val="100000"/>
+              <a:buChar char="•"/>
+            </a:pPr>
+            <a:r>
+              <a:rPr lang="en-US" sz="1200" dirty="0">
+                <a:solidFill>
+                  <a:srgbClr val="000000"/>
+                </a:solidFill>
+              </a:rPr>
+              <a:t>• 新兴技术融合创造更多可能性</a:t>
+            </a:r>
+            <a:endParaRPr lang="en-US" sz="1200" dirty="0"/>
+          </a:p>
+        </p:txBody>
+      </p:sp>
+      <p:sp>
+        <p:nvSpPr>
+          <p:cNvPr id="11" name="Text 9"/>
+          <p:cNvSpPr/>
+          <p:nvPr/>
+        </p:nvSpPr>
+        <p:spPr>
+          <a:xfrm>
+            <a:off x="4572000" y="2560320"/>
+            <a:ext cx="3657600" cy="274320"/>
+          </a:xfrm>
+          <a:prstGeom prst="rect">
+            <a:avLst/>
+          </a:prstGeom>
+          <a:noFill/>
+          <a:ln/>
+        </p:spPr>
+        <p:txBody>
+          <a:bodyPr wrap="square" rtlCol="0" anchor="ctr"/>
+          <a:lstStyle/>
+          <a:p>
+            <a:pPr marL="342900" indent="-342900">
+              <a:buSzPct val="100000"/>
+              <a:buChar char="•"/>
+            </a:pPr>
+            <a:r>
+              <a:rPr lang="en-US" sz="1200" dirty="0">
+                <a:solidFill>
+                  <a:srgbClr val="000000"/>
+                </a:solidFill>
+              </a:rPr>
+              <a:t>• 垂直行业数字化转型需求旺盛</a:t>
+            </a:r>
+            <a:endParaRPr lang="en-US" sz="1200" dirty="0"/>
+          </a:p>
+        </p:txBody>
+      </p:sp>
+      <p:sp>
+        <p:nvSpPr>
+          <p:cNvPr id="12" name="Text 10"/>
+          <p:cNvSpPr/>
+          <p:nvPr/>
+        </p:nvSpPr>
+        <p:spPr>
+          <a:xfrm>
+            <a:off x="4572000" y="2926080"/>
+            <a:ext cx="3657600" cy="274320"/>
+          </a:xfrm>
+          <a:prstGeom prst="rect">
+            <a:avLst/>
+          </a:prstGeom>
+          <a:noFill/>
+          <a:ln/>
+        </p:spPr>
+        <p:txBody>
+          <a:bodyPr wrap="square" rtlCol="0" anchor="ctr"/>
+          <a:lstStyle/>
+          <a:p>
+            <a:pPr marL="342900" indent="-342900">
+              <a:buSzPct val="100000"/>
+              <a:buChar char="•"/>
+            </a:pPr>
+            <a:r>
+              <a:rPr lang="en-US" sz="1200" dirty="0">
+                <a:solidFill>
+                  <a:srgbClr val="000000"/>
+                </a:solidFill>
+              </a:rPr>
+              <a:t>• 国产AI技术和产业生态逐步完善</a:t>
+            </a:r>
+            <a:endParaRPr lang="en-US" sz="1200" dirty="0"/>
+          </a:p>
+        </p:txBody>
+      </p:sp>
+    </p:spTree>
+  </p:cSld>
+  <p:clrMapOvr>
+    <a:masterClrMapping/>
+  </p:clrMapOvr>
+</p:sld>
+</file>
+
+<file path=ppt/slides/slide21.xml><?xml version="1.0" encoding="utf-8"?>
+<p:sld xmlns:a="http://schemas.openxmlformats.org/drawingml/2006/main" xmlns:r="http://schemas.openxmlformats.org/officeDocument/2006/relationships" xmlns:p="http://schemas.openxmlformats.org/presentationml/2006/main">
+  <p:cSld name="Slide 21">
+    <p:spTree>
+      <p:nvGrpSpPr>
+        <p:cNvPr id="1" name=""/>
+        <p:cNvGrpSpPr/>
+        <p:nvPr/>
+      </p:nvGrpSpPr>
+      <p:grpSpPr>
+        <a:xfrm>
+          <a:off x="0" y="0"/>
+          <a:ext cx="0" cy="0"/>
+          <a:chOff x="0" y="0"/>
+          <a:chExt cx="0" cy="0"/>
+        </a:xfrm>
+      </p:grpSpPr>
+      <p:sp>
+        <p:nvSpPr>
+          <p:cNvPr id="2" name="Text 0"/>
+          <p:cNvSpPr/>
+          <p:nvPr/>
+        </p:nvSpPr>
+        <p:spPr>
+          <a:xfrm>
+            <a:off x="457200" y="457200"/>
+            <a:ext cx="8229600" cy="731520"/>
+          </a:xfrm>
+          <a:prstGeom prst="rect">
+            <a:avLst/>
+          </a:prstGeom>
+          <a:noFill/>
+          <a:ln/>
+        </p:spPr>
+        <p:txBody>
+          <a:bodyPr wrap="square" rtlCol="0" anchor="ctr"/>
+          <a:lstStyle/>
+          <a:p>
+            <a:pPr indent="0" marL="0">
+              <a:buNone/>
+            </a:pPr>
+            <a:r>
+              <a:rPr lang="en-US" sz="2000" b="1" dirty="0">
+                <a:solidFill>
+                  <a:srgbClr val="1F4E79"/>
+                </a:solidFill>
+              </a:rPr>
+              <a:t>结论</a:t>
+            </a:r>
+            <a:endParaRPr lang="en-US" sz="2000" dirty="0"/>
+          </a:p>
+        </p:txBody>
+      </p:sp>
+      <p:sp>
+        <p:nvSpPr>
+          <p:cNvPr id="3" name="Text 1"/>
+          <p:cNvSpPr/>
+          <p:nvPr/>
+        </p:nvSpPr>
+        <p:spPr>
+          <a:xfrm>
+            <a:off x="457200" y="1371600"/>
+            <a:ext cx="8229600" cy="274320"/>
+          </a:xfrm>
+          <a:prstGeom prst="rect">
+            <a:avLst/>
+          </a:prstGeom>
+          <a:noFill/>
+          <a:ln/>
+        </p:spPr>
+        <p:txBody>
+          <a:bodyPr wrap="square" rtlCol="0" anchor="ctr"/>
+          <a:lstStyle/>
+          <a:p>
+            <a:pPr marL="342900" indent="-342900">
+              <a:buSzPct val="100000"/>
+              <a:buChar char="•"/>
+            </a:pPr>
+            <a:r>
+              <a:rPr lang="en-US" sz="1400" dirty="0">
+                <a:solidFill>
+                  <a:srgbClr val="000000"/>
+                </a:solidFill>
+              </a:rPr>
+              <a:t>• 2026年将是人工智能发展的重要转折点</a:t>
+            </a:r>
+            <a:endParaRPr lang="en-US" sz="1400" dirty="0"/>
+          </a:p>
+        </p:txBody>
+      </p:sp>
+      <p:sp>
+        <p:nvSpPr>
+          <p:cNvPr id="4" name="Text 2"/>
+          <p:cNvSpPr/>
+          <p:nvPr/>
+        </p:nvSpPr>
+        <p:spPr>
+          <a:xfrm>
+            <a:off x="457200" y="1737360"/>
+            <a:ext cx="8229600" cy="274320"/>
+          </a:xfrm>
+          <a:prstGeom prst="rect">
+            <a:avLst/>
+          </a:prstGeom>
+          <a:noFill/>
+          <a:ln/>
+        </p:spPr>
+        <p:txBody>
+          <a:bodyPr wrap="square" rtlCol="0" anchor="ctr"/>
+          <a:lstStyle/>
+          <a:p>
+            <a:pPr marL="342900" indent="-342900">
+              <a:buSzPct val="100000"/>
+              <a:buChar char="•"/>
+            </a:pPr>
+            <a:r>
+              <a:rPr lang="en-US" sz="1400" dirty="0">
+                <a:solidFill>
+                  <a:srgbClr val="000000"/>
+                </a:solidFill>
+              </a:rPr>
+              <a:t>• 从技术探索到应用落地的转变将进一步加速</a:t>
+            </a:r>
+            <a:endParaRPr lang="en-US" sz="1400" dirty="0"/>
+          </a:p>
+        </p:txBody>
+      </p:sp>
+      <p:sp>
+        <p:nvSpPr>
+          <p:cNvPr id="5" name="Text 3"/>
+          <p:cNvSpPr/>
+          <p:nvPr/>
+        </p:nvSpPr>
+        <p:spPr>
+          <a:xfrm>
+            <a:off x="457200" y="2103120"/>
+            <a:ext cx="8229600" cy="274320"/>
+          </a:xfrm>
+          <a:prstGeom prst="rect">
+            <a:avLst/>
+          </a:prstGeom>
+          <a:noFill/>
+          <a:ln/>
+        </p:spPr>
+        <p:txBody>
+          <a:bodyPr wrap="square" rtlCol="0" anchor="ctr"/>
+          <a:lstStyle/>
+          <a:p>
+            <a:pPr marL="342900" indent="-342900">
+              <a:buSzPct val="100000"/>
+              <a:buChar char="•"/>
+            </a:pPr>
+            <a:r>
+              <a:rPr lang="en-US" sz="1400" dirty="0">
+                <a:solidFill>
+                  <a:srgbClr val="000000"/>
+                </a:solidFill>
+              </a:rPr>
+              <a:t>• AI治理全球化、智能算力规模化、应用主流化等趋势将共同塑造AI发展的新格局</a:t>
+            </a:r>
+            <a:endParaRPr lang="en-US" sz="1400" dirty="0"/>
+          </a:p>
+        </p:txBody>
+      </p:sp>
+      <p:sp>
+        <p:nvSpPr>
+          <p:cNvPr id="6" name="Text 4"/>
+          <p:cNvSpPr/>
+          <p:nvPr/>
+        </p:nvSpPr>
+        <p:spPr>
+          <a:xfrm>
+            <a:off x="457200" y="2468880"/>
+            <a:ext cx="8229600" cy="274320"/>
+          </a:xfrm>
+          <a:prstGeom prst="rect">
+            <a:avLst/>
+          </a:prstGeom>
+          <a:noFill/>
+          <a:ln/>
+        </p:spPr>
+        <p:txBody>
+          <a:bodyPr wrap="square" rtlCol="0" anchor="ctr"/>
+          <a:lstStyle/>
+          <a:p>
+            <a:pPr marL="342900" indent="-342900">
+              <a:buSzPct val="100000"/>
+              <a:buChar char="•"/>
+            </a:pPr>
+            <a:r>
+              <a:rPr lang="en-US" sz="1400" dirty="0">
+                <a:solidFill>
+                  <a:srgbClr val="000000"/>
+                </a:solidFill>
+              </a:rPr>
+              <a:t>• 随着世界模型、AI Agent等前沿技术的成熟，人工智能有望在更多领域实现突破性进展</a:t>
+            </a:r>
+            <a:endParaRPr lang="en-US" sz="1400" dirty="0"/>
+          </a:p>
+        </p:txBody>
+      </p:sp>
+      <p:sp>
+        <p:nvSpPr>
+          <p:cNvPr id="7" name="Text 5"/>
+          <p:cNvSpPr/>
+          <p:nvPr/>
+        </p:nvSpPr>
+        <p:spPr>
+          <a:xfrm>
+            <a:off x="457200" y="2834640"/>
+            <a:ext cx="8229600" cy="274320"/>
+          </a:xfrm>
+          <a:prstGeom prst="rect">
+            <a:avLst/>
+          </a:prstGeom>
+          <a:noFill/>
+          <a:ln/>
+        </p:spPr>
+        <p:txBody>
+          <a:bodyPr wrap="square" rtlCol="0" anchor="ctr"/>
+          <a:lstStyle/>
+          <a:p>
+            <a:pPr marL="342900" indent="-342900">
+              <a:buSzPct val="100000"/>
+              <a:buChar char="•"/>
+            </a:pPr>
+            <a:r>
+              <a:rPr lang="en-US" sz="1400" dirty="0">
+                <a:solidFill>
+                  <a:srgbClr val="000000"/>
+                </a:solidFill>
+              </a:rPr>
+              <a:t>• 从业者和投资者应重点关注AI应用落地的机会，同时密切关注AI治理和技术标准化的进展</a:t>
+            </a:r>
+            <a:endParaRPr lang="en-US" sz="1400" dirty="0"/>
+          </a:p>
+        </p:txBody>
+      </p:sp>
+    </p:spTree>
+  </p:cSld>
+  <p:clrMapOvr>
+    <a:masterClrMapping/>
+  </p:clrMapOvr>
+</p:sld>
+</file>
+
+<file path=ppt/slides/slide3.xml><?xml version="1.0" encoding="utf-8"?>
+<p:sld xmlns:a="http://schemas.openxmlformats.org/drawingml/2006/main" xmlns:r="http://schemas.openxmlformats.org/officeDocument/2006/relationships" xmlns:p="http://schemas.openxmlformats.org/presentationml/2006/main">
+  <p:cSld name="Slide 3">
+    <p:spTree>
+      <p:nvGrpSpPr>
+        <p:cNvPr id="1" name=""/>
+        <p:cNvGrpSpPr/>
+        <p:nvPr/>
+      </p:nvGrpSpPr>
+      <p:grpSpPr>
+        <a:xfrm>
+          <a:off x="0" y="0"/>
+          <a:ext cx="0" cy="0"/>
+          <a:chOff x="0" y="0"/>
+          <a:chExt cx="0" cy="0"/>
+        </a:xfrm>
+      </p:grpSpPr>
+      <p:sp>
+        <p:nvSpPr>
+          <p:cNvPr id="2" name="Text 0"/>
+          <p:cNvSpPr/>
+          <p:nvPr/>
+        </p:nvSpPr>
+        <p:spPr>
+          <a:xfrm>
+            <a:off x="457200" y="5486400"/>
+            <a:ext cx="8229600" cy="1828800"/>
+          </a:xfrm>
+          <a:prstGeom prst="rect">
+            <a:avLst/>
+          </a:prstGeom>
+          <a:noFill/>
+          <a:ln/>
+        </p:spPr>
+        <p:txBody>
+          <a:bodyPr wrap="square" lIns="152400" tIns="152400" rIns="152400" bIns="152400" rtlCol="0" anchor="ctr"/>
+          <a:lstStyle/>
+          <a:p>
+            <a:pPr algn="ctr" indent="0" marL="0">
+              <a:buNone/>
+            </a:pPr>
+            <a:r>
+              <a:rPr lang="en-US" sz="1400" dirty="0">
+                <a:solidFill>
+                  <a:srgbClr val="000000"/>
+                </a:solidFill>
+              </a:rPr>
+              <a:t>基于对当前AI发展趋势的分析，结合权威机构发布的预测，深度探讨2026年AI发展的主要趋势和前景</a:t>
+            </a:r>
+            <a:endParaRPr lang="en-US" sz="1400" dirty="0"/>
+          </a:p>
+        </p:txBody>
+      </p:sp>
+    </p:spTree>
+  </p:cSld>
+  <p:clrMapOvr>
+    <a:masterClrMapping/>
+  </p:clrMapOvr>
+</p:sld>
+</file>
+
+<file path=ppt/slides/slide4.xml><?xml version="1.0" encoding="utf-8"?>
+<p:sld xmlns:a="http://schemas.openxmlformats.org/drawingml/2006/main" xmlns:r="http://schemas.openxmlformats.org/officeDocument/2006/relationships" xmlns:p="http://schemas.openxmlformats.org/presentationml/2006/main">
+  <p:cSld name="Slide 4">
+    <p:spTree>
+      <p:nvGrpSpPr>
+        <p:cNvPr id="1" name=""/>
+        <p:cNvGrpSpPr/>
+        <p:nvPr/>
+      </p:nvGrpSpPr>
+      <p:grpSpPr>
+        <a:xfrm>
+          <a:off x="0" y="0"/>
+          <a:ext cx="0" cy="0"/>
+          <a:chOff x="0" y="0"/>
+          <a:chExt cx="0" cy="0"/>
+        </a:xfrm>
+      </p:grpSpPr>
+      <p:sp>
+        <p:nvSpPr>
+          <p:cNvPr id="2" name="Text 0"/>
+          <p:cNvSpPr/>
+          <p:nvPr/>
+        </p:nvSpPr>
+        <p:spPr>
+          <a:xfrm>
+            <a:off x="457200" y="457200"/>
+            <a:ext cx="8229600" cy="731520"/>
+          </a:xfrm>
+          <a:prstGeom prst="rect">
+            <a:avLst/>
+          </a:prstGeom>
+          <a:noFill/>
+          <a:ln/>
+        </p:spPr>
+        <p:txBody>
+          <a:bodyPr wrap="square" rtlCol="0" anchor="ctr"/>
+          <a:lstStyle/>
+          <a:p>
+            <a:pPr indent="0" marL="0">
+              <a:buNone/>
+            </a:pPr>
+            <a:r>
+              <a:rPr lang="en-US" sz="2000" b="1" dirty="0">
+                <a:solidFill>
+                  <a:srgbClr val="1F4E79"/>
+                </a:solidFill>
+              </a:rPr>
+              <a:t>引言</a:t>
+            </a:r>
+            <a:endParaRPr lang="en-US" sz="2000" dirty="0"/>
+          </a:p>
+        </p:txBody>
+      </p:sp>
+      <p:sp>
+        <p:nvSpPr>
+          <p:cNvPr id="3" name="Text 1"/>
+          <p:cNvSpPr/>
+          <p:nvPr/>
+        </p:nvSpPr>
+        <p:spPr>
+          <a:xfrm>
+            <a:off x="457200" y="1371600"/>
+            <a:ext cx="8229600" cy="274320"/>
+          </a:xfrm>
+          <a:prstGeom prst="rect">
+            <a:avLst/>
+          </a:prstGeom>
+          <a:noFill/>
+          <a:ln/>
+        </p:spPr>
+        <p:txBody>
+          <a:bodyPr wrap="square" rtlCol="0" anchor="ctr"/>
+          <a:lstStyle/>
+          <a:p>
+            <a:pPr marL="342900" indent="-342900">
+              <a:buSzPct val="100000"/>
+              <a:buChar char="•"/>
+            </a:pPr>
+            <a:r>
+              <a:rPr lang="en-US" sz="1400" dirty="0">
+                <a:solidFill>
+                  <a:srgbClr val="000000"/>
+                </a:solidFill>
+              </a:rPr>
+              <a:t>• 2025年是AI应用加速落地的一年，各大企业和研究机构纷纷推出自己的AI产品和服务</a:t>
+            </a:r>
+            <a:endParaRPr lang="en-US" sz="1400" dirty="0"/>
+          </a:p>
+        </p:txBody>
+      </p:sp>
+      <p:sp>
+        <p:nvSpPr>
+          <p:cNvPr id="4" name="Text 2"/>
+          <p:cNvSpPr/>
+          <p:nvPr/>
+        </p:nvSpPr>
+        <p:spPr>
+          <a:xfrm>
+            <a:off x="457200" y="1737360"/>
+            <a:ext cx="8229600" cy="274320"/>
+          </a:xfrm>
+          <a:prstGeom prst="rect">
+            <a:avLst/>
+          </a:prstGeom>
+          <a:noFill/>
+          <a:ln/>
+        </p:spPr>
+        <p:txBody>
+          <a:bodyPr wrap="square" rtlCol="0" anchor="ctr"/>
+          <a:lstStyle/>
+          <a:p>
+            <a:pPr marL="342900" indent="-342900">
+              <a:buSzPct val="100000"/>
+              <a:buChar char="•"/>
+            </a:pPr>
+            <a:r>
+              <a:rPr lang="en-US" sz="1400" dirty="0">
+                <a:solidFill>
+                  <a:srgbClr val="000000"/>
+                </a:solidFill>
+              </a:rPr>
+              <a:t>• 展望2026年，人工智能的发展将继续深化，从技术创新到应用场景都将迎来新的变革</a:t>
+            </a:r>
+            <a:endParaRPr lang="en-US" sz="1400" dirty="0"/>
+          </a:p>
+        </p:txBody>
+      </p:sp>
+      <p:sp>
+        <p:nvSpPr>
+          <p:cNvPr id="5" name="Text 3"/>
+          <p:cNvSpPr/>
+          <p:nvPr/>
+        </p:nvSpPr>
+        <p:spPr>
+          <a:xfrm>
+            <a:off x="457200" y="2103120"/>
+            <a:ext cx="8229600" cy="274320"/>
+          </a:xfrm>
+          <a:prstGeom prst="rect">
+            <a:avLst/>
+          </a:prstGeom>
+          <a:noFill/>
+          <a:ln/>
+        </p:spPr>
+        <p:txBody>
+          <a:bodyPr wrap="square" rtlCol="0" anchor="ctr"/>
+          <a:lstStyle/>
+          <a:p>
+            <a:pPr marL="342900" indent="-342900">
+              <a:buSzPct val="100000"/>
+              <a:buChar char="•"/>
+            </a:pPr>
+            <a:r>
+              <a:rPr lang="en-US" sz="1400" dirty="0">
+                <a:solidFill>
+                  <a:srgbClr val="000000"/>
+                </a:solidFill>
+              </a:rPr>
+              <a:t>• 本报告深度探讨2026年AI发展的主要趋势和前景</a:t>
+            </a:r>
+            <a:endParaRPr lang="en-US" sz="1400" dirty="0"/>
+          </a:p>
+        </p:txBody>
+      </p:sp>
+    </p:spTree>
+  </p:cSld>
+  <p:clrMapOvr>
+    <a:masterClrMapping/>
+  </p:clrMapOvr>
+</p:sld>
+</file>
+
+<file path=ppt/slides/slide5.xml><?xml version="1.0" encoding="utf-8"?>
+<p:sld xmlns:a="http://schemas.openxmlformats.org/drawingml/2006/main" xmlns:r="http://schemas.openxmlformats.org/officeDocument/2006/relationships" xmlns:p="http://schemas.openxmlformats.org/presentationml/2006/main">
+  <p:cSld name="Slide 5">
+    <p:spTree>
+      <p:nvGrpSpPr>
+        <p:cNvPr id="1" name=""/>
+        <p:cNvGrpSpPr/>
+        <p:nvPr/>
+      </p:nvGrpSpPr>
+      <p:grpSpPr>
+        <a:xfrm>
+          <a:off x="0" y="0"/>
+          <a:ext cx="0" cy="0"/>
+          <a:chOff x="0" y="0"/>
+          <a:chExt cx="0" cy="0"/>
+        </a:xfrm>
+      </p:grpSpPr>
+      <p:sp>
+        <p:nvSpPr>
+          <p:cNvPr id="2" name="Text 0"/>
+          <p:cNvSpPr/>
+          <p:nvPr/>
+        </p:nvSpPr>
+        <p:spPr>
+          <a:xfrm>
+            <a:off x="457200" y="457200"/>
+            <a:ext cx="8229600" cy="731520"/>
+          </a:xfrm>
+          <a:prstGeom prst="rect">
+            <a:avLst/>
+          </a:prstGeom>
+          <a:noFill/>
+          <a:ln/>
+        </p:spPr>
+        <p:txBody>
+          <a:bodyPr wrap="square" rtlCol="0" anchor="ctr"/>
+          <a:lstStyle/>
+          <a:p>
+            <a:pPr indent="0" marL="0">
+              <a:buNone/>
+            </a:pPr>
+            <a:r>
+              <a:rPr lang="en-US" sz="2000" b="1" dirty="0">
+                <a:solidFill>
+                  <a:srgbClr val="1F4E79"/>
+                </a:solidFill>
+              </a:rPr>
+              <a:t>2026年AI八大主要趋势</a:t>
+            </a:r>
+            <a:endParaRPr lang="en-US" sz="2000" dirty="0"/>
+          </a:p>
+        </p:txBody>
+      </p:sp>
+      <p:sp>
+        <p:nvSpPr>
+          <p:cNvPr id="3" name="Text 1"/>
+          <p:cNvSpPr/>
+          <p:nvPr/>
+        </p:nvSpPr>
+        <p:spPr>
+          <a:xfrm>
+            <a:off x="457200" y="1371600"/>
+            <a:ext cx="8229600" cy="274320"/>
+          </a:xfrm>
+          <a:prstGeom prst="rect">
+            <a:avLst/>
+          </a:prstGeom>
+          <a:noFill/>
+          <a:ln/>
+        </p:spPr>
+        <p:txBody>
+          <a:bodyPr wrap="square" rtlCol="0" anchor="ctr"/>
+          <a:lstStyle/>
+          <a:p>
+            <a:pPr marL="342900" indent="-342900">
+              <a:buSzPct val="100000"/>
+              <a:buChar char="•"/>
+            </a:pPr>
+            <a:r>
+              <a:rPr lang="en-US" sz="1400" dirty="0">
+                <a:solidFill>
+                  <a:srgbClr val="000000"/>
+                </a:solidFill>
+              </a:rPr>
+              <a:t>• 1. AI治理全球化</a:t>
+            </a:r>
+            <a:endParaRPr lang="en-US" sz="1400" dirty="0"/>
+          </a:p>
+        </p:txBody>
+      </p:sp>
+      <p:sp>
+        <p:nvSpPr>
+          <p:cNvPr id="4" name="Text 2"/>
+          <p:cNvSpPr/>
+          <p:nvPr/>
+        </p:nvSpPr>
+        <p:spPr>
+          <a:xfrm>
+            <a:off x="457200" y="1737360"/>
+            <a:ext cx="8229600" cy="274320"/>
+          </a:xfrm>
+          <a:prstGeom prst="rect">
+            <a:avLst/>
+          </a:prstGeom>
+          <a:noFill/>
+          <a:ln/>
+        </p:spPr>
+        <p:txBody>
+          <a:bodyPr wrap="square" rtlCol="0" anchor="ctr"/>
+          <a:lstStyle/>
+          <a:p>
+            <a:pPr marL="342900" indent="-342900">
+              <a:buSzPct val="100000"/>
+              <a:buChar char="•"/>
+            </a:pPr>
+            <a:r>
+              <a:rPr lang="en-US" sz="1400" dirty="0">
+                <a:solidFill>
+                  <a:srgbClr val="000000"/>
+                </a:solidFill>
+              </a:rPr>
+              <a:t>• 2. 智能算力规模化</a:t>
+            </a:r>
+            <a:endParaRPr lang="en-US" sz="1400" dirty="0"/>
+          </a:p>
+        </p:txBody>
+      </p:sp>
+      <p:sp>
+        <p:nvSpPr>
+          <p:cNvPr id="5" name="Text 3"/>
+          <p:cNvSpPr/>
+          <p:nvPr/>
+        </p:nvSpPr>
+        <p:spPr>
+          <a:xfrm>
+            <a:off x="457200" y="2103120"/>
+            <a:ext cx="8229600" cy="274320"/>
+          </a:xfrm>
+          <a:prstGeom prst="rect">
+            <a:avLst/>
+          </a:prstGeom>
+          <a:noFill/>
+          <a:ln/>
+        </p:spPr>
+        <p:txBody>
+          <a:bodyPr wrap="square" rtlCol="0" anchor="ctr"/>
+          <a:lstStyle/>
+          <a:p>
+            <a:pPr marL="342900" indent="-342900">
+              <a:buSzPct val="100000"/>
+              <a:buChar char="•"/>
+            </a:pPr>
+            <a:r>
+              <a:rPr lang="en-US" sz="1400" dirty="0">
+                <a:solidFill>
+                  <a:srgbClr val="000000"/>
+                </a:solidFill>
+              </a:rPr>
+              <a:t>• 3. 应用主流化</a:t>
+            </a:r>
+            <a:endParaRPr lang="en-US" sz="1400" dirty="0"/>
+          </a:p>
+        </p:txBody>
+      </p:sp>
+      <p:sp>
+        <p:nvSpPr>
+          <p:cNvPr id="6" name="Text 4"/>
+          <p:cNvSpPr/>
+          <p:nvPr/>
+        </p:nvSpPr>
+        <p:spPr>
+          <a:xfrm>
+            <a:off x="457200" y="2468880"/>
+            <a:ext cx="8229600" cy="274320"/>
+          </a:xfrm>
+          <a:prstGeom prst="rect">
+            <a:avLst/>
+          </a:prstGeom>
+          <a:noFill/>
+          <a:ln/>
+        </p:spPr>
+        <p:txBody>
+          <a:bodyPr wrap="square" rtlCol="0" anchor="ctr"/>
+          <a:lstStyle/>
+          <a:p>
+            <a:pPr marL="342900" indent="-342900">
+              <a:buSzPct val="100000"/>
+              <a:buChar char="•"/>
+            </a:pPr>
+            <a:r>
+              <a:rPr lang="en-US" sz="1400" dirty="0">
+                <a:solidFill>
+                  <a:srgbClr val="000000"/>
+                </a:solidFill>
+              </a:rPr>
+              <a:t>• 4. 多模态实用化</a:t>
+            </a:r>
+            <a:endParaRPr lang="en-US" sz="1400" dirty="0"/>
+          </a:p>
+        </p:txBody>
+      </p:sp>
+      <p:sp>
+        <p:nvSpPr>
+          <p:cNvPr id="7" name="Text 5"/>
+          <p:cNvSpPr/>
+          <p:nvPr/>
+        </p:nvSpPr>
+        <p:spPr>
+          <a:xfrm>
+            <a:off x="457200" y="2834640"/>
+            <a:ext cx="8229600" cy="274320"/>
+          </a:xfrm>
+          <a:prstGeom prst="rect">
+            <a:avLst/>
+          </a:prstGeom>
+          <a:noFill/>
+          <a:ln/>
+        </p:spPr>
+        <p:txBody>
+          <a:bodyPr wrap="square" rtlCol="0" anchor="ctr"/>
+          <a:lstStyle/>
+          <a:p>
+            <a:pPr marL="342900" indent="-342900">
+              <a:buSzPct val="100000"/>
+              <a:buChar char="•"/>
+            </a:pPr>
+            <a:r>
+              <a:rPr lang="en-US" sz="1400" dirty="0">
+                <a:solidFill>
+                  <a:srgbClr val="000000"/>
+                </a:solidFill>
+              </a:rPr>
+              <a:t>• 5. 原生AI终端硬件普及化</a:t>
+            </a:r>
+            <a:endParaRPr lang="en-US" sz="1400" dirty="0"/>
+          </a:p>
+        </p:txBody>
+      </p:sp>
+      <p:sp>
+        <p:nvSpPr>
+          <p:cNvPr id="8" name="Text 6"/>
+          <p:cNvSpPr/>
+          <p:nvPr/>
+        </p:nvSpPr>
+        <p:spPr>
+          <a:xfrm>
+            <a:off x="457200" y="3200400"/>
+            <a:ext cx="8229600" cy="274320"/>
+          </a:xfrm>
+          <a:prstGeom prst="rect">
+            <a:avLst/>
+          </a:prstGeom>
+          <a:noFill/>
+          <a:ln/>
+        </p:spPr>
+        <p:txBody>
+          <a:bodyPr wrap="square" rtlCol="0" anchor="ctr"/>
+          <a:lstStyle/>
+          <a:p>
+            <a:pPr marL="342900" indent="-342900">
+              <a:buSzPct val="100000"/>
+              <a:buChar char="•"/>
+            </a:pPr>
+            <a:r>
+              <a:rPr lang="en-US" sz="1400" dirty="0">
+                <a:solidFill>
+                  <a:srgbClr val="000000"/>
+                </a:solidFill>
+              </a:rPr>
+              <a:t>• 6. AI Agent技术成熟</a:t>
+            </a:r>
+            <a:endParaRPr lang="en-US" sz="1400" dirty="0"/>
+          </a:p>
+        </p:txBody>
+      </p:sp>
+      <p:sp>
+        <p:nvSpPr>
+          <p:cNvPr id="9" name="Text 7"/>
+          <p:cNvSpPr/>
+          <p:nvPr/>
+        </p:nvSpPr>
+        <p:spPr>
+          <a:xfrm>
+            <a:off x="457200" y="3566160"/>
+            <a:ext cx="8229600" cy="274320"/>
+          </a:xfrm>
+          <a:prstGeom prst="rect">
+            <a:avLst/>
+          </a:prstGeom>
+          <a:noFill/>
+          <a:ln/>
+        </p:spPr>
+        <p:txBody>
+          <a:bodyPr wrap="square" rtlCol="0" anchor="ctr"/>
+          <a:lstStyle/>
+          <a:p>
+            <a:pPr marL="342900" indent="-342900">
+              <a:buSzPct val="100000"/>
+              <a:buChar char="•"/>
+            </a:pPr>
+            <a:r>
+              <a:rPr lang="en-US" sz="1400" dirty="0">
+                <a:solidFill>
+                  <a:srgbClr val="000000"/>
+                </a:solidFill>
+              </a:rPr>
+              <a:t>• 7. 世界模型成为AGI共识方向</a:t>
+            </a:r>
+            <a:endParaRPr lang="en-US" sz="1400" dirty="0"/>
+          </a:p>
+        </p:txBody>
+      </p:sp>
+      <p:sp>
+        <p:nvSpPr>
+          <p:cNvPr id="10" name="Text 8"/>
+          <p:cNvSpPr/>
+          <p:nvPr/>
+        </p:nvSpPr>
+        <p:spPr>
+          <a:xfrm>
+            <a:off x="457200" y="3931920"/>
+            <a:ext cx="8229600" cy="274320"/>
+          </a:xfrm>
+          <a:prstGeom prst="rect">
+            <a:avLst/>
+          </a:prstGeom>
+          <a:noFill/>
+          <a:ln/>
+        </p:spPr>
+        <p:txBody>
+          <a:bodyPr wrap="square" rtlCol="0" anchor="ctr"/>
+          <a:lstStyle/>
+          <a:p>
+            <a:pPr marL="342900" indent="-342900">
+              <a:buSzPct val="100000"/>
+              <a:buChar char="•"/>
+            </a:pPr>
+            <a:r>
+              <a:rPr lang="en-US" sz="1400" dirty="0">
+                <a:solidFill>
+                  <a:srgbClr val="000000"/>
+                </a:solidFill>
+              </a:rPr>
+              <a:t>• 8. 云3.0时代到来</a:t>
+            </a:r>
+            <a:endParaRPr lang="en-US" sz="1400" dirty="0"/>
+          </a:p>
+        </p:txBody>
+      </p:sp>
+    </p:spTree>
+  </p:cSld>
+  <p:clrMapOvr>
+    <a:masterClrMapping/>
+  </p:clrMapOvr>
+</p:sld>
+</file>
+
+<file path=ppt/slides/slide6.xml><?xml version="1.0" encoding="utf-8"?>
+<p:sld xmlns:a="http://schemas.openxmlformats.org/drawingml/2006/main" xmlns:r="http://schemas.openxmlformats.org/officeDocument/2006/relationships" xmlns:p="http://schemas.openxmlformats.org/presentationml/2006/main">
+  <p:cSld name="Slide 6">
+    <p:spTree>
+      <p:nvGrpSpPr>
+        <p:cNvPr id="1" name=""/>
+        <p:cNvGrpSpPr/>
+        <p:nvPr/>
+      </p:nvGrpSpPr>
+      <p:grpSpPr>
+        <a:xfrm>
+          <a:off x="0" y="0"/>
+          <a:ext cx="0" cy="0"/>
+          <a:chOff x="0" y="0"/>
+          <a:chExt cx="0" cy="0"/>
+        </a:xfrm>
+      </p:grpSpPr>
+      <p:sp>
+        <p:nvSpPr>
+          <p:cNvPr id="2" name="Text 0"/>
+          <p:cNvSpPr/>
+          <p:nvPr/>
+        </p:nvSpPr>
+        <p:spPr>
+          <a:xfrm>
+            <a:off x="457200" y="457200"/>
+            <a:ext cx="8229600" cy="731520"/>
+          </a:xfrm>
+          <a:prstGeom prst="rect">
+            <a:avLst/>
+          </a:prstGeom>
+          <a:noFill/>
+          <a:ln/>
+        </p:spPr>
+        <p:txBody>
+          <a:bodyPr wrap="square" rtlCol="0" anchor="ctr"/>
+          <a:lstStyle/>
+          <a:p>
+            <a:pPr indent="0" marL="0">
+              <a:buNone/>
+            </a:pPr>
+            <a:r>
+              <a:rPr lang="en-US" sz="2000" b="1" dirty="0">
+                <a:solidFill>
+                  <a:srgbClr val="1F4E79"/>
+                </a:solidFill>
+              </a:rPr>
+              <a:t>趋势一：AI治理全球化</a:t>
+            </a:r>
+            <a:endParaRPr lang="en-US" sz="2000" dirty="0"/>
+          </a:p>
+        </p:txBody>
+      </p:sp>
+      <p:sp>
+        <p:nvSpPr>
+          <p:cNvPr id="3" name="Text 1"/>
+          <p:cNvSpPr/>
+          <p:nvPr/>
+        </p:nvSpPr>
+        <p:spPr>
+          <a:xfrm>
+            <a:off x="457200" y="1371600"/>
+            <a:ext cx="8229600" cy="274320"/>
+          </a:xfrm>
+          <a:prstGeom prst="rect">
+            <a:avLst/>
+          </a:prstGeom>
+          <a:noFill/>
+          <a:ln/>
+        </p:spPr>
+        <p:txBody>
+          <a:bodyPr wrap="square" rtlCol="0" anchor="ctr"/>
+          <a:lstStyle/>
+          <a:p>
+            <a:pPr marL="342900" indent="-342900">
+              <a:buSzPct val="100000"/>
+              <a:buChar char="•"/>
+            </a:pPr>
+            <a:r>
+              <a:rPr lang="en-US" sz="1400" dirty="0">
+                <a:solidFill>
+                  <a:srgbClr val="000000"/>
+                </a:solidFill>
+              </a:rPr>
+              <a:t>• AI治理已成为全球发展议程的核心议题</a:t>
+            </a:r>
+            <a:endParaRPr lang="en-US" sz="1400" dirty="0"/>
+          </a:p>
+        </p:txBody>
+      </p:sp>
+      <p:sp>
+        <p:nvSpPr>
+          <p:cNvPr id="4" name="Text 2"/>
+          <p:cNvSpPr/>
+          <p:nvPr/>
+        </p:nvSpPr>
+        <p:spPr>
+          <a:xfrm>
+            <a:off x="457200" y="1737360"/>
+            <a:ext cx="8229600" cy="274320"/>
+          </a:xfrm>
+          <a:prstGeom prst="rect">
+            <a:avLst/>
+          </a:prstGeom>
+          <a:noFill/>
+          <a:ln/>
+        </p:spPr>
+        <p:txBody>
+          <a:bodyPr wrap="square" rtlCol="0" anchor="ctr"/>
+          <a:lstStyle/>
+          <a:p>
+            <a:pPr marL="342900" indent="-342900">
+              <a:buSzPct val="100000"/>
+              <a:buChar char="•"/>
+            </a:pPr>
+            <a:r>
+              <a:rPr lang="en-US" sz="1400" dirty="0">
+                <a:solidFill>
+                  <a:srgbClr val="000000"/>
+                </a:solidFill>
+              </a:rPr>
+              <a:t>• 各国政府和国际组织加强合作</a:t>
+            </a:r>
+            <a:endParaRPr lang="en-US" sz="1400" dirty="0"/>
+          </a:p>
+        </p:txBody>
+      </p:sp>
+      <p:sp>
+        <p:nvSpPr>
+          <p:cNvPr id="5" name="Text 3"/>
+          <p:cNvSpPr/>
+          <p:nvPr/>
+        </p:nvSpPr>
+        <p:spPr>
+          <a:xfrm>
+            <a:off x="457200" y="2103120"/>
+            <a:ext cx="8229600" cy="274320"/>
+          </a:xfrm>
+          <a:prstGeom prst="rect">
+            <a:avLst/>
+          </a:prstGeom>
+          <a:noFill/>
+          <a:ln/>
+        </p:spPr>
+        <p:txBody>
+          <a:bodyPr wrap="square" rtlCol="0" anchor="ctr"/>
+          <a:lstStyle/>
+          <a:p>
+            <a:pPr marL="342900" indent="-342900">
+              <a:buSzPct val="100000"/>
+              <a:buChar char="•"/>
+            </a:pPr>
+            <a:r>
+              <a:rPr lang="en-US" sz="1400" dirty="0">
+                <a:solidFill>
+                  <a:srgbClr val="000000"/>
+                </a:solidFill>
+              </a:rPr>
+              <a:t>• 制定统一的AI伦理标准和监管框架</a:t>
+            </a:r>
+            <a:endParaRPr lang="en-US" sz="1400" dirty="0"/>
+          </a:p>
+        </p:txBody>
+      </p:sp>
+      <p:sp>
+        <p:nvSpPr>
+          <p:cNvPr id="6" name="Text 4"/>
+          <p:cNvSpPr/>
+          <p:nvPr/>
+        </p:nvSpPr>
+        <p:spPr>
+          <a:xfrm>
+            <a:off x="457200" y="2468880"/>
+            <a:ext cx="8229600" cy="274320"/>
+          </a:xfrm>
+          <a:prstGeom prst="rect">
+            <a:avLst/>
+          </a:prstGeom>
+          <a:noFill/>
+          <a:ln/>
+        </p:spPr>
+        <p:txBody>
+          <a:bodyPr wrap="square" rtlCol="0" anchor="ctr"/>
+          <a:lstStyle/>
+          <a:p>
+            <a:pPr marL="342900" indent="-342900">
+              <a:buSzPct val="100000"/>
+              <a:buChar char="•"/>
+            </a:pPr>
+            <a:r>
+              <a:rPr lang="en-US" sz="1400" dirty="0">
+                <a:solidFill>
+                  <a:srgbClr val="000000"/>
+                </a:solidFill>
+              </a:rPr>
+              <a:t>• 推动人工智能健康发展，促进世界经济增长</a:t>
+            </a:r>
+            <a:endParaRPr lang="en-US" sz="1400" dirty="0"/>
+          </a:p>
+        </p:txBody>
+      </p:sp>
+    </p:spTree>
+  </p:cSld>
+  <p:clrMapOvr>
+    <a:masterClrMapping/>
+  </p:clrMapOvr>
+</p:sld>
+</file>
+
+<file path=ppt/slides/slide7.xml><?xml version="1.0" encoding="utf-8"?>
+<p:sld xmlns:a="http://schemas.openxmlformats.org/drawingml/2006/main" xmlns:r="http://schemas.openxmlformats.org/officeDocument/2006/relationships" xmlns:p="http://schemas.openxmlformats.org/presentationml/2006/main">
+  <p:cSld name="Slide 7">
+    <p:spTree>
+      <p:nvGrpSpPr>
+        <p:cNvPr id="1" name=""/>
+        <p:cNvGrpSpPr/>
+        <p:nvPr/>
+      </p:nvGrpSpPr>
+      <p:grpSpPr>
+        <a:xfrm>
+          <a:off x="0" y="0"/>
+          <a:ext cx="0" cy="0"/>
+          <a:chOff x="0" y="0"/>
+          <a:chExt cx="0" cy="0"/>
+        </a:xfrm>
+      </p:grpSpPr>
+      <p:sp>
+        <p:nvSpPr>
+          <p:cNvPr id="2" name="Text 0"/>
+          <p:cNvSpPr/>
+          <p:nvPr/>
+        </p:nvSpPr>
+        <p:spPr>
+          <a:xfrm>
+            <a:off x="457200" y="457200"/>
+            <a:ext cx="8229600" cy="731520"/>
+          </a:xfrm>
+          <a:prstGeom prst="rect">
+            <a:avLst/>
+          </a:prstGeom>
+          <a:noFill/>
+          <a:ln/>
+        </p:spPr>
+        <p:txBody>
+          <a:bodyPr wrap="square" rtlCol="0" anchor="ctr"/>
+          <a:lstStyle/>
+          <a:p>
+            <a:pPr indent="0" marL="0">
+              <a:buNone/>
+            </a:pPr>
+            <a:r>
+              <a:rPr lang="en-US" sz="2000" b="1" dirty="0">
+                <a:solidFill>
+                  <a:srgbClr val="1F4E79"/>
+                </a:solidFill>
+              </a:rPr>
+              <a:t>趋势二：智能算力规模化</a:t>
+            </a:r>
+            <a:endParaRPr lang="en-US" sz="2000" dirty="0"/>
+          </a:p>
+        </p:txBody>
+      </p:sp>
+      <p:sp>
+        <p:nvSpPr>
+          <p:cNvPr id="3" name="Text 1"/>
+          <p:cNvSpPr/>
+          <p:nvPr/>
+        </p:nvSpPr>
+        <p:spPr>
+          <a:xfrm>
+            <a:off x="457200" y="1371600"/>
+            <a:ext cx="8229600" cy="274320"/>
+          </a:xfrm>
+          <a:prstGeom prst="rect">
+            <a:avLst/>
+          </a:prstGeom>
+          <a:noFill/>
+          <a:ln/>
+        </p:spPr>
+        <p:txBody>
+          <a:bodyPr wrap="square" rtlCol="0" anchor="ctr"/>
+          <a:lstStyle/>
+          <a:p>
+            <a:pPr marL="342900" indent="-342900">
+              <a:buSzPct val="100000"/>
+              <a:buChar char="•"/>
+            </a:pPr>
+            <a:r>
+              <a:rPr lang="en-US" sz="1400" dirty="0">
+                <a:solidFill>
+                  <a:srgbClr val="000000"/>
+                </a:solidFill>
+              </a:rPr>
+              <a:t>• 关键产业要素供给进一步增强</a:t>
+            </a:r>
+            <a:endParaRPr lang="en-US" sz="1400" dirty="0"/>
+          </a:p>
+        </p:txBody>
+      </p:sp>
+      <p:sp>
+        <p:nvSpPr>
+          <p:cNvPr id="4" name="Text 2"/>
+          <p:cNvSpPr/>
+          <p:nvPr/>
+        </p:nvSpPr>
+        <p:spPr>
+          <a:xfrm>
+            <a:off x="457200" y="1737360"/>
+            <a:ext cx="8229600" cy="274320"/>
+          </a:xfrm>
+          <a:prstGeom prst="rect">
+            <a:avLst/>
+          </a:prstGeom>
+          <a:noFill/>
+          <a:ln/>
+        </p:spPr>
+        <p:txBody>
+          <a:bodyPr wrap="square" rtlCol="0" anchor="ctr"/>
+          <a:lstStyle/>
+          <a:p>
+            <a:pPr marL="342900" indent="-342900">
+              <a:buSzPct val="100000"/>
+              <a:buChar char="•"/>
+            </a:pPr>
+            <a:r>
+              <a:rPr lang="en-US" sz="1400" dirty="0">
+                <a:solidFill>
+                  <a:srgbClr val="000000"/>
+                </a:solidFill>
+              </a:rPr>
+              <a:t>• 国产AI芯片领域针对特定场景的规模化应用</a:t>
+            </a:r>
+            <a:endParaRPr lang="en-US" sz="1400" dirty="0"/>
+          </a:p>
+        </p:txBody>
+      </p:sp>
+      <p:sp>
+        <p:nvSpPr>
+          <p:cNvPr id="5" name="Text 3"/>
+          <p:cNvSpPr/>
+          <p:nvPr/>
+        </p:nvSpPr>
+        <p:spPr>
+          <a:xfrm>
+            <a:off x="457200" y="2103120"/>
+            <a:ext cx="8229600" cy="274320"/>
+          </a:xfrm>
+          <a:prstGeom prst="rect">
+            <a:avLst/>
+          </a:prstGeom>
+          <a:noFill/>
+          <a:ln/>
+        </p:spPr>
+        <p:txBody>
+          <a:bodyPr wrap="square" rtlCol="0" anchor="ctr"/>
+          <a:lstStyle/>
+          <a:p>
+            <a:pPr marL="342900" indent="-342900">
+              <a:buSzPct val="100000"/>
+              <a:buChar char="•"/>
+            </a:pPr>
+            <a:r>
+              <a:rPr lang="en-US" sz="1400" dirty="0">
+                <a:solidFill>
+                  <a:srgbClr val="000000"/>
+                </a:solidFill>
+              </a:rPr>
+              <a:t>• 全国一体化算力网建设推动算力基础设施协同升级</a:t>
+            </a:r>
+            <a:endParaRPr lang="en-US" sz="1400" dirty="0"/>
+          </a:p>
+        </p:txBody>
+      </p:sp>
+      <p:sp>
+        <p:nvSpPr>
+          <p:cNvPr id="6" name="Text 4"/>
+          <p:cNvSpPr/>
+          <p:nvPr/>
+        </p:nvSpPr>
+        <p:spPr>
+          <a:xfrm>
+            <a:off x="457200" y="2468880"/>
+            <a:ext cx="8229600" cy="274320"/>
+          </a:xfrm>
+          <a:prstGeom prst="rect">
+            <a:avLst/>
+          </a:prstGeom>
+          <a:noFill/>
+          <a:ln/>
+        </p:spPr>
+        <p:txBody>
+          <a:bodyPr wrap="square" rtlCol="0" anchor="ctr"/>
+          <a:lstStyle/>
+          <a:p>
+            <a:pPr marL="342900" indent="-342900">
+              <a:buSzPct val="100000"/>
+              <a:buChar char="•"/>
+            </a:pPr>
+            <a:r>
+              <a:rPr lang="en-US" sz="1400" dirty="0">
+                <a:solidFill>
+                  <a:srgbClr val="000000"/>
+                </a:solidFill>
+              </a:rPr>
+              <a:t>• 实现资源的高效配置</a:t>
+            </a:r>
+            <a:endParaRPr lang="en-US" sz="1400" dirty="0"/>
+          </a:p>
+        </p:txBody>
+      </p:sp>
+    </p:spTree>
+  </p:cSld>
+  <p:clrMapOvr>
+    <a:masterClrMapping/>
+  </p:clrMapOvr>
+</p:sld>
+</file>
+
+<file path=ppt/slides/slide8.xml><?xml version="1.0" encoding="utf-8"?>
+<p:sld xmlns:a="http://schemas.openxmlformats.org/drawingml/2006/main" xmlns:r="http://schemas.openxmlformats.org/officeDocument/2006/relationships" xmlns:p="http://schemas.openxmlformats.org/presentationml/2006/main">
+  <p:cSld name="Slide 8">
+    <p:spTree>
+      <p:nvGrpSpPr>
+        <p:cNvPr id="1" name=""/>
+        <p:cNvGrpSpPr/>
+        <p:nvPr/>
+      </p:nvGrpSpPr>
+      <p:grpSpPr>
+        <a:xfrm>
+          <a:off x="0" y="0"/>
+          <a:ext cx="0" cy="0"/>
+          <a:chOff x="0" y="0"/>
+          <a:chExt cx="0" cy="0"/>
+        </a:xfrm>
+      </p:grpSpPr>
+      <p:sp>
+        <p:nvSpPr>
+          <p:cNvPr id="2" name="Text 0"/>
+          <p:cNvSpPr/>
+          <p:nvPr/>
+        </p:nvSpPr>
+        <p:spPr>
+          <a:xfrm>
+            <a:off x="457200" y="457200"/>
+            <a:ext cx="8229600" cy="731520"/>
+          </a:xfrm>
+          <a:prstGeom prst="rect">
+            <a:avLst/>
+          </a:prstGeom>
+          <a:noFill/>
+          <a:ln/>
+        </p:spPr>
+        <p:txBody>
+          <a:bodyPr wrap="square" rtlCol="0" anchor="ctr"/>
+          <a:lstStyle/>
+          <a:p>
+            <a:pPr indent="0" marL="0">
+              <a:buNone/>
+            </a:pPr>
+            <a:r>
+              <a:rPr lang="en-US" sz="2000" b="1" dirty="0">
+                <a:solidFill>
+                  <a:srgbClr val="1F4E79"/>
+                </a:solidFill>
+              </a:rPr>
+              <a:t>趋势三：应用主流化</a:t>
+            </a:r>
+            <a:endParaRPr lang="en-US" sz="2000" dirty="0"/>
+          </a:p>
+        </p:txBody>
+      </p:sp>
+      <p:sp>
+        <p:nvSpPr>
+          <p:cNvPr id="3" name="Text 1"/>
+          <p:cNvSpPr/>
+          <p:nvPr/>
+        </p:nvSpPr>
+        <p:spPr>
+          <a:xfrm>
+            <a:off x="457200" y="1371600"/>
+            <a:ext cx="8229600" cy="274320"/>
+          </a:xfrm>
+          <a:prstGeom prst="rect">
+            <a:avLst/>
+          </a:prstGeom>
+          <a:noFill/>
+          <a:ln/>
+        </p:spPr>
+        <p:txBody>
+          <a:bodyPr wrap="square" rtlCol="0" anchor="ctr"/>
+          <a:lstStyle/>
+          <a:p>
+            <a:pPr marL="342900" indent="-342900">
+              <a:buSzPct val="100000"/>
+              <a:buChar char="•"/>
+            </a:pPr>
+            <a:r>
+              <a:rPr lang="en-US" sz="1400" dirty="0">
+                <a:solidFill>
+                  <a:srgbClr val="000000"/>
+                </a:solidFill>
+              </a:rPr>
+              <a:t>• AI应用发展范式从追求通用能力转向深入解决垂直领域行业痛点</a:t>
+            </a:r>
+            <a:endParaRPr lang="en-US" sz="1400" dirty="0"/>
+          </a:p>
+        </p:txBody>
+      </p:sp>
+      <p:sp>
+        <p:nvSpPr>
+          <p:cNvPr id="4" name="Text 2"/>
+          <p:cNvSpPr/>
+          <p:nvPr/>
+        </p:nvSpPr>
+        <p:spPr>
+          <a:xfrm>
+            <a:off x="457200" y="1737360"/>
+            <a:ext cx="8229600" cy="274320"/>
+          </a:xfrm>
+          <a:prstGeom prst="rect">
+            <a:avLst/>
+          </a:prstGeom>
+          <a:noFill/>
+          <a:ln/>
+        </p:spPr>
+        <p:txBody>
+          <a:bodyPr wrap="square" rtlCol="0" anchor="ctr"/>
+          <a:lstStyle/>
+          <a:p>
+            <a:pPr marL="342900" indent="-342900">
+              <a:buSzPct val="100000"/>
+              <a:buChar char="•"/>
+            </a:pPr>
+            <a:r>
+              <a:rPr lang="en-US" sz="1400" dirty="0">
+                <a:solidFill>
+                  <a:srgbClr val="000000"/>
+                </a:solidFill>
+              </a:rPr>
+              <a:t>• AI智能体全面走进各种应用场景</a:t>
+            </a:r>
+            <a:endParaRPr lang="en-US" sz="1400" dirty="0"/>
+          </a:p>
+        </p:txBody>
+      </p:sp>
+      <p:sp>
+        <p:nvSpPr>
+          <p:cNvPr id="5" name="Text 3"/>
+          <p:cNvSpPr/>
+          <p:nvPr/>
+        </p:nvSpPr>
+        <p:spPr>
+          <a:xfrm>
+            <a:off x="457200" y="2103120"/>
+            <a:ext cx="8229600" cy="274320"/>
+          </a:xfrm>
+          <a:prstGeom prst="rect">
+            <a:avLst/>
+          </a:prstGeom>
+          <a:noFill/>
+          <a:ln/>
+        </p:spPr>
+        <p:txBody>
+          <a:bodyPr wrap="square" rtlCol="0" anchor="ctr"/>
+          <a:lstStyle/>
+          <a:p>
+            <a:pPr marL="342900" indent="-342900">
+              <a:buSzPct val="100000"/>
+              <a:buChar char="•"/>
+            </a:pPr>
+            <a:r>
+              <a:rPr lang="en-US" sz="1400" dirty="0">
+                <a:solidFill>
+                  <a:srgbClr val="000000"/>
+                </a:solidFill>
+              </a:rPr>
+              <a:t>• 成为各行各业数字化转型的重要驱动力</a:t>
+            </a:r>
+            <a:endParaRPr lang="en-US" sz="1400" dirty="0"/>
+          </a:p>
+        </p:txBody>
+      </p:sp>
+      <p:sp>
+        <p:nvSpPr>
+          <p:cNvPr id="6" name="Text 4"/>
+          <p:cNvSpPr/>
+          <p:nvPr/>
+        </p:nvSpPr>
+        <p:spPr>
+          <a:xfrm>
+            <a:off x="457200" y="2468880"/>
+            <a:ext cx="8229600" cy="274320"/>
+          </a:xfrm>
+          <a:prstGeom prst="rect">
+            <a:avLst/>
+          </a:prstGeom>
+          <a:noFill/>
+          <a:ln/>
+        </p:spPr>
+        <p:txBody>
+          <a:bodyPr wrap="square" rtlCol="0" anchor="ctr"/>
+          <a:lstStyle/>
+          <a:p>
+            <a:pPr marL="342900" indent="-342900">
+              <a:buSzPct val="100000"/>
+              <a:buChar char="•"/>
+            </a:pPr>
+            <a:r>
+              <a:rPr lang="en-US" sz="1400" dirty="0">
+                <a:solidFill>
+                  <a:srgbClr val="000000"/>
+                </a:solidFill>
+              </a:rPr>
+              <a:t>• 预计2026年国内人工智能核心产业规模突破1.2万亿元</a:t>
+            </a:r>
+            <a:endParaRPr lang="en-US" sz="1400" dirty="0"/>
+          </a:p>
+        </p:txBody>
+      </p:sp>
+    </p:spTree>
+  </p:cSld>
+  <p:clrMapOvr>
+    <a:masterClrMapping/>
+  </p:clrMapOvr>
+</p:sld>
+</file>
+
+<file path=ppt/slides/slide9.xml><?xml version="1.0" encoding="utf-8"?>
+<p:sld xmlns:a="http://schemas.openxmlformats.org/drawingml/2006/main" xmlns:r="http://schemas.openxmlformats.org/officeDocument/2006/relationships" xmlns:p="http://schemas.openxmlformats.org/presentationml/2006/main">
+  <p:cSld name="Slide 9">
+    <p:spTree>
+      <p:nvGrpSpPr>
+        <p:cNvPr id="1" name=""/>
+        <p:cNvGrpSpPr/>
+        <p:nvPr/>
+      </p:nvGrpSpPr>
+      <p:grpSpPr>
+        <a:xfrm>
+          <a:off x="0" y="0"/>
+          <a:ext cx="0" cy="0"/>
+          <a:chOff x="0" y="0"/>
+          <a:chExt cx="0" cy="0"/>
+        </a:xfrm>
+      </p:grpSpPr>
+      <p:sp>
+        <p:nvSpPr>
+          <p:cNvPr id="2" name="Text 0"/>
+          <p:cNvSpPr/>
+          <p:nvPr/>
+        </p:nvSpPr>
+        <p:spPr>
+          <a:xfrm>
+            <a:off x="457200" y="457200"/>
+            <a:ext cx="8229600" cy="731520"/>
+          </a:xfrm>
+          <a:prstGeom prst="rect">
+            <a:avLst/>
+          </a:prstGeom>
+          <a:noFill/>
+          <a:ln/>
+        </p:spPr>
+        <p:txBody>
+          <a:bodyPr wrap="square" rtlCol="0" anchor="ctr"/>
+          <a:lstStyle/>
+          <a:p>
+            <a:pPr indent="0" marL="0">
+              <a:buNone/>
+            </a:pPr>
+            <a:r>
+              <a:rPr lang="en-US" sz="2000" b="1" dirty="0">
+                <a:solidFill>
+                  <a:srgbClr val="1F4E79"/>
+                </a:solidFill>
+              </a:rPr>
+              <a:t>趋势四：多模态实用化</a:t>
+            </a:r>
+            <a:endParaRPr lang="en-US" sz="2000" dirty="0"/>
+          </a:p>
+        </p:txBody>
+      </p:sp>
+      <p:sp>
+        <p:nvSpPr>
+          <p:cNvPr id="3" name="Text 1"/>
+          <p:cNvSpPr/>
+          <p:nvPr/>
+        </p:nvSpPr>
+        <p:spPr>
+          <a:xfrm>
+            <a:off x="457200" y="1371600"/>
+            <a:ext cx="8229600" cy="274320"/>
+          </a:xfrm>
+          <a:prstGeom prst="rect">
+            <a:avLst/>
+          </a:prstGeom>
+          <a:noFill/>
+          <a:ln/>
+        </p:spPr>
+        <p:txBody>
+          <a:bodyPr wrap="square" rtlCol="0" anchor="ctr"/>
+          <a:lstStyle/>
+          <a:p>
+            <a:pPr marL="342900" indent="-342900">
+              <a:buSzPct val="100000"/>
+              <a:buChar char="•"/>
+            </a:pPr>
+            <a:r>
+              <a:rPr lang="en-US" sz="1400" dirty="0">
+                <a:solidFill>
+                  <a:srgbClr val="000000"/>
+                </a:solidFill>
+              </a:rPr>
+              <a:t>• 核心技术从'专用工具'向'通用智能伙伴'跨越</a:t>
+            </a:r>
+            <a:endParaRPr lang="en-US" sz="1400" dirty="0"/>
+          </a:p>
+        </p:txBody>
+      </p:sp>
+      <p:sp>
+        <p:nvSpPr>
+          <p:cNvPr id="4" name="Text 2"/>
+          <p:cNvSpPr/>
+          <p:nvPr/>
+        </p:nvSpPr>
+        <p:spPr>
+          <a:xfrm>
+            <a:off x="457200" y="1737360"/>
+            <a:ext cx="8229600" cy="274320"/>
+          </a:xfrm>
+          <a:prstGeom prst="rect">
+            <a:avLst/>
+          </a:prstGeom>
+          <a:noFill/>
+          <a:ln/>
+        </p:spPr>
+        <p:txBody>
+          <a:bodyPr wrap="square" rtlCol="0" anchor="ctr"/>
+          <a:lstStyle/>
+          <a:p>
+            <a:pPr marL="342900" indent="-342900">
+              <a:buSzPct val="100000"/>
+              <a:buChar char="•"/>
+            </a:pPr>
+            <a:r>
+              <a:rPr lang="en-US" sz="1400" dirty="0">
+                <a:solidFill>
+                  <a:srgbClr val="000000"/>
+                </a:solidFill>
+              </a:rPr>
+              <a:t>• '世界模型'技术发展助力AI从感知智能向决策智能演进</a:t>
+            </a:r>
+            <a:endParaRPr lang="en-US" sz="1400" dirty="0"/>
+          </a:p>
+        </p:txBody>
+      </p:sp>
+      <p:sp>
+        <p:nvSpPr>
+          <p:cNvPr id="5" name="Text 3"/>
+          <p:cNvSpPr/>
+          <p:nvPr/>
+        </p:nvSpPr>
+        <p:spPr>
+          <a:xfrm>
+            <a:off x="457200" y="2103120"/>
+            <a:ext cx="8229600" cy="274320"/>
+          </a:xfrm>
+          <a:prstGeom prst="rect">
+            <a:avLst/>
+          </a:prstGeom>
+          <a:noFill/>
+          <a:ln/>
+        </p:spPr>
+        <p:txBody>
+          <a:bodyPr wrap="square" rtlCol="0" anchor="ctr"/>
+          <a:lstStyle/>
+          <a:p>
+            <a:pPr marL="342900" indent="-342900">
+              <a:buSzPct val="100000"/>
+              <a:buChar char="•"/>
+            </a:pPr>
+            <a:r>
+              <a:rPr lang="en-US" sz="1400" dirty="0">
+                <a:solidFill>
+                  <a:srgbClr val="000000"/>
+                </a:solidFill>
+              </a:rPr>
+              <a:t>• AI系统能够更好地理解和适应复杂的现实环境</a:t>
+            </a:r>
+            <a:endParaRPr lang="en-US" sz="1400" dirty="0"/>
+          </a:p>
+        </p:txBody>
+      </p:sp>
+    </p:spTree>
+  </p:cSld>
+  <p:clrMapOvr>
+    <a:masterClrMapping/>
+  </p:clrMapOvr>
+</p:sld>
+</file>
+
 <file path=ppt/theme/theme1.xml><?xml version="1.0" encoding="utf-8"?>
 <a:theme xmlns:a="http://schemas.openxmlformats.org/drawingml/2006/main" name="Office Theme">
   <a:themeElements>
